--- a/Lecture_07.pptx
+++ b/Lecture_07.pptx
@@ -7,6 +7,13 @@
   <p:sldIdLst>
     <p:sldId id="256" r:id="rId2"/>
     <p:sldId id="257" r:id="rId3"/>
+    <p:sldId id="258" r:id="rId4"/>
+    <p:sldId id="259" r:id="rId5"/>
+    <p:sldId id="260" r:id="rId6"/>
+    <p:sldId id="261" r:id="rId7"/>
+    <p:sldId id="262" r:id="rId8"/>
+    <p:sldId id="263" r:id="rId9"/>
+    <p:sldId id="264" r:id="rId10"/>
   </p:sldIdLst>
   <p:sldSz cx="12192000" cy="6858000"/>
   <p:notesSz cx="6858000" cy="9144000"/>
@@ -105,6 +112,11 @@
       </a:defRPr>
     </a:lvl9pPr>
   </p:defaultTextStyle>
+  <p:extLst>
+    <p:ext uri="{EFAFB233-063F-42B5-8137-9DF3F51BA10A}">
+      <p15:sldGuideLst xmlns:p15="http://schemas.microsoft.com/office/powerpoint/2012/main"/>
+    </p:ext>
+  </p:extLst>
 </p:presentation>
 </file>
 
@@ -239,7 +251,7 @@
           <a:p>
             <a:fld id="{6EA0DF42-C853-42CE-81E0-CEE8956A2E22}" type="datetimeFigureOut">
               <a:rPr lang="en-CA" smtClean="0"/>
-              <a:t>2019-09-16</a:t>
+              <a:t>2019-09-17</a:t>
             </a:fld>
             <a:endParaRPr lang="en-CA"/>
           </a:p>
@@ -409,7 +421,7 @@
           <a:p>
             <a:fld id="{6EA0DF42-C853-42CE-81E0-CEE8956A2E22}" type="datetimeFigureOut">
               <a:rPr lang="en-CA" smtClean="0"/>
-              <a:t>2019-09-16</a:t>
+              <a:t>2019-09-17</a:t>
             </a:fld>
             <a:endParaRPr lang="en-CA"/>
           </a:p>
@@ -589,7 +601,7 @@
           <a:p>
             <a:fld id="{6EA0DF42-C853-42CE-81E0-CEE8956A2E22}" type="datetimeFigureOut">
               <a:rPr lang="en-CA" smtClean="0"/>
-              <a:t>2019-09-16</a:t>
+              <a:t>2019-09-17</a:t>
             </a:fld>
             <a:endParaRPr lang="en-CA"/>
           </a:p>
@@ -759,7 +771,7 @@
           <a:p>
             <a:fld id="{6EA0DF42-C853-42CE-81E0-CEE8956A2E22}" type="datetimeFigureOut">
               <a:rPr lang="en-CA" smtClean="0"/>
-              <a:t>2019-09-16</a:t>
+              <a:t>2019-09-17</a:t>
             </a:fld>
             <a:endParaRPr lang="en-CA"/>
           </a:p>
@@ -1005,7 +1017,7 @@
           <a:p>
             <a:fld id="{6EA0DF42-C853-42CE-81E0-CEE8956A2E22}" type="datetimeFigureOut">
               <a:rPr lang="en-CA" smtClean="0"/>
-              <a:t>2019-09-16</a:t>
+              <a:t>2019-09-17</a:t>
             </a:fld>
             <a:endParaRPr lang="en-CA"/>
           </a:p>
@@ -1237,7 +1249,7 @@
           <a:p>
             <a:fld id="{6EA0DF42-C853-42CE-81E0-CEE8956A2E22}" type="datetimeFigureOut">
               <a:rPr lang="en-CA" smtClean="0"/>
-              <a:t>2019-09-16</a:t>
+              <a:t>2019-09-17</a:t>
             </a:fld>
             <a:endParaRPr lang="en-CA"/>
           </a:p>
@@ -1604,7 +1616,7 @@
           <a:p>
             <a:fld id="{6EA0DF42-C853-42CE-81E0-CEE8956A2E22}" type="datetimeFigureOut">
               <a:rPr lang="en-CA" smtClean="0"/>
-              <a:t>2019-09-16</a:t>
+              <a:t>2019-09-17</a:t>
             </a:fld>
             <a:endParaRPr lang="en-CA"/>
           </a:p>
@@ -1722,7 +1734,7 @@
           <a:p>
             <a:fld id="{6EA0DF42-C853-42CE-81E0-CEE8956A2E22}" type="datetimeFigureOut">
               <a:rPr lang="en-CA" smtClean="0"/>
-              <a:t>2019-09-16</a:t>
+              <a:t>2019-09-17</a:t>
             </a:fld>
             <a:endParaRPr lang="en-CA"/>
           </a:p>
@@ -1817,7 +1829,7 @@
           <a:p>
             <a:fld id="{6EA0DF42-C853-42CE-81E0-CEE8956A2E22}" type="datetimeFigureOut">
               <a:rPr lang="en-CA" smtClean="0"/>
-              <a:t>2019-09-16</a:t>
+              <a:t>2019-09-17</a:t>
             </a:fld>
             <a:endParaRPr lang="en-CA"/>
           </a:p>
@@ -2094,7 +2106,7 @@
           <a:p>
             <a:fld id="{6EA0DF42-C853-42CE-81E0-CEE8956A2E22}" type="datetimeFigureOut">
               <a:rPr lang="en-CA" smtClean="0"/>
-              <a:t>2019-09-16</a:t>
+              <a:t>2019-09-17</a:t>
             </a:fld>
             <a:endParaRPr lang="en-CA"/>
           </a:p>
@@ -2347,7 +2359,7 @@
           <a:p>
             <a:fld id="{6EA0DF42-C853-42CE-81E0-CEE8956A2E22}" type="datetimeFigureOut">
               <a:rPr lang="en-CA" smtClean="0"/>
-              <a:t>2019-09-16</a:t>
+              <a:t>2019-09-17</a:t>
             </a:fld>
             <a:endParaRPr lang="en-CA"/>
           </a:p>
@@ -2560,7 +2572,7 @@
           <a:p>
             <a:fld id="{6EA0DF42-C853-42CE-81E0-CEE8956A2E22}" type="datetimeFigureOut">
               <a:rPr lang="en-CA" smtClean="0"/>
-              <a:t>2019-09-16</a:t>
+              <a:t>2019-09-17</a:t>
             </a:fld>
             <a:endParaRPr lang="en-CA"/>
           </a:p>
@@ -3088,20 +3100,70 @@
             <p:ph idx="1"/>
           </p:nvPr>
         </p:nvSpPr>
-        <p:spPr/>
+        <p:spPr>
+          <a:xfrm>
+            <a:off x="838200" y="1825625"/>
+            <a:ext cx="11090564" cy="4351338"/>
+          </a:xfrm>
+        </p:spPr>
         <p:txBody>
           <a:bodyPr/>
           <a:lstStyle/>
           <a:p>
             <a:r>
               <a:rPr lang="en-CA" dirty="0" smtClean="0"/>
-              <a:t>Assignment submission</a:t>
-            </a:r>
-          </a:p>
-          <a:p>
+              <a:t>Assignment submission </a:t>
+            </a:r>
+            <a:r>
+              <a:rPr lang="en-CA" dirty="0" smtClean="0"/>
+              <a:t>format</a:t>
+            </a:r>
+          </a:p>
+          <a:p>
+            <a:pPr lvl="1"/>
+            <a:r>
+              <a:rPr lang="en-CA" dirty="0" smtClean="0"/>
+              <a:t>On paper, build table for 1R/Naïve Bayes, show full decision tree + calculations</a:t>
+            </a:r>
+            <a:endParaRPr lang="en-CA" dirty="0" smtClean="0"/>
+          </a:p>
+          <a:p>
+            <a:r>
+              <a:rPr lang="en-CA" dirty="0" smtClean="0"/>
+              <a:t>Question </a:t>
+            </a:r>
+            <a:r>
+              <a:rPr lang="en-CA" dirty="0" smtClean="0"/>
+              <a:t>3</a:t>
+            </a:r>
+          </a:p>
+          <a:p>
+            <a:pPr lvl="1"/>
+            <a:r>
+              <a:rPr lang="en-CA" dirty="0" smtClean="0"/>
+              <a:t>Decision tree will not always yield pure nodes</a:t>
+            </a:r>
+            <a:endParaRPr lang="en-CA" dirty="0" smtClean="0"/>
+          </a:p>
+          <a:p>
+            <a:r>
+              <a:rPr lang="en-CA" dirty="0" smtClean="0"/>
+              <a:t>Midterm open book</a:t>
+            </a:r>
+            <a:r>
+              <a:rPr lang="en-CA" dirty="0" smtClean="0"/>
+              <a:t>?</a:t>
+            </a:r>
+          </a:p>
+          <a:p>
+            <a:pPr lvl="1"/>
+            <a:r>
+              <a:rPr lang="en-CA" dirty="0" smtClean="0"/>
+              <a:t>Not open book, but I will provide algorithms with handout to </a:t>
+            </a:r>
             <a:r>
               <a:rPr lang="en-CA" smtClean="0"/>
-              <a:t>Midterm open book?</a:t>
+              <a:t>refresh memory</a:t>
             </a:r>
             <a:endParaRPr lang="en-CA" dirty="0"/>
           </a:p>
@@ -3111,6 +3173,3288 @@
     <p:extLst>
       <p:ext uri="{BB962C8B-B14F-4D97-AF65-F5344CB8AC3E}">
         <p14:creationId xmlns:p14="http://schemas.microsoft.com/office/powerpoint/2010/main" val="1848442239"/>
+      </p:ext>
+    </p:extLst>
+  </p:cSld>
+  <p:clrMapOvr>
+    <a:masterClrMapping/>
+  </p:clrMapOvr>
+  <p:timing>
+    <p:tnLst>
+      <p:par>
+        <p:cTn id="1" dur="indefinite" restart="never" nodeType="tmRoot"/>
+      </p:par>
+    </p:tnLst>
+  </p:timing>
+</p:sld>
+</file>
+
+<file path=ppt/slides/slide3.xml><?xml version="1.0" encoding="utf-8"?>
+<p:sld xmlns:a="http://schemas.openxmlformats.org/drawingml/2006/main" xmlns:r="http://schemas.openxmlformats.org/officeDocument/2006/relationships" xmlns:p="http://schemas.openxmlformats.org/presentationml/2006/main">
+  <p:cSld>
+    <p:spTree>
+      <p:nvGrpSpPr>
+        <p:cNvPr id="1" name=""/>
+        <p:cNvGrpSpPr/>
+        <p:nvPr/>
+      </p:nvGrpSpPr>
+      <p:grpSpPr>
+        <a:xfrm>
+          <a:off x="0" y="0"/>
+          <a:ext cx="0" cy="0"/>
+          <a:chOff x="0" y="0"/>
+          <a:chExt cx="0" cy="0"/>
+        </a:xfrm>
+      </p:grpSpPr>
+      <p:sp>
+        <p:nvSpPr>
+          <p:cNvPr id="2" name="Title 1"/>
+          <p:cNvSpPr>
+            <a:spLocks noGrp="1"/>
+          </p:cNvSpPr>
+          <p:nvPr>
+            <p:ph type="title"/>
+          </p:nvPr>
+        </p:nvSpPr>
+        <p:spPr/>
+        <p:txBody>
+          <a:bodyPr/>
+          <a:lstStyle/>
+          <a:p>
+            <a:r>
+              <a:rPr lang="en-CA" dirty="0" smtClean="0"/>
+              <a:t>4.6 Linear Models</a:t>
+            </a:r>
+            <a:endParaRPr lang="en-CA" dirty="0"/>
+          </a:p>
+        </p:txBody>
+      </p:sp>
+      <p:sp>
+        <p:nvSpPr>
+          <p:cNvPr id="3" name="Content Placeholder 2"/>
+          <p:cNvSpPr>
+            <a:spLocks noGrp="1"/>
+          </p:cNvSpPr>
+          <p:nvPr>
+            <p:ph idx="1"/>
+          </p:nvPr>
+        </p:nvSpPr>
+        <p:spPr/>
+        <p:txBody>
+          <a:bodyPr/>
+          <a:lstStyle/>
+          <a:p>
+            <a:r>
+              <a:rPr lang="en-CA" dirty="0" smtClean="0"/>
+              <a:t>Decision trees and rules work most naturally with nominal attributes</a:t>
+            </a:r>
+          </a:p>
+          <a:p>
+            <a:pPr lvl="1"/>
+            <a:r>
+              <a:rPr lang="en-CA" dirty="0" smtClean="0"/>
+              <a:t>Can be extended to deal with numerical attributes (Chapter 6, 8)</a:t>
+            </a:r>
+          </a:p>
+          <a:p>
+            <a:r>
+              <a:rPr lang="en-CA" dirty="0" smtClean="0"/>
+              <a:t>Linear models work more naturally with numerical attributes/classes</a:t>
+            </a:r>
+          </a:p>
+          <a:p>
+            <a:endParaRPr lang="en-CA" dirty="0" smtClean="0"/>
+          </a:p>
+          <a:p>
+            <a:endParaRPr lang="en-CA" dirty="0" smtClean="0"/>
+          </a:p>
+          <a:p>
+            <a:endParaRPr lang="en-CA" dirty="0"/>
+          </a:p>
+        </p:txBody>
+      </p:sp>
+      <p:pic>
+        <p:nvPicPr>
+          <p:cNvPr id="4" name="Picture 3"/>
+          <p:cNvPicPr>
+            <a:picLocks noChangeAspect="1"/>
+          </p:cNvPicPr>
+          <p:nvPr/>
+        </p:nvPicPr>
+        <p:blipFill>
+          <a:blip r:embed="rId2"/>
+          <a:stretch>
+            <a:fillRect/>
+          </a:stretch>
+        </p:blipFill>
+        <p:spPr>
+          <a:xfrm>
+            <a:off x="3574472" y="3490237"/>
+            <a:ext cx="4271530" cy="2821663"/>
+          </a:xfrm>
+          <a:prstGeom prst="rect">
+            <a:avLst/>
+          </a:prstGeom>
+        </p:spPr>
+      </p:pic>
+    </p:spTree>
+    <p:extLst>
+      <p:ext uri="{BB962C8B-B14F-4D97-AF65-F5344CB8AC3E}">
+        <p14:creationId xmlns:p14="http://schemas.microsoft.com/office/powerpoint/2010/main" val="363931734"/>
+      </p:ext>
+    </p:extLst>
+  </p:cSld>
+  <p:clrMapOvr>
+    <a:masterClrMapping/>
+  </p:clrMapOvr>
+  <p:timing>
+    <p:tnLst>
+      <p:par>
+        <p:cTn id="1" dur="indefinite" restart="never" nodeType="tmRoot"/>
+      </p:par>
+    </p:tnLst>
+  </p:timing>
+</p:sld>
+</file>
+
+<file path=ppt/slides/slide4.xml><?xml version="1.0" encoding="utf-8"?>
+<p:sld xmlns:a="http://schemas.openxmlformats.org/drawingml/2006/main" xmlns:r="http://schemas.openxmlformats.org/officeDocument/2006/relationships" xmlns:p="http://schemas.openxmlformats.org/presentationml/2006/main">
+  <p:cSld>
+    <p:spTree>
+      <p:nvGrpSpPr>
+        <p:cNvPr id="1" name=""/>
+        <p:cNvGrpSpPr/>
+        <p:nvPr/>
+      </p:nvGrpSpPr>
+      <p:grpSpPr>
+        <a:xfrm>
+          <a:off x="0" y="0"/>
+          <a:ext cx="0" cy="0"/>
+          <a:chOff x="0" y="0"/>
+          <a:chExt cx="0" cy="0"/>
+        </a:xfrm>
+      </p:grpSpPr>
+      <p:sp>
+        <p:nvSpPr>
+          <p:cNvPr id="2" name="Title 1"/>
+          <p:cNvSpPr>
+            <a:spLocks noGrp="1"/>
+          </p:cNvSpPr>
+          <p:nvPr>
+            <p:ph type="title"/>
+          </p:nvPr>
+        </p:nvSpPr>
+        <p:spPr/>
+        <p:txBody>
+          <a:bodyPr/>
+          <a:lstStyle/>
+          <a:p>
+            <a:r>
+              <a:rPr lang="en-CA" dirty="0" smtClean="0"/>
+              <a:t>Linear Regression</a:t>
+            </a:r>
+            <a:endParaRPr lang="en-CA" dirty="0"/>
+          </a:p>
+        </p:txBody>
+      </p:sp>
+      <mc:AlternateContent xmlns:mc="http://schemas.openxmlformats.org/markup-compatibility/2006">
+        <mc:Choice xmlns:a14="http://schemas.microsoft.com/office/drawing/2010/main" Requires="a14">
+          <p:sp>
+            <p:nvSpPr>
+              <p:cNvPr id="3" name="Content Placeholder 2"/>
+              <p:cNvSpPr>
+                <a:spLocks noGrp="1"/>
+              </p:cNvSpPr>
+              <p:nvPr>
+                <p:ph idx="1"/>
+              </p:nvPr>
+            </p:nvSpPr>
+            <p:spPr>
+              <a:xfrm>
+                <a:off x="235527" y="1825625"/>
+                <a:ext cx="11499273" cy="4351338"/>
+              </a:xfrm>
+            </p:spPr>
+            <p:txBody>
+              <a:bodyPr>
+                <a:normAutofit lnSpcReduction="10000"/>
+              </a:bodyPr>
+              <a:lstStyle/>
+              <a:p>
+                <a:r>
+                  <a:rPr lang="en-CA" dirty="0" smtClean="0"/>
+                  <a:t>When the outcome or class is numeric and all the attributes are numeric, Linear Regression is a natural technique to consider</a:t>
+                </a:r>
+                <a:endParaRPr lang="en-CA" dirty="0"/>
+              </a:p>
+              <a:p>
+                <a14:m>
+                  <m:oMath xmlns:m="http://schemas.openxmlformats.org/officeDocument/2006/math">
+                    <m:r>
+                      <m:rPr>
+                        <m:sty m:val="p"/>
+                      </m:rPr>
+                      <a:rPr lang="en-CA" b="0" i="0" smtClean="0">
+                        <a:latin typeface="Cambria Math" panose="02040503050406030204" pitchFamily="18" charset="0"/>
+                      </a:rPr>
+                      <m:t>x</m:t>
+                    </m:r>
+                    <m:r>
+                      <a:rPr lang="en-CA" b="0" i="0" smtClean="0">
+                        <a:latin typeface="Cambria Math" panose="02040503050406030204" pitchFamily="18" charset="0"/>
+                      </a:rPr>
+                      <m:t>=</m:t>
+                    </m:r>
+                    <m:r>
+                      <m:rPr>
+                        <m:sty m:val="p"/>
+                      </m:rPr>
+                      <a:rPr lang="en-CA" b="0" i="0" smtClean="0">
+                        <a:latin typeface="Cambria Math" panose="02040503050406030204" pitchFamily="18" charset="0"/>
+                      </a:rPr>
+                      <m:t>w</m:t>
+                    </m:r>
+                    <m:r>
+                      <a:rPr lang="en-CA" b="0" i="0" baseline="-25000" smtClean="0">
+                        <a:latin typeface="Cambria Math" panose="02040503050406030204" pitchFamily="18" charset="0"/>
+                      </a:rPr>
+                      <m:t>0</m:t>
+                    </m:r>
+                    <m:r>
+                      <a:rPr lang="en-CA" b="0" i="0" smtClean="0">
+                        <a:latin typeface="Cambria Math" panose="02040503050406030204" pitchFamily="18" charset="0"/>
+                      </a:rPr>
+                      <m:t>+</m:t>
+                    </m:r>
+                    <m:r>
+                      <m:rPr>
+                        <m:sty m:val="p"/>
+                      </m:rPr>
+                      <a:rPr lang="en-CA" b="0" i="0" smtClean="0">
+                        <a:latin typeface="Cambria Math" panose="02040503050406030204" pitchFamily="18" charset="0"/>
+                      </a:rPr>
+                      <m:t>w</m:t>
+                    </m:r>
+                    <m:r>
+                      <a:rPr lang="en-CA" b="0" i="0" baseline="-25000" smtClean="0">
+                        <a:latin typeface="Cambria Math" panose="02040503050406030204" pitchFamily="18" charset="0"/>
+                      </a:rPr>
+                      <m:t>1</m:t>
+                    </m:r>
+                    <m:r>
+                      <m:rPr>
+                        <m:sty m:val="p"/>
+                      </m:rPr>
+                      <a:rPr lang="en-CA" b="0" i="0" smtClean="0">
+                        <a:latin typeface="Cambria Math" panose="02040503050406030204" pitchFamily="18" charset="0"/>
+                      </a:rPr>
+                      <m:t>a</m:t>
+                    </m:r>
+                    <m:r>
+                      <a:rPr lang="en-CA" b="0" i="0" baseline="-25000" smtClean="0">
+                        <a:latin typeface="Cambria Math" panose="02040503050406030204" pitchFamily="18" charset="0"/>
+                      </a:rPr>
+                      <m:t>1</m:t>
+                    </m:r>
+                    <m:r>
+                      <a:rPr lang="en-CA" b="0" i="0" smtClean="0">
+                        <a:latin typeface="Cambria Math" panose="02040503050406030204" pitchFamily="18" charset="0"/>
+                      </a:rPr>
+                      <m:t>+</m:t>
+                    </m:r>
+                    <m:r>
+                      <m:rPr>
+                        <m:sty m:val="p"/>
+                      </m:rPr>
+                      <a:rPr lang="en-CA" b="0" i="0" smtClean="0">
+                        <a:latin typeface="Cambria Math" panose="02040503050406030204" pitchFamily="18" charset="0"/>
+                      </a:rPr>
+                      <m:t>w</m:t>
+                    </m:r>
+                    <m:r>
+                      <a:rPr lang="en-CA" b="0" i="0" baseline="-25000" smtClean="0">
+                        <a:latin typeface="Cambria Math" panose="02040503050406030204" pitchFamily="18" charset="0"/>
+                      </a:rPr>
+                      <m:t>2</m:t>
+                    </m:r>
+                    <m:r>
+                      <m:rPr>
+                        <m:sty m:val="p"/>
+                      </m:rPr>
+                      <a:rPr lang="en-CA" b="0" i="0" smtClean="0">
+                        <a:latin typeface="Cambria Math" panose="02040503050406030204" pitchFamily="18" charset="0"/>
+                      </a:rPr>
+                      <m:t>a</m:t>
+                    </m:r>
+                    <m:r>
+                      <a:rPr lang="en-CA" b="0" i="0" baseline="-25000" smtClean="0">
+                        <a:latin typeface="Cambria Math" panose="02040503050406030204" pitchFamily="18" charset="0"/>
+                      </a:rPr>
+                      <m:t>2</m:t>
+                    </m:r>
+                    <m:r>
+                      <a:rPr lang="en-CA" b="0" i="0" smtClean="0">
+                        <a:latin typeface="Cambria Math" panose="02040503050406030204" pitchFamily="18" charset="0"/>
+                      </a:rPr>
+                      <m:t>+…+</m:t>
+                    </m:r>
+                    <m:sSub>
+                      <m:sSubPr>
+                        <m:ctrlPr>
+                          <a:rPr lang="en-CA" b="0" i="1" smtClean="0">
+                            <a:latin typeface="Cambria Math" panose="02040503050406030204" pitchFamily="18" charset="0"/>
+                          </a:rPr>
+                        </m:ctrlPr>
+                      </m:sSubPr>
+                      <m:e>
+                        <m:r>
+                          <m:rPr>
+                            <m:sty m:val="p"/>
+                          </m:rPr>
+                          <a:rPr lang="en-CA" b="0" i="0" smtClean="0">
+                            <a:latin typeface="Cambria Math" panose="02040503050406030204" pitchFamily="18" charset="0"/>
+                          </a:rPr>
+                          <m:t>w</m:t>
+                        </m:r>
+                      </m:e>
+                      <m:sub>
+                        <m:r>
+                          <m:rPr>
+                            <m:sty m:val="p"/>
+                          </m:rPr>
+                          <a:rPr lang="en-CA" b="0" i="0" smtClean="0">
+                            <a:latin typeface="Cambria Math" panose="02040503050406030204" pitchFamily="18" charset="0"/>
+                          </a:rPr>
+                          <m:t>k</m:t>
+                        </m:r>
+                      </m:sub>
+                    </m:sSub>
+                    <m:sSub>
+                      <m:sSubPr>
+                        <m:ctrlPr>
+                          <a:rPr lang="en-CA" b="0" i="1" smtClean="0">
+                            <a:latin typeface="Cambria Math" panose="02040503050406030204" pitchFamily="18" charset="0"/>
+                          </a:rPr>
+                        </m:ctrlPr>
+                      </m:sSubPr>
+                      <m:e>
+                        <m:r>
+                          <m:rPr>
+                            <m:sty m:val="p"/>
+                          </m:rPr>
+                          <a:rPr lang="en-CA" b="0" i="0" smtClean="0">
+                            <a:latin typeface="Cambria Math" panose="02040503050406030204" pitchFamily="18" charset="0"/>
+                          </a:rPr>
+                          <m:t>a</m:t>
+                        </m:r>
+                      </m:e>
+                      <m:sub>
+                        <m:r>
+                          <m:rPr>
+                            <m:sty m:val="p"/>
+                          </m:rPr>
+                          <a:rPr lang="en-CA" b="0" i="0" smtClean="0">
+                            <a:latin typeface="Cambria Math" panose="02040503050406030204" pitchFamily="18" charset="0"/>
+                          </a:rPr>
+                          <m:t>k</m:t>
+                        </m:r>
+                      </m:sub>
+                    </m:sSub>
+                    <m:r>
+                      <a:rPr lang="en-CA" b="0" i="0" smtClean="0">
+                        <a:latin typeface="Cambria Math" panose="02040503050406030204" pitchFamily="18" charset="0"/>
+                      </a:rPr>
+                      <m:t>. </m:t>
+                    </m:r>
+                    <m:r>
+                      <a:rPr lang="en-CA" b="0" i="0" smtClean="0">
+                        <a:solidFill>
+                          <a:schemeClr val="bg1"/>
+                        </a:solidFill>
+                        <a:latin typeface="Cambria Math" panose="02040503050406030204" pitchFamily="18" charset="0"/>
+                      </a:rPr>
+                      <m:t>. </m:t>
+                    </m:r>
+                  </m:oMath>
+                </a14:m>
+                <a:endParaRPr lang="en-CA" dirty="0" smtClean="0">
+                  <a:solidFill>
+                    <a:schemeClr val="bg1"/>
+                  </a:solidFill>
+                </a:endParaRPr>
+              </a:p>
+              <a:p>
+                <a:r>
+                  <a:rPr lang="en-CA" dirty="0" smtClean="0"/>
+                  <a:t>Where </a:t>
+                </a:r>
+                <a:r>
+                  <a:rPr lang="en-CA" dirty="0" smtClean="0">
+                    <a:latin typeface="Cambria Math" panose="02040503050406030204" pitchFamily="18" charset="0"/>
+                    <a:ea typeface="Cambria Math" panose="02040503050406030204" pitchFamily="18" charset="0"/>
+                  </a:rPr>
+                  <a:t>x</a:t>
+                </a:r>
+                <a:r>
+                  <a:rPr lang="en-CA" dirty="0" smtClean="0"/>
+                  <a:t> is the </a:t>
+                </a:r>
+                <a:r>
+                  <a:rPr lang="en-CA" dirty="0" smtClean="0"/>
+                  <a:t>prediction, </a:t>
+                </a:r>
+                <a:r>
+                  <a:rPr lang="en-CA" dirty="0" smtClean="0">
+                    <a:latin typeface="Cambria Math" panose="02040503050406030204" pitchFamily="18" charset="0"/>
+                    <a:ea typeface="Cambria Math" panose="02040503050406030204" pitchFamily="18" charset="0"/>
+                  </a:rPr>
+                  <a:t>a</a:t>
+                </a:r>
+                <a:r>
+                  <a:rPr lang="en-CA" baseline="-25000" dirty="0" smtClean="0">
+                    <a:latin typeface="Cambria Math" panose="02040503050406030204" pitchFamily="18" charset="0"/>
+                    <a:ea typeface="Cambria Math" panose="02040503050406030204" pitchFamily="18" charset="0"/>
+                  </a:rPr>
+                  <a:t>1</a:t>
+                </a:r>
+                <a:r>
+                  <a:rPr lang="en-CA" dirty="0" smtClean="0">
+                    <a:latin typeface="Cambria Math" panose="02040503050406030204" pitchFamily="18" charset="0"/>
+                    <a:ea typeface="Cambria Math" panose="02040503050406030204" pitchFamily="18" charset="0"/>
+                  </a:rPr>
+                  <a:t>, a</a:t>
+                </a:r>
+                <a:r>
+                  <a:rPr lang="en-CA" baseline="-25000" dirty="0" smtClean="0">
+                    <a:latin typeface="Cambria Math" panose="02040503050406030204" pitchFamily="18" charset="0"/>
+                    <a:ea typeface="Cambria Math" panose="02040503050406030204" pitchFamily="18" charset="0"/>
+                  </a:rPr>
+                  <a:t>2</a:t>
+                </a:r>
+                <a:r>
+                  <a:rPr lang="en-CA" dirty="0" smtClean="0">
+                    <a:latin typeface="Cambria Math" panose="02040503050406030204" pitchFamily="18" charset="0"/>
+                    <a:ea typeface="Cambria Math" panose="02040503050406030204" pitchFamily="18" charset="0"/>
+                  </a:rPr>
+                  <a:t>,…</a:t>
+                </a:r>
+                <a:r>
+                  <a:rPr lang="en-CA" dirty="0" err="1" smtClean="0">
+                    <a:latin typeface="Cambria Math" panose="02040503050406030204" pitchFamily="18" charset="0"/>
+                    <a:ea typeface="Cambria Math" panose="02040503050406030204" pitchFamily="18" charset="0"/>
+                  </a:rPr>
+                  <a:t>a</a:t>
+                </a:r>
+                <a:r>
+                  <a:rPr lang="en-CA" baseline="-25000" dirty="0" err="1" smtClean="0">
+                    <a:latin typeface="Cambria Math" panose="02040503050406030204" pitchFamily="18" charset="0"/>
+                    <a:ea typeface="Cambria Math" panose="02040503050406030204" pitchFamily="18" charset="0"/>
+                  </a:rPr>
+                  <a:t>k</a:t>
+                </a:r>
+                <a:r>
+                  <a:rPr lang="en-CA" dirty="0" smtClean="0">
+                    <a:latin typeface="Cambria Math" panose="02040503050406030204" pitchFamily="18" charset="0"/>
+                    <a:ea typeface="Cambria Math" panose="02040503050406030204" pitchFamily="18" charset="0"/>
+                  </a:rPr>
+                  <a:t> </a:t>
+                </a:r>
+                <a:r>
+                  <a:rPr lang="en-CA" dirty="0" smtClean="0"/>
+                  <a:t>are attribute values, </a:t>
+                </a:r>
+                <a:r>
+                  <a:rPr lang="en-CA" dirty="0" smtClean="0">
+                    <a:latin typeface="Cambria Math" panose="02040503050406030204" pitchFamily="18" charset="0"/>
+                    <a:ea typeface="Cambria Math" panose="02040503050406030204" pitchFamily="18" charset="0"/>
+                  </a:rPr>
+                  <a:t>w</a:t>
+                </a:r>
+                <a:r>
+                  <a:rPr lang="en-CA" baseline="-25000" dirty="0" smtClean="0">
+                    <a:latin typeface="Cambria Math" panose="02040503050406030204" pitchFamily="18" charset="0"/>
+                    <a:ea typeface="Cambria Math" panose="02040503050406030204" pitchFamily="18" charset="0"/>
+                  </a:rPr>
+                  <a:t>0</a:t>
+                </a:r>
+                <a:r>
+                  <a:rPr lang="en-CA" dirty="0" smtClean="0">
+                    <a:latin typeface="Cambria Math" panose="02040503050406030204" pitchFamily="18" charset="0"/>
+                    <a:ea typeface="Cambria Math" panose="02040503050406030204" pitchFamily="18" charset="0"/>
+                  </a:rPr>
+                  <a:t>, w</a:t>
+                </a:r>
+                <a:r>
+                  <a:rPr lang="en-CA" baseline="-25000" dirty="0" smtClean="0">
+                    <a:latin typeface="Cambria Math" panose="02040503050406030204" pitchFamily="18" charset="0"/>
+                    <a:ea typeface="Cambria Math" panose="02040503050406030204" pitchFamily="18" charset="0"/>
+                  </a:rPr>
+                  <a:t>1</a:t>
+                </a:r>
+                <a:r>
+                  <a:rPr lang="en-CA" dirty="0" smtClean="0">
+                    <a:latin typeface="Cambria Math" panose="02040503050406030204" pitchFamily="18" charset="0"/>
+                    <a:ea typeface="Cambria Math" panose="02040503050406030204" pitchFamily="18" charset="0"/>
+                  </a:rPr>
+                  <a:t>, … </a:t>
+                </a:r>
+                <a:r>
+                  <a:rPr lang="en-CA" dirty="0" err="1" smtClean="0">
+                    <a:latin typeface="Cambria Math" panose="02040503050406030204" pitchFamily="18" charset="0"/>
+                    <a:ea typeface="Cambria Math" panose="02040503050406030204" pitchFamily="18" charset="0"/>
+                  </a:rPr>
+                  <a:t>w</a:t>
+                </a:r>
+                <a:r>
+                  <a:rPr lang="en-CA" baseline="-25000" dirty="0" err="1" smtClean="0">
+                    <a:latin typeface="Cambria Math" panose="02040503050406030204" pitchFamily="18" charset="0"/>
+                    <a:ea typeface="Cambria Math" panose="02040503050406030204" pitchFamily="18" charset="0"/>
+                  </a:rPr>
+                  <a:t>k</a:t>
+                </a:r>
+                <a:r>
+                  <a:rPr lang="en-CA" dirty="0" smtClean="0">
+                    <a:latin typeface="Cambria Math" panose="02040503050406030204" pitchFamily="18" charset="0"/>
+                    <a:ea typeface="Cambria Math" panose="02040503050406030204" pitchFamily="18" charset="0"/>
+                  </a:rPr>
+                  <a:t> </a:t>
+                </a:r>
+                <a:r>
+                  <a:rPr lang="en-CA" dirty="0" smtClean="0"/>
+                  <a:t>are weights</a:t>
+                </a:r>
+              </a:p>
+              <a:p>
+                <a:r>
+                  <a:rPr lang="en-CA" dirty="0" smtClean="0"/>
+                  <a:t>Weights are calculated from the training data</a:t>
+                </a:r>
+              </a:p>
+              <a:p>
+                <a:r>
+                  <a:rPr lang="en-CA" dirty="0"/>
+                  <a:t>Let </a:t>
+                </a:r>
+                <a:r>
+                  <a:rPr lang="en-CA" dirty="0">
+                    <a:latin typeface="Cambria Math" panose="02040503050406030204" pitchFamily="18" charset="0"/>
+                    <a:ea typeface="Cambria Math" panose="02040503050406030204" pitchFamily="18" charset="0"/>
+                  </a:rPr>
+                  <a:t>x</a:t>
+                </a:r>
+                <a:r>
+                  <a:rPr lang="en-CA" baseline="30000" dirty="0">
+                    <a:latin typeface="Cambria Math" panose="02040503050406030204" pitchFamily="18" charset="0"/>
+                    <a:ea typeface="Cambria Math" panose="02040503050406030204" pitchFamily="18" charset="0"/>
+                  </a:rPr>
+                  <a:t>(1) </a:t>
+                </a:r>
+                <a:r>
+                  <a:rPr lang="en-CA" dirty="0"/>
+                  <a:t>be </a:t>
+                </a:r>
+                <a:r>
+                  <a:rPr lang="en-CA" dirty="0" smtClean="0"/>
+                  <a:t>an instance </a:t>
+                </a:r>
+                <a:r>
+                  <a:rPr lang="en-CA" dirty="0"/>
+                  <a:t>with attribute values </a:t>
+                </a:r>
+                <a14:m>
+                  <m:oMath xmlns:m="http://schemas.openxmlformats.org/officeDocument/2006/math">
+                    <m:sSubSup>
+                      <m:sSubSupPr>
+                        <m:ctrlPr>
+                          <a:rPr lang="en-CA" i="1">
+                            <a:latin typeface="Cambria Math" panose="02040503050406030204" pitchFamily="18" charset="0"/>
+                            <a:ea typeface="Cambria Math" panose="02040503050406030204" pitchFamily="18" charset="0"/>
+                          </a:rPr>
+                        </m:ctrlPr>
+                      </m:sSubSupPr>
+                      <m:e>
+                        <m:r>
+                          <m:rPr>
+                            <m:sty m:val="p"/>
+                          </m:rPr>
+                          <a:rPr lang="en-CA">
+                            <a:latin typeface="Cambria Math" panose="02040503050406030204" pitchFamily="18" charset="0"/>
+                            <a:ea typeface="Cambria Math" panose="02040503050406030204" pitchFamily="18" charset="0"/>
+                          </a:rPr>
+                          <m:t>a</m:t>
+                        </m:r>
+                      </m:e>
+                      <m:sub>
+                        <m:r>
+                          <a:rPr lang="en-CA">
+                            <a:latin typeface="Cambria Math" panose="02040503050406030204" pitchFamily="18" charset="0"/>
+                            <a:ea typeface="Cambria Math" panose="02040503050406030204" pitchFamily="18" charset="0"/>
+                          </a:rPr>
+                          <m:t>1</m:t>
+                        </m:r>
+                      </m:sub>
+                      <m:sup>
+                        <m:r>
+                          <a:rPr lang="en-CA">
+                            <a:latin typeface="Cambria Math" panose="02040503050406030204" pitchFamily="18" charset="0"/>
+                            <a:ea typeface="Cambria Math" panose="02040503050406030204" pitchFamily="18" charset="0"/>
+                          </a:rPr>
+                          <m:t>(1)</m:t>
+                        </m:r>
+                      </m:sup>
+                    </m:sSubSup>
+                    <m:r>
+                      <a:rPr lang="en-CA">
+                        <a:latin typeface="Cambria Math" panose="02040503050406030204" pitchFamily="18" charset="0"/>
+                        <a:ea typeface="Cambria Math" panose="02040503050406030204" pitchFamily="18" charset="0"/>
+                      </a:rPr>
+                      <m:t>,</m:t>
+                    </m:r>
+                    <m:sSubSup>
+                      <m:sSubSupPr>
+                        <m:ctrlPr>
+                          <a:rPr lang="en-CA" i="1">
+                            <a:latin typeface="Cambria Math" panose="02040503050406030204" pitchFamily="18" charset="0"/>
+                            <a:ea typeface="Cambria Math" panose="02040503050406030204" pitchFamily="18" charset="0"/>
+                          </a:rPr>
+                        </m:ctrlPr>
+                      </m:sSubSupPr>
+                      <m:e>
+                        <m:r>
+                          <m:rPr>
+                            <m:sty m:val="p"/>
+                          </m:rPr>
+                          <a:rPr lang="en-CA">
+                            <a:latin typeface="Cambria Math" panose="02040503050406030204" pitchFamily="18" charset="0"/>
+                            <a:ea typeface="Cambria Math" panose="02040503050406030204" pitchFamily="18" charset="0"/>
+                          </a:rPr>
+                          <m:t>a</m:t>
+                        </m:r>
+                      </m:e>
+                      <m:sub>
+                        <m:r>
+                          <a:rPr lang="en-CA">
+                            <a:latin typeface="Cambria Math" panose="02040503050406030204" pitchFamily="18" charset="0"/>
+                            <a:ea typeface="Cambria Math" panose="02040503050406030204" pitchFamily="18" charset="0"/>
+                          </a:rPr>
+                          <m:t>2</m:t>
+                        </m:r>
+                      </m:sub>
+                      <m:sup>
+                        <m:r>
+                          <a:rPr lang="en-CA">
+                            <a:latin typeface="Cambria Math" panose="02040503050406030204" pitchFamily="18" charset="0"/>
+                            <a:ea typeface="Cambria Math" panose="02040503050406030204" pitchFamily="18" charset="0"/>
+                          </a:rPr>
+                          <m:t>(1)</m:t>
+                        </m:r>
+                      </m:sup>
+                    </m:sSubSup>
+                    <m:r>
+                      <a:rPr lang="en-CA">
+                        <a:latin typeface="Cambria Math" panose="02040503050406030204" pitchFamily="18" charset="0"/>
+                        <a:ea typeface="Cambria Math" panose="02040503050406030204" pitchFamily="18" charset="0"/>
+                      </a:rPr>
+                      <m:t>,</m:t>
+                    </m:r>
+                    <m:sSubSup>
+                      <m:sSubSupPr>
+                        <m:ctrlPr>
+                          <a:rPr lang="en-CA" i="1">
+                            <a:latin typeface="Cambria Math" panose="02040503050406030204" pitchFamily="18" charset="0"/>
+                            <a:ea typeface="Cambria Math" panose="02040503050406030204" pitchFamily="18" charset="0"/>
+                          </a:rPr>
+                        </m:ctrlPr>
+                      </m:sSubSupPr>
+                      <m:e>
+                        <m:r>
+                          <m:rPr>
+                            <m:sty m:val="p"/>
+                          </m:rPr>
+                          <a:rPr lang="en-CA">
+                            <a:latin typeface="Cambria Math" panose="02040503050406030204" pitchFamily="18" charset="0"/>
+                            <a:ea typeface="Cambria Math" panose="02040503050406030204" pitchFamily="18" charset="0"/>
+                          </a:rPr>
+                          <m:t>a</m:t>
+                        </m:r>
+                      </m:e>
+                      <m:sub>
+                        <m:r>
+                          <a:rPr lang="en-CA">
+                            <a:latin typeface="Cambria Math" panose="02040503050406030204" pitchFamily="18" charset="0"/>
+                            <a:ea typeface="Cambria Math" panose="02040503050406030204" pitchFamily="18" charset="0"/>
+                          </a:rPr>
+                          <m:t>3</m:t>
+                        </m:r>
+                      </m:sub>
+                      <m:sup>
+                        <m:r>
+                          <a:rPr lang="en-CA">
+                            <a:latin typeface="Cambria Math" panose="02040503050406030204" pitchFamily="18" charset="0"/>
+                            <a:ea typeface="Cambria Math" panose="02040503050406030204" pitchFamily="18" charset="0"/>
+                          </a:rPr>
+                          <m:t>(1)</m:t>
+                        </m:r>
+                      </m:sup>
+                    </m:sSubSup>
+                    <m:r>
+                      <a:rPr lang="en-CA">
+                        <a:latin typeface="Cambria Math" panose="02040503050406030204" pitchFamily="18" charset="0"/>
+                        <a:ea typeface="Cambria Math" panose="02040503050406030204" pitchFamily="18" charset="0"/>
+                      </a:rPr>
+                      <m:t>…</m:t>
+                    </m:r>
+                    <m:sSubSup>
+                      <m:sSubSupPr>
+                        <m:ctrlPr>
+                          <a:rPr lang="en-CA" i="1">
+                            <a:latin typeface="Cambria Math" panose="02040503050406030204" pitchFamily="18" charset="0"/>
+                            <a:ea typeface="Cambria Math" panose="02040503050406030204" pitchFamily="18" charset="0"/>
+                          </a:rPr>
+                        </m:ctrlPr>
+                      </m:sSubSupPr>
+                      <m:e>
+                        <m:r>
+                          <m:rPr>
+                            <m:sty m:val="p"/>
+                          </m:rPr>
+                          <a:rPr lang="en-CA">
+                            <a:latin typeface="Cambria Math" panose="02040503050406030204" pitchFamily="18" charset="0"/>
+                            <a:ea typeface="Cambria Math" panose="02040503050406030204" pitchFamily="18" charset="0"/>
+                          </a:rPr>
+                          <m:t>a</m:t>
+                        </m:r>
+                      </m:e>
+                      <m:sub>
+                        <m:r>
+                          <m:rPr>
+                            <m:sty m:val="p"/>
+                          </m:rPr>
+                          <a:rPr lang="en-CA">
+                            <a:latin typeface="Cambria Math" panose="02040503050406030204" pitchFamily="18" charset="0"/>
+                            <a:ea typeface="Cambria Math" panose="02040503050406030204" pitchFamily="18" charset="0"/>
+                          </a:rPr>
+                          <m:t>k</m:t>
+                        </m:r>
+                      </m:sub>
+                      <m:sup>
+                        <m:d>
+                          <m:dPr>
+                            <m:ctrlPr>
+                              <a:rPr lang="en-CA" i="1">
+                                <a:latin typeface="Cambria Math" panose="02040503050406030204" pitchFamily="18" charset="0"/>
+                                <a:ea typeface="Cambria Math" panose="02040503050406030204" pitchFamily="18" charset="0"/>
+                              </a:rPr>
+                            </m:ctrlPr>
+                          </m:dPr>
+                          <m:e>
+                            <m:r>
+                              <a:rPr lang="en-CA">
+                                <a:latin typeface="Cambria Math" panose="02040503050406030204" pitchFamily="18" charset="0"/>
+                                <a:ea typeface="Cambria Math" panose="02040503050406030204" pitchFamily="18" charset="0"/>
+                              </a:rPr>
+                              <m:t>1</m:t>
+                            </m:r>
+                          </m:e>
+                        </m:d>
+                      </m:sup>
+                    </m:sSubSup>
+                    <m:r>
+                      <a:rPr lang="en-CA">
+                        <a:latin typeface="Cambria Math" panose="02040503050406030204" pitchFamily="18" charset="0"/>
+                        <a:ea typeface="Cambria Math" panose="02040503050406030204" pitchFamily="18" charset="0"/>
+                      </a:rPr>
+                      <m:t>  </m:t>
+                    </m:r>
+                  </m:oMath>
+                </a14:m>
+                <a:endParaRPr lang="en-CA" dirty="0"/>
+              </a:p>
+              <a:p>
+                <a:r>
+                  <a:rPr lang="en-CA" dirty="0" smtClean="0"/>
+                  <a:t>The predicted value for the first </a:t>
+                </a:r>
+                <a:r>
+                  <a:rPr lang="en-CA" dirty="0" smtClean="0"/>
+                  <a:t>instance can </a:t>
+                </a:r>
+                <a:r>
+                  <a:rPr lang="en-CA" dirty="0" smtClean="0"/>
+                  <a:t>be written:</a:t>
+                </a:r>
+              </a:p>
+              <a:p>
+                <a14:m>
+                  <m:oMath xmlns:m="http://schemas.openxmlformats.org/officeDocument/2006/math">
+                    <m:r>
+                      <m:rPr>
+                        <m:sty m:val="p"/>
+                      </m:rPr>
+                      <a:rPr lang="en-CA" b="0" i="0" smtClean="0">
+                        <a:latin typeface="Cambria Math" panose="02040503050406030204" pitchFamily="18" charset="0"/>
+                      </a:rPr>
+                      <m:t>w</m:t>
+                    </m:r>
+                    <m:r>
+                      <a:rPr lang="en-CA" b="0" i="0" baseline="-25000" smtClean="0">
+                        <a:latin typeface="Cambria Math" panose="02040503050406030204" pitchFamily="18" charset="0"/>
+                      </a:rPr>
+                      <m:t>0</m:t>
+                    </m:r>
+                    <m:sSubSup>
+                      <m:sSubSupPr>
+                        <m:ctrlPr>
+                          <a:rPr lang="en-CA" b="0" i="1" smtClean="0">
+                            <a:latin typeface="Cambria Math" panose="02040503050406030204" pitchFamily="18" charset="0"/>
+                          </a:rPr>
+                        </m:ctrlPr>
+                      </m:sSubSupPr>
+                      <m:e>
+                        <m:r>
+                          <m:rPr>
+                            <m:sty m:val="p"/>
+                          </m:rPr>
+                          <a:rPr lang="en-CA" b="0" i="0" smtClean="0">
+                            <a:latin typeface="Cambria Math" panose="02040503050406030204" pitchFamily="18" charset="0"/>
+                          </a:rPr>
+                          <m:t>a</m:t>
+                        </m:r>
+                      </m:e>
+                      <m:sub>
+                        <m:r>
+                          <a:rPr lang="en-CA" b="0" i="0" smtClean="0">
+                            <a:latin typeface="Cambria Math" panose="02040503050406030204" pitchFamily="18" charset="0"/>
+                          </a:rPr>
+                          <m:t>0</m:t>
+                        </m:r>
+                      </m:sub>
+                      <m:sup>
+                        <m:r>
+                          <a:rPr lang="en-CA" b="0" i="0" smtClean="0">
+                            <a:latin typeface="Cambria Math" panose="02040503050406030204" pitchFamily="18" charset="0"/>
+                          </a:rPr>
+                          <m:t>(1)</m:t>
+                        </m:r>
+                      </m:sup>
+                    </m:sSubSup>
+                    <m:r>
+                      <a:rPr lang="en-CA" b="0" i="0" smtClean="0">
+                        <a:latin typeface="Cambria Math" panose="02040503050406030204" pitchFamily="18" charset="0"/>
+                      </a:rPr>
+                      <m:t>+</m:t>
+                    </m:r>
+                    <m:r>
+                      <m:rPr>
+                        <m:sty m:val="p"/>
+                      </m:rPr>
+                      <a:rPr lang="en-CA" i="0">
+                        <a:latin typeface="Cambria Math" panose="02040503050406030204" pitchFamily="18" charset="0"/>
+                      </a:rPr>
+                      <m:t>w</m:t>
+                    </m:r>
+                    <m:r>
+                      <a:rPr lang="en-CA" b="0" i="0" baseline="-25000" smtClean="0">
+                        <a:latin typeface="Cambria Math" panose="02040503050406030204" pitchFamily="18" charset="0"/>
+                      </a:rPr>
+                      <m:t>1</m:t>
+                    </m:r>
+                    <m:sSubSup>
+                      <m:sSubSupPr>
+                        <m:ctrlPr>
+                          <a:rPr lang="en-CA" i="1">
+                            <a:latin typeface="Cambria Math" panose="02040503050406030204" pitchFamily="18" charset="0"/>
+                          </a:rPr>
+                        </m:ctrlPr>
+                      </m:sSubSupPr>
+                      <m:e>
+                        <m:r>
+                          <m:rPr>
+                            <m:sty m:val="p"/>
+                          </m:rPr>
+                          <a:rPr lang="en-CA" i="0">
+                            <a:latin typeface="Cambria Math" panose="02040503050406030204" pitchFamily="18" charset="0"/>
+                          </a:rPr>
+                          <m:t>a</m:t>
+                        </m:r>
+                      </m:e>
+                      <m:sub>
+                        <m:r>
+                          <a:rPr lang="en-CA" b="0" i="0" smtClean="0">
+                            <a:latin typeface="Cambria Math" panose="02040503050406030204" pitchFamily="18" charset="0"/>
+                          </a:rPr>
+                          <m:t>1</m:t>
+                        </m:r>
+                      </m:sub>
+                      <m:sup>
+                        <m:r>
+                          <a:rPr lang="en-CA" i="0">
+                            <a:latin typeface="Cambria Math" panose="02040503050406030204" pitchFamily="18" charset="0"/>
+                          </a:rPr>
+                          <m:t>(1)</m:t>
+                        </m:r>
+                      </m:sup>
+                    </m:sSubSup>
+                    <m:r>
+                      <a:rPr lang="en-CA" b="0" i="0" smtClean="0">
+                        <a:latin typeface="Cambria Math" panose="02040503050406030204" pitchFamily="18" charset="0"/>
+                      </a:rPr>
+                      <m:t>+</m:t>
+                    </m:r>
+                    <m:r>
+                      <m:rPr>
+                        <m:sty m:val="p"/>
+                      </m:rPr>
+                      <a:rPr lang="en-CA" i="0">
+                        <a:latin typeface="Cambria Math" panose="02040503050406030204" pitchFamily="18" charset="0"/>
+                      </a:rPr>
+                      <m:t>w</m:t>
+                    </m:r>
+                    <m:r>
+                      <a:rPr lang="en-CA" b="0" i="0" baseline="-25000" smtClean="0">
+                        <a:latin typeface="Cambria Math" panose="02040503050406030204" pitchFamily="18" charset="0"/>
+                      </a:rPr>
+                      <m:t>2</m:t>
+                    </m:r>
+                    <m:sSubSup>
+                      <m:sSubSupPr>
+                        <m:ctrlPr>
+                          <a:rPr lang="en-CA" i="1">
+                            <a:latin typeface="Cambria Math" panose="02040503050406030204" pitchFamily="18" charset="0"/>
+                          </a:rPr>
+                        </m:ctrlPr>
+                      </m:sSubSupPr>
+                      <m:e>
+                        <m:r>
+                          <m:rPr>
+                            <m:sty m:val="p"/>
+                          </m:rPr>
+                          <a:rPr lang="en-CA" i="0">
+                            <a:latin typeface="Cambria Math" panose="02040503050406030204" pitchFamily="18" charset="0"/>
+                          </a:rPr>
+                          <m:t>a</m:t>
+                        </m:r>
+                      </m:e>
+                      <m:sub>
+                        <m:r>
+                          <a:rPr lang="en-CA" b="0" i="0" smtClean="0">
+                            <a:latin typeface="Cambria Math" panose="02040503050406030204" pitchFamily="18" charset="0"/>
+                          </a:rPr>
+                          <m:t>2</m:t>
+                        </m:r>
+                      </m:sub>
+                      <m:sup>
+                        <m:r>
+                          <a:rPr lang="en-CA" i="0">
+                            <a:latin typeface="Cambria Math" panose="02040503050406030204" pitchFamily="18" charset="0"/>
+                          </a:rPr>
+                          <m:t>(1)</m:t>
+                        </m:r>
+                      </m:sup>
+                    </m:sSubSup>
+                    <m:r>
+                      <a:rPr lang="en-CA" b="0" i="0" smtClean="0">
+                        <a:latin typeface="Cambria Math" panose="02040503050406030204" pitchFamily="18" charset="0"/>
+                      </a:rPr>
+                      <m:t>+…+</m:t>
+                    </m:r>
+                    <m:r>
+                      <m:rPr>
+                        <m:sty m:val="p"/>
+                      </m:rPr>
+                      <a:rPr lang="en-CA" i="0">
+                        <a:latin typeface="Cambria Math" panose="02040503050406030204" pitchFamily="18" charset="0"/>
+                      </a:rPr>
+                      <m:t>w</m:t>
+                    </m:r>
+                    <m:r>
+                      <m:rPr>
+                        <m:sty m:val="p"/>
+                      </m:rPr>
+                      <a:rPr lang="en-CA" b="0" i="0" baseline="-25000" smtClean="0">
+                        <a:latin typeface="Cambria Math" panose="02040503050406030204" pitchFamily="18" charset="0"/>
+                      </a:rPr>
+                      <m:t>k</m:t>
+                    </m:r>
+                    <m:sSubSup>
+                      <m:sSubSupPr>
+                        <m:ctrlPr>
+                          <a:rPr lang="en-CA" i="1">
+                            <a:latin typeface="Cambria Math" panose="02040503050406030204" pitchFamily="18" charset="0"/>
+                          </a:rPr>
+                        </m:ctrlPr>
+                      </m:sSubSupPr>
+                      <m:e>
+                        <m:r>
+                          <m:rPr>
+                            <m:sty m:val="p"/>
+                          </m:rPr>
+                          <a:rPr lang="en-CA" i="0">
+                            <a:latin typeface="Cambria Math" panose="02040503050406030204" pitchFamily="18" charset="0"/>
+                          </a:rPr>
+                          <m:t>a</m:t>
+                        </m:r>
+                      </m:e>
+                      <m:sub>
+                        <m:r>
+                          <m:rPr>
+                            <m:sty m:val="p"/>
+                          </m:rPr>
+                          <a:rPr lang="en-CA" b="0" i="0" smtClean="0">
+                            <a:latin typeface="Cambria Math" panose="02040503050406030204" pitchFamily="18" charset="0"/>
+                          </a:rPr>
+                          <m:t>k</m:t>
+                        </m:r>
+                      </m:sub>
+                      <m:sup>
+                        <m:d>
+                          <m:dPr>
+                            <m:ctrlPr>
+                              <a:rPr lang="en-CA" i="1">
+                                <a:latin typeface="Cambria Math" panose="02040503050406030204" pitchFamily="18" charset="0"/>
+                              </a:rPr>
+                            </m:ctrlPr>
+                          </m:dPr>
+                          <m:e>
+                            <m:r>
+                              <a:rPr lang="en-CA" i="0">
+                                <a:latin typeface="Cambria Math" panose="02040503050406030204" pitchFamily="18" charset="0"/>
+                              </a:rPr>
+                              <m:t>1</m:t>
+                            </m:r>
+                          </m:e>
+                        </m:d>
+                      </m:sup>
+                    </m:sSubSup>
+                    <m:r>
+                      <a:rPr lang="en-CA" b="0" i="0" smtClean="0">
+                        <a:latin typeface="Cambria Math" panose="02040503050406030204" pitchFamily="18" charset="0"/>
+                      </a:rPr>
+                      <m:t>= </m:t>
+                    </m:r>
+                    <m:nary>
+                      <m:naryPr>
+                        <m:chr m:val="∑"/>
+                        <m:ctrlPr>
+                          <a:rPr lang="en-CA" b="0" i="1" smtClean="0">
+                            <a:latin typeface="Cambria Math" panose="02040503050406030204" pitchFamily="18" charset="0"/>
+                          </a:rPr>
+                        </m:ctrlPr>
+                      </m:naryPr>
+                      <m:sub>
+                        <m:r>
+                          <m:rPr>
+                            <m:sty m:val="p"/>
+                            <m:brk m:alnAt="23"/>
+                          </m:rPr>
+                          <a:rPr lang="en-CA" b="0" i="0" smtClean="0">
+                            <a:latin typeface="Cambria Math" panose="02040503050406030204" pitchFamily="18" charset="0"/>
+                          </a:rPr>
+                          <m:t>j</m:t>
+                        </m:r>
+                        <m:r>
+                          <a:rPr lang="en-CA" b="0" i="0" smtClean="0">
+                            <a:latin typeface="Cambria Math" panose="02040503050406030204" pitchFamily="18" charset="0"/>
+                          </a:rPr>
+                          <m:t>=0</m:t>
+                        </m:r>
+                      </m:sub>
+                      <m:sup>
+                        <m:r>
+                          <m:rPr>
+                            <m:sty m:val="p"/>
+                          </m:rPr>
+                          <a:rPr lang="en-CA" b="0" i="0" smtClean="0">
+                            <a:latin typeface="Cambria Math" panose="02040503050406030204" pitchFamily="18" charset="0"/>
+                          </a:rPr>
+                          <m:t>k</m:t>
+                        </m:r>
+                      </m:sup>
+                      <m:e>
+                        <m:r>
+                          <m:rPr>
+                            <m:sty m:val="p"/>
+                          </m:rPr>
+                          <a:rPr lang="en-CA" b="0" i="0" smtClean="0">
+                            <a:latin typeface="Cambria Math" panose="02040503050406030204" pitchFamily="18" charset="0"/>
+                          </a:rPr>
+                          <m:t>w</m:t>
+                        </m:r>
+                        <m:r>
+                          <m:rPr>
+                            <m:sty m:val="p"/>
+                          </m:rPr>
+                          <a:rPr lang="en-CA" b="0" i="0" baseline="-25000" smtClean="0">
+                            <a:latin typeface="Cambria Math" panose="02040503050406030204" pitchFamily="18" charset="0"/>
+                          </a:rPr>
+                          <m:t>j</m:t>
+                        </m:r>
+                        <m:sSubSup>
+                          <m:sSubSupPr>
+                            <m:ctrlPr>
+                              <a:rPr lang="en-CA" b="0" i="1" smtClean="0">
+                                <a:latin typeface="Cambria Math" panose="02040503050406030204" pitchFamily="18" charset="0"/>
+                              </a:rPr>
+                            </m:ctrlPr>
+                          </m:sSubSupPr>
+                          <m:e>
+                            <m:r>
+                              <m:rPr>
+                                <m:sty m:val="p"/>
+                              </m:rPr>
+                              <a:rPr lang="en-CA" b="0" i="0" smtClean="0">
+                                <a:latin typeface="Cambria Math" panose="02040503050406030204" pitchFamily="18" charset="0"/>
+                              </a:rPr>
+                              <m:t>a</m:t>
+                            </m:r>
+                          </m:e>
+                          <m:sub>
+                            <m:r>
+                              <m:rPr>
+                                <m:sty m:val="p"/>
+                              </m:rPr>
+                              <a:rPr lang="en-CA" b="0" i="0" smtClean="0">
+                                <a:latin typeface="Cambria Math" panose="02040503050406030204" pitchFamily="18" charset="0"/>
+                              </a:rPr>
+                              <m:t>j</m:t>
+                            </m:r>
+                          </m:sub>
+                          <m:sup>
+                            <m:r>
+                              <a:rPr lang="en-CA" b="0" i="0" smtClean="0">
+                                <a:latin typeface="Cambria Math" panose="02040503050406030204" pitchFamily="18" charset="0"/>
+                              </a:rPr>
+                              <m:t>(1)</m:t>
+                            </m:r>
+                          </m:sup>
+                        </m:sSubSup>
+                      </m:e>
+                    </m:nary>
+                    <m:r>
+                      <a:rPr lang="en-CA" b="0" i="0" smtClean="0">
+                        <a:latin typeface="Cambria Math" panose="02040503050406030204" pitchFamily="18" charset="0"/>
+                      </a:rPr>
+                      <m:t>   </m:t>
+                    </m:r>
+                  </m:oMath>
+                </a14:m>
+                <a:endParaRPr lang="en-CA" dirty="0" smtClean="0"/>
+              </a:p>
+            </p:txBody>
+          </p:sp>
+        </mc:Choice>
+        <mc:Fallback>
+          <p:sp>
+            <p:nvSpPr>
+              <p:cNvPr id="3" name="Content Placeholder 2"/>
+              <p:cNvSpPr>
+                <a:spLocks noGrp="1" noRot="1" noChangeAspect="1" noMove="1" noResize="1" noEditPoints="1" noAdjustHandles="1" noChangeArrowheads="1" noChangeShapeType="1" noTextEdit="1"/>
+              </p:cNvSpPr>
+              <p:nvPr>
+                <p:ph idx="1"/>
+              </p:nvPr>
+            </p:nvSpPr>
+            <p:spPr>
+              <a:xfrm>
+                <a:off x="235527" y="1825625"/>
+                <a:ext cx="11499273" cy="4351338"/>
+              </a:xfrm>
+              <a:blipFill>
+                <a:blip r:embed="rId2"/>
+                <a:stretch>
+                  <a:fillRect l="-954" t="-3081"/>
+                </a:stretch>
+              </a:blipFill>
+            </p:spPr>
+            <p:txBody>
+              <a:bodyPr/>
+              <a:lstStyle/>
+              <a:p>
+                <a:r>
+                  <a:rPr lang="en-CA">
+                    <a:noFill/>
+                  </a:rPr>
+                  <a:t> </a:t>
+                </a:r>
+              </a:p>
+            </p:txBody>
+          </p:sp>
+        </mc:Fallback>
+      </mc:AlternateContent>
+    </p:spTree>
+    <p:extLst>
+      <p:ext uri="{BB962C8B-B14F-4D97-AF65-F5344CB8AC3E}">
+        <p14:creationId xmlns:p14="http://schemas.microsoft.com/office/powerpoint/2010/main" val="1303144489"/>
+      </p:ext>
+    </p:extLst>
+  </p:cSld>
+  <p:clrMapOvr>
+    <a:masterClrMapping/>
+  </p:clrMapOvr>
+  <p:timing>
+    <p:tnLst>
+      <p:par>
+        <p:cTn id="1" dur="indefinite" restart="never" nodeType="tmRoot"/>
+      </p:par>
+    </p:tnLst>
+  </p:timing>
+</p:sld>
+</file>
+
+<file path=ppt/slides/slide5.xml><?xml version="1.0" encoding="utf-8"?>
+<p:sld xmlns:a="http://schemas.openxmlformats.org/drawingml/2006/main" xmlns:r="http://schemas.openxmlformats.org/officeDocument/2006/relationships" xmlns:p="http://schemas.openxmlformats.org/presentationml/2006/main">
+  <p:cSld>
+    <p:spTree>
+      <p:nvGrpSpPr>
+        <p:cNvPr id="1" name=""/>
+        <p:cNvGrpSpPr/>
+        <p:nvPr/>
+      </p:nvGrpSpPr>
+      <p:grpSpPr>
+        <a:xfrm>
+          <a:off x="0" y="0"/>
+          <a:ext cx="0" cy="0"/>
+          <a:chOff x="0" y="0"/>
+          <a:chExt cx="0" cy="0"/>
+        </a:xfrm>
+      </p:grpSpPr>
+      <p:sp>
+        <p:nvSpPr>
+          <p:cNvPr id="2" name="Title 1"/>
+          <p:cNvSpPr>
+            <a:spLocks noGrp="1"/>
+          </p:cNvSpPr>
+          <p:nvPr>
+            <p:ph type="title"/>
+          </p:nvPr>
+        </p:nvSpPr>
+        <p:spPr/>
+        <p:txBody>
+          <a:bodyPr/>
+          <a:lstStyle/>
+          <a:p>
+            <a:r>
+              <a:rPr lang="en-CA" dirty="0" smtClean="0"/>
+              <a:t>Least squares linear regression</a:t>
+            </a:r>
+            <a:endParaRPr lang="en-CA" dirty="0"/>
+          </a:p>
+        </p:txBody>
+      </p:sp>
+      <mc:AlternateContent xmlns:mc="http://schemas.openxmlformats.org/markup-compatibility/2006">
+        <mc:Choice xmlns:a14="http://schemas.microsoft.com/office/drawing/2010/main" Requires="a14">
+          <p:sp>
+            <p:nvSpPr>
+              <p:cNvPr id="3" name="Content Placeholder 2"/>
+              <p:cNvSpPr>
+                <a:spLocks noGrp="1"/>
+              </p:cNvSpPr>
+              <p:nvPr>
+                <p:ph idx="1"/>
+              </p:nvPr>
+            </p:nvSpPr>
+            <p:spPr/>
+            <p:txBody>
+              <a:bodyPr/>
+              <a:lstStyle/>
+              <a:p>
+                <a:r>
+                  <a:rPr lang="en-CA" dirty="0" smtClean="0"/>
+                  <a:t>We use the difference between the predicted and actual </a:t>
+                </a:r>
+                <a:r>
+                  <a:rPr lang="en-CA" dirty="0" smtClean="0"/>
+                  <a:t>value </a:t>
+                </a:r>
+                <a:r>
+                  <a:rPr lang="en-CA" dirty="0" smtClean="0"/>
+                  <a:t>to arrive at optimal values for the weights</a:t>
+                </a:r>
+              </a:p>
+              <a:p>
+                <a:r>
+                  <a:rPr lang="en-CA" dirty="0" smtClean="0"/>
+                  <a:t>We want to choose coefficients </a:t>
+                </a:r>
+                <a:r>
+                  <a:rPr lang="en-CA" dirty="0" err="1" smtClean="0">
+                    <a:latin typeface="Cambria Math" panose="02040503050406030204" pitchFamily="18" charset="0"/>
+                    <a:ea typeface="Cambria Math" panose="02040503050406030204" pitchFamily="18" charset="0"/>
+                  </a:rPr>
+                  <a:t>w</a:t>
+                </a:r>
+                <a:r>
+                  <a:rPr lang="en-CA" baseline="-25000" dirty="0" err="1" smtClean="0">
+                    <a:latin typeface="Cambria Math" panose="02040503050406030204" pitchFamily="18" charset="0"/>
+                    <a:ea typeface="Cambria Math" panose="02040503050406030204" pitchFamily="18" charset="0"/>
+                  </a:rPr>
+                  <a:t>j</a:t>
+                </a:r>
+                <a:r>
+                  <a:rPr lang="en-CA" dirty="0" smtClean="0">
+                    <a:latin typeface="Cambria Math" panose="02040503050406030204" pitchFamily="18" charset="0"/>
+                    <a:ea typeface="Cambria Math" panose="02040503050406030204" pitchFamily="18" charset="0"/>
+                  </a:rPr>
+                  <a:t> </a:t>
+                </a:r>
+                <a:r>
+                  <a:rPr lang="en-CA" dirty="0" smtClean="0"/>
+                  <a:t>such that we minimize the sum of squares of </a:t>
+                </a:r>
+                <a:r>
+                  <a:rPr lang="en-CA" dirty="0" smtClean="0"/>
+                  <a:t>differences </a:t>
+                </a:r>
+                <a:r>
+                  <a:rPr lang="en-CA" dirty="0" smtClean="0"/>
+                  <a:t>between predicted and actual </a:t>
+                </a:r>
+                <a:r>
+                  <a:rPr lang="en-CA" dirty="0" smtClean="0"/>
+                  <a:t>value </a:t>
+                </a:r>
+                <a:r>
+                  <a:rPr lang="en-CA" dirty="0" smtClean="0"/>
+                  <a:t>across all training instances</a:t>
+                </a:r>
+              </a:p>
+              <a:p>
+                <a14:m>
+                  <m:oMath xmlns:m="http://schemas.openxmlformats.org/officeDocument/2006/math">
+                    <m:nary>
+                      <m:naryPr>
+                        <m:chr m:val="∑"/>
+                        <m:ctrlPr>
+                          <a:rPr lang="en-CA" i="1" smtClean="0">
+                            <a:latin typeface="Cambria Math" panose="02040503050406030204" pitchFamily="18" charset="0"/>
+                          </a:rPr>
+                        </m:ctrlPr>
+                      </m:naryPr>
+                      <m:sub>
+                        <m:r>
+                          <m:rPr>
+                            <m:brk m:alnAt="23"/>
+                          </m:rPr>
+                          <a:rPr lang="en-CA" b="0" i="1" smtClean="0">
+                            <a:latin typeface="Cambria Math" panose="02040503050406030204" pitchFamily="18" charset="0"/>
+                          </a:rPr>
+                          <m:t>𝑖</m:t>
+                        </m:r>
+                        <m:r>
+                          <a:rPr lang="en-CA" b="0" i="1" smtClean="0">
+                            <a:latin typeface="Cambria Math" panose="02040503050406030204" pitchFamily="18" charset="0"/>
+                          </a:rPr>
+                          <m:t>=1</m:t>
+                        </m:r>
+                      </m:sub>
+                      <m:sup>
+                        <m:r>
+                          <a:rPr lang="en-CA" b="0" i="1" smtClean="0">
+                            <a:latin typeface="Cambria Math" panose="02040503050406030204" pitchFamily="18" charset="0"/>
+                          </a:rPr>
+                          <m:t>𝑛</m:t>
+                        </m:r>
+                      </m:sup>
+                      <m:e>
+                        <m:r>
+                          <a:rPr lang="en-CA" b="0" i="1" smtClean="0">
+                            <a:latin typeface="Cambria Math" panose="02040503050406030204" pitchFamily="18" charset="0"/>
+                          </a:rPr>
+                          <m:t>(</m:t>
+                        </m:r>
+                        <m:sSup>
+                          <m:sSupPr>
+                            <m:ctrlPr>
+                              <a:rPr lang="en-CA" b="0" i="1" smtClean="0">
+                                <a:latin typeface="Cambria Math" panose="02040503050406030204" pitchFamily="18" charset="0"/>
+                              </a:rPr>
+                            </m:ctrlPr>
+                          </m:sSupPr>
+                          <m:e>
+                            <m:r>
+                              <a:rPr lang="en-CA" b="0" i="1" smtClean="0">
+                                <a:latin typeface="Cambria Math" panose="02040503050406030204" pitchFamily="18" charset="0"/>
+                              </a:rPr>
+                              <m:t>𝑥</m:t>
+                            </m:r>
+                          </m:e>
+                          <m:sup>
+                            <m:r>
+                              <a:rPr lang="en-CA" b="0" i="1" smtClean="0">
+                                <a:latin typeface="Cambria Math" panose="02040503050406030204" pitchFamily="18" charset="0"/>
+                              </a:rPr>
+                              <m:t>(</m:t>
+                            </m:r>
+                            <m:r>
+                              <a:rPr lang="en-CA" b="0" i="1" smtClean="0">
+                                <a:latin typeface="Cambria Math" panose="02040503050406030204" pitchFamily="18" charset="0"/>
+                              </a:rPr>
+                              <m:t>𝑖</m:t>
+                            </m:r>
+                            <m:r>
+                              <a:rPr lang="en-CA" b="0" i="1" smtClean="0">
+                                <a:latin typeface="Cambria Math" panose="02040503050406030204" pitchFamily="18" charset="0"/>
+                              </a:rPr>
+                              <m:t>)</m:t>
+                            </m:r>
+                          </m:sup>
+                        </m:sSup>
+                        <m:r>
+                          <a:rPr lang="en-CA" b="0" i="1" smtClean="0">
+                            <a:latin typeface="Cambria Math" panose="02040503050406030204" pitchFamily="18" charset="0"/>
+                          </a:rPr>
+                          <m:t>− </m:t>
+                        </m:r>
+                        <m:nary>
+                          <m:naryPr>
+                            <m:chr m:val="∑"/>
+                            <m:ctrlPr>
+                              <a:rPr lang="en-CA" b="0" i="1" smtClean="0">
+                                <a:latin typeface="Cambria Math" panose="02040503050406030204" pitchFamily="18" charset="0"/>
+                              </a:rPr>
+                            </m:ctrlPr>
+                          </m:naryPr>
+                          <m:sub>
+                            <m:r>
+                              <m:rPr>
+                                <m:brk m:alnAt="23"/>
+                              </m:rPr>
+                              <a:rPr lang="en-CA" b="0" i="1" smtClean="0">
+                                <a:latin typeface="Cambria Math" panose="02040503050406030204" pitchFamily="18" charset="0"/>
+                              </a:rPr>
+                              <m:t>𝑗</m:t>
+                            </m:r>
+                            <m:r>
+                              <a:rPr lang="en-CA" b="0" i="1" smtClean="0">
+                                <a:latin typeface="Cambria Math" panose="02040503050406030204" pitchFamily="18" charset="0"/>
+                              </a:rPr>
+                              <m:t>=0</m:t>
+                            </m:r>
+                          </m:sub>
+                          <m:sup>
+                            <m:r>
+                              <a:rPr lang="en-CA" b="0" i="1" smtClean="0">
+                                <a:latin typeface="Cambria Math" panose="02040503050406030204" pitchFamily="18" charset="0"/>
+                              </a:rPr>
+                              <m:t>𝑘</m:t>
+                            </m:r>
+                          </m:sup>
+                          <m:e>
+                            <m:r>
+                              <a:rPr lang="en-CA" b="0" i="1" smtClean="0">
+                                <a:latin typeface="Cambria Math" panose="02040503050406030204" pitchFamily="18" charset="0"/>
+                              </a:rPr>
+                              <m:t>𝑤</m:t>
+                            </m:r>
+                            <m:r>
+                              <a:rPr lang="en-CA" b="0" i="1" baseline="-25000" smtClean="0">
+                                <a:latin typeface="Cambria Math" panose="02040503050406030204" pitchFamily="18" charset="0"/>
+                              </a:rPr>
+                              <m:t>𝑗</m:t>
+                            </m:r>
+                            <m:sSubSup>
+                              <m:sSubSupPr>
+                                <m:ctrlPr>
+                                  <a:rPr lang="en-CA" b="0" i="1" smtClean="0">
+                                    <a:latin typeface="Cambria Math" panose="02040503050406030204" pitchFamily="18" charset="0"/>
+                                  </a:rPr>
+                                </m:ctrlPr>
+                              </m:sSubSupPr>
+                              <m:e>
+                                <m:r>
+                                  <a:rPr lang="en-CA" b="0" i="1" smtClean="0">
+                                    <a:latin typeface="Cambria Math" panose="02040503050406030204" pitchFamily="18" charset="0"/>
+                                  </a:rPr>
+                                  <m:t>𝑎</m:t>
+                                </m:r>
+                              </m:e>
+                              <m:sub>
+                                <m:r>
+                                  <a:rPr lang="en-CA" b="0" i="1" smtClean="0">
+                                    <a:latin typeface="Cambria Math" panose="02040503050406030204" pitchFamily="18" charset="0"/>
+                                  </a:rPr>
+                                  <m:t>𝑗</m:t>
+                                </m:r>
+                              </m:sub>
+                              <m:sup>
+                                <m:r>
+                                  <a:rPr lang="en-CA" b="0" i="1" smtClean="0">
+                                    <a:latin typeface="Cambria Math" panose="02040503050406030204" pitchFamily="18" charset="0"/>
+                                  </a:rPr>
+                                  <m:t>(</m:t>
+                                </m:r>
+                                <m:r>
+                                  <a:rPr lang="en-CA" b="0" i="1" smtClean="0">
+                                    <a:latin typeface="Cambria Math" panose="02040503050406030204" pitchFamily="18" charset="0"/>
+                                  </a:rPr>
+                                  <m:t>𝑖</m:t>
+                                </m:r>
+                                <m:r>
+                                  <a:rPr lang="en-CA" b="0" i="1" smtClean="0">
+                                    <a:latin typeface="Cambria Math" panose="02040503050406030204" pitchFamily="18" charset="0"/>
+                                  </a:rPr>
+                                  <m:t>)</m:t>
+                                </m:r>
+                              </m:sup>
+                            </m:sSubSup>
+                            <m:r>
+                              <a:rPr lang="en-CA" b="0" i="1" smtClean="0">
+                                <a:latin typeface="Cambria Math" panose="02040503050406030204" pitchFamily="18" charset="0"/>
+                              </a:rPr>
+                              <m:t>)</m:t>
+                            </m:r>
+                            <m:r>
+                              <a:rPr lang="en-CA" b="0" i="1" baseline="30000" smtClean="0">
+                                <a:latin typeface="Cambria Math" panose="02040503050406030204" pitchFamily="18" charset="0"/>
+                              </a:rPr>
+                              <m:t>2</m:t>
+                            </m:r>
+                          </m:e>
+                        </m:nary>
+                      </m:e>
+                    </m:nary>
+                  </m:oMath>
+                </a14:m>
+                <a:endParaRPr lang="en-CA" dirty="0"/>
+              </a:p>
+              <a:p>
+                <a:r>
+                  <a:rPr lang="en-CA" dirty="0" smtClean="0"/>
+                  <a:t>We want to minimize this sum. How? </a:t>
+                </a:r>
+                <a:endParaRPr lang="en-CA" dirty="0" smtClean="0"/>
+              </a:p>
+              <a:p>
+                <a:endParaRPr lang="en-CA" dirty="0"/>
+              </a:p>
+            </p:txBody>
+          </p:sp>
+        </mc:Choice>
+        <mc:Fallback>
+          <p:sp>
+            <p:nvSpPr>
+              <p:cNvPr id="3" name="Content Placeholder 2"/>
+              <p:cNvSpPr>
+                <a:spLocks noGrp="1" noRot="1" noChangeAspect="1" noMove="1" noResize="1" noEditPoints="1" noAdjustHandles="1" noChangeArrowheads="1" noChangeShapeType="1" noTextEdit="1"/>
+              </p:cNvSpPr>
+              <p:nvPr>
+                <p:ph idx="1"/>
+              </p:nvPr>
+            </p:nvSpPr>
+            <p:spPr>
+              <a:blipFill>
+                <a:blip r:embed="rId2"/>
+                <a:stretch>
+                  <a:fillRect l="-1043" t="-2241"/>
+                </a:stretch>
+              </a:blipFill>
+            </p:spPr>
+            <p:txBody>
+              <a:bodyPr/>
+              <a:lstStyle/>
+              <a:p>
+                <a:r>
+                  <a:rPr lang="en-CA">
+                    <a:noFill/>
+                  </a:rPr>
+                  <a:t> </a:t>
+                </a:r>
+              </a:p>
+            </p:txBody>
+          </p:sp>
+        </mc:Fallback>
+      </mc:AlternateContent>
+    </p:spTree>
+    <p:extLst>
+      <p:ext uri="{BB962C8B-B14F-4D97-AF65-F5344CB8AC3E}">
+        <p14:creationId xmlns:p14="http://schemas.microsoft.com/office/powerpoint/2010/main" val="1310515030"/>
+      </p:ext>
+    </p:extLst>
+  </p:cSld>
+  <p:clrMapOvr>
+    <a:masterClrMapping/>
+  </p:clrMapOvr>
+  <p:timing>
+    <p:tnLst>
+      <p:par>
+        <p:cTn id="1" dur="indefinite" restart="never" nodeType="tmRoot"/>
+      </p:par>
+    </p:tnLst>
+  </p:timing>
+</p:sld>
+</file>
+
+<file path=ppt/slides/slide6.xml><?xml version="1.0" encoding="utf-8"?>
+<p:sld xmlns:a="http://schemas.openxmlformats.org/drawingml/2006/main" xmlns:r="http://schemas.openxmlformats.org/officeDocument/2006/relationships" xmlns:p="http://schemas.openxmlformats.org/presentationml/2006/main">
+  <p:cSld>
+    <p:spTree>
+      <p:nvGrpSpPr>
+        <p:cNvPr id="1" name=""/>
+        <p:cNvGrpSpPr/>
+        <p:nvPr/>
+      </p:nvGrpSpPr>
+      <p:grpSpPr>
+        <a:xfrm>
+          <a:off x="0" y="0"/>
+          <a:ext cx="0" cy="0"/>
+          <a:chOff x="0" y="0"/>
+          <a:chExt cx="0" cy="0"/>
+        </a:xfrm>
+      </p:grpSpPr>
+      <p:sp>
+        <p:nvSpPr>
+          <p:cNvPr id="2" name="Title 1"/>
+          <p:cNvSpPr>
+            <a:spLocks noGrp="1"/>
+          </p:cNvSpPr>
+          <p:nvPr>
+            <p:ph type="title"/>
+          </p:nvPr>
+        </p:nvSpPr>
+        <p:spPr/>
+        <p:txBody>
+          <a:bodyPr/>
+          <a:lstStyle/>
+          <a:p>
+            <a:r>
+              <a:rPr lang="en-CA" dirty="0" smtClean="0"/>
+              <a:t>Finding the </a:t>
+            </a:r>
+            <a:r>
+              <a:rPr lang="en-CA" dirty="0" smtClean="0"/>
+              <a:t>weights (matrix </a:t>
+            </a:r>
+            <a:r>
+              <a:rPr lang="en-CA" dirty="0" smtClean="0"/>
+              <a:t>form)</a:t>
+            </a:r>
+            <a:r>
+              <a:rPr lang="en-CA" dirty="0" smtClean="0"/>
+              <a:t> </a:t>
+            </a:r>
+            <a:endParaRPr lang="en-CA" dirty="0"/>
+          </a:p>
+        </p:txBody>
+      </p:sp>
+      <mc:AlternateContent xmlns:mc="http://schemas.openxmlformats.org/markup-compatibility/2006">
+        <mc:Choice xmlns:a14="http://schemas.microsoft.com/office/drawing/2010/main" Requires="a14">
+          <p:sp>
+            <p:nvSpPr>
+              <p:cNvPr id="3" name="Content Placeholder 2"/>
+              <p:cNvSpPr>
+                <a:spLocks noGrp="1"/>
+              </p:cNvSpPr>
+              <p:nvPr>
+                <p:ph idx="1"/>
+              </p:nvPr>
+            </p:nvSpPr>
+            <p:spPr>
+              <a:xfrm>
+                <a:off x="249383" y="1510145"/>
+                <a:ext cx="11804072" cy="4666818"/>
+              </a:xfrm>
+            </p:spPr>
+            <p:txBody>
+              <a:bodyPr/>
+              <a:lstStyle/>
+              <a:p>
+                <a:r>
+                  <a:rPr lang="en-CA" dirty="0" smtClean="0"/>
+                  <a:t>Let </a:t>
+                </a:r>
+                <a:r>
+                  <a:rPr lang="en-CA" dirty="0" smtClean="0">
+                    <a:latin typeface="Cambria Math" panose="02040503050406030204" pitchFamily="18" charset="0"/>
+                    <a:ea typeface="Cambria Math" panose="02040503050406030204" pitchFamily="18" charset="0"/>
+                  </a:rPr>
+                  <a:t>X</a:t>
+                </a:r>
+                <a:r>
+                  <a:rPr lang="en-CA" dirty="0" smtClean="0"/>
+                  <a:t> be </a:t>
+                </a:r>
+                <a:r>
+                  <a:rPr lang="en-CA" dirty="0" smtClean="0"/>
+                  <a:t>a dataset of 3 </a:t>
+                </a:r>
+                <a:r>
+                  <a:rPr lang="en-CA" dirty="0" smtClean="0"/>
+                  <a:t>instances with</a:t>
+                </a:r>
+                <a:r>
+                  <a:rPr lang="en-CA" dirty="0" smtClean="0">
+                    <a:latin typeface="Cambria Math" panose="02040503050406030204" pitchFamily="18" charset="0"/>
+                    <a:ea typeface="Cambria Math" panose="02040503050406030204" pitchFamily="18" charset="0"/>
+                  </a:rPr>
+                  <a:t> </a:t>
+                </a:r>
+                <a:r>
+                  <a:rPr lang="en-CA" dirty="0" smtClean="0">
+                    <a:latin typeface="Cambria Math" panose="02040503050406030204" pitchFamily="18" charset="0"/>
+                    <a:ea typeface="Cambria Math" panose="02040503050406030204" pitchFamily="18" charset="0"/>
+                  </a:rPr>
+                  <a:t>3 </a:t>
+                </a:r>
+                <a:r>
+                  <a:rPr lang="en-CA" dirty="0" smtClean="0"/>
+                  <a:t>attributes</a:t>
+                </a:r>
+                <a:r>
+                  <a:rPr lang="en-CA" dirty="0" smtClean="0">
+                    <a:latin typeface="Cambria Math" panose="02040503050406030204" pitchFamily="18" charset="0"/>
+                    <a:ea typeface="Cambria Math" panose="02040503050406030204" pitchFamily="18" charset="0"/>
+                  </a:rPr>
+                  <a:t>, X = [</a:t>
+                </a:r>
+                <a14:m>
+                  <m:oMath xmlns:m="http://schemas.openxmlformats.org/officeDocument/2006/math">
+                    <m:m>
+                      <m:mPr>
+                        <m:mcs>
+                          <m:mc>
+                            <m:mcPr>
+                              <m:count m:val="3"/>
+                              <m:mcJc m:val="center"/>
+                            </m:mcPr>
+                          </m:mc>
+                        </m:mcs>
+                        <m:ctrlPr>
+                          <a:rPr lang="en-CA" smtClean="0">
+                            <a:latin typeface="Cambria Math" panose="02040503050406030204" pitchFamily="18" charset="0"/>
+                            <a:ea typeface="Cambria Math" panose="02040503050406030204" pitchFamily="18" charset="0"/>
+                          </a:rPr>
+                        </m:ctrlPr>
+                      </m:mPr>
+                      <m:mr>
+                        <m:e>
+                          <m:sSubSup>
+                            <m:sSubSupPr>
+                              <m:ctrlPr>
+                                <a:rPr lang="en-CA" smtClean="0">
+                                  <a:latin typeface="Cambria Math" panose="02040503050406030204" pitchFamily="18" charset="0"/>
+                                  <a:ea typeface="Cambria Math" panose="02040503050406030204" pitchFamily="18" charset="0"/>
+                                </a:rPr>
+                              </m:ctrlPr>
+                            </m:sSubSupPr>
+                            <m:e>
+                              <m:r>
+                                <m:rPr>
+                                  <m:sty m:val="p"/>
+                                </m:rPr>
+                                <a:rPr lang="en-CA" b="0" i="0" smtClean="0">
+                                  <a:latin typeface="Cambria Math" panose="02040503050406030204" pitchFamily="18" charset="0"/>
+                                  <a:ea typeface="Cambria Math" panose="02040503050406030204" pitchFamily="18" charset="0"/>
+                                </a:rPr>
+                                <m:t>x</m:t>
+                              </m:r>
+                            </m:e>
+                            <m:sub>
+                              <m:r>
+                                <a:rPr lang="en-CA" b="0" i="0" smtClean="0">
+                                  <a:latin typeface="Cambria Math" panose="02040503050406030204" pitchFamily="18" charset="0"/>
+                                  <a:ea typeface="Cambria Math" panose="02040503050406030204" pitchFamily="18" charset="0"/>
+                                </a:rPr>
+                                <m:t>0</m:t>
+                              </m:r>
+                            </m:sub>
+                            <m:sup>
+                              <m:r>
+                                <a:rPr lang="en-CA" b="0" i="0" smtClean="0">
+                                  <a:latin typeface="Cambria Math" panose="02040503050406030204" pitchFamily="18" charset="0"/>
+                                  <a:ea typeface="Cambria Math" panose="02040503050406030204" pitchFamily="18" charset="0"/>
+                                </a:rPr>
+                                <m:t>(1)</m:t>
+                              </m:r>
+                            </m:sup>
+                          </m:sSubSup>
+                        </m:e>
+                        <m:e>
+                          <m:sSubSup>
+                            <m:sSubSupPr>
+                              <m:ctrlPr>
+                                <a:rPr lang="en-CA">
+                                  <a:latin typeface="Cambria Math" panose="02040503050406030204" pitchFamily="18" charset="0"/>
+                                  <a:ea typeface="Cambria Math" panose="02040503050406030204" pitchFamily="18" charset="0"/>
+                                </a:rPr>
+                              </m:ctrlPr>
+                            </m:sSubSupPr>
+                            <m:e>
+                              <m:r>
+                                <m:rPr>
+                                  <m:sty m:val="p"/>
+                                </m:rPr>
+                                <a:rPr lang="en-CA" i="0">
+                                  <a:latin typeface="Cambria Math" panose="02040503050406030204" pitchFamily="18" charset="0"/>
+                                  <a:ea typeface="Cambria Math" panose="02040503050406030204" pitchFamily="18" charset="0"/>
+                                </a:rPr>
+                                <m:t>x</m:t>
+                              </m:r>
+                            </m:e>
+                            <m:sub>
+                              <m:r>
+                                <a:rPr lang="en-CA" b="0" i="0" smtClean="0">
+                                  <a:latin typeface="Cambria Math" panose="02040503050406030204" pitchFamily="18" charset="0"/>
+                                  <a:ea typeface="Cambria Math" panose="02040503050406030204" pitchFamily="18" charset="0"/>
+                                </a:rPr>
+                                <m:t>1</m:t>
+                              </m:r>
+                            </m:sub>
+                            <m:sup>
+                              <m:r>
+                                <a:rPr lang="en-CA" i="0">
+                                  <a:latin typeface="Cambria Math" panose="02040503050406030204" pitchFamily="18" charset="0"/>
+                                  <a:ea typeface="Cambria Math" panose="02040503050406030204" pitchFamily="18" charset="0"/>
+                                </a:rPr>
+                                <m:t>(1)</m:t>
+                              </m:r>
+                            </m:sup>
+                          </m:sSubSup>
+                        </m:e>
+                        <m:e>
+                          <m:sSubSup>
+                            <m:sSubSupPr>
+                              <m:ctrlPr>
+                                <a:rPr lang="en-CA">
+                                  <a:latin typeface="Cambria Math" panose="02040503050406030204" pitchFamily="18" charset="0"/>
+                                  <a:ea typeface="Cambria Math" panose="02040503050406030204" pitchFamily="18" charset="0"/>
+                                </a:rPr>
+                              </m:ctrlPr>
+                            </m:sSubSupPr>
+                            <m:e>
+                              <m:r>
+                                <m:rPr>
+                                  <m:sty m:val="p"/>
+                                </m:rPr>
+                                <a:rPr lang="en-CA" i="0">
+                                  <a:latin typeface="Cambria Math" panose="02040503050406030204" pitchFamily="18" charset="0"/>
+                                  <a:ea typeface="Cambria Math" panose="02040503050406030204" pitchFamily="18" charset="0"/>
+                                </a:rPr>
+                                <m:t>x</m:t>
+                              </m:r>
+                            </m:e>
+                            <m:sub>
+                              <m:r>
+                                <a:rPr lang="en-CA" b="0" i="0" smtClean="0">
+                                  <a:latin typeface="Cambria Math" panose="02040503050406030204" pitchFamily="18" charset="0"/>
+                                  <a:ea typeface="Cambria Math" panose="02040503050406030204" pitchFamily="18" charset="0"/>
+                                </a:rPr>
+                                <m:t>2</m:t>
+                              </m:r>
+                            </m:sub>
+                            <m:sup>
+                              <m:r>
+                                <a:rPr lang="en-CA" i="0">
+                                  <a:latin typeface="Cambria Math" panose="02040503050406030204" pitchFamily="18" charset="0"/>
+                                  <a:ea typeface="Cambria Math" panose="02040503050406030204" pitchFamily="18" charset="0"/>
+                                </a:rPr>
+                                <m:t>(1)</m:t>
+                              </m:r>
+                            </m:sup>
+                          </m:sSubSup>
+                        </m:e>
+                      </m:mr>
+                      <m:mr>
+                        <m:e>
+                          <m:sSubSup>
+                            <m:sSubSupPr>
+                              <m:ctrlPr>
+                                <a:rPr lang="en-CA">
+                                  <a:latin typeface="Cambria Math" panose="02040503050406030204" pitchFamily="18" charset="0"/>
+                                  <a:ea typeface="Cambria Math" panose="02040503050406030204" pitchFamily="18" charset="0"/>
+                                </a:rPr>
+                              </m:ctrlPr>
+                            </m:sSubSupPr>
+                            <m:e>
+                              <m:r>
+                                <m:rPr>
+                                  <m:sty m:val="p"/>
+                                </m:rPr>
+                                <a:rPr lang="en-CA" i="0">
+                                  <a:latin typeface="Cambria Math" panose="02040503050406030204" pitchFamily="18" charset="0"/>
+                                  <a:ea typeface="Cambria Math" panose="02040503050406030204" pitchFamily="18" charset="0"/>
+                                </a:rPr>
+                                <m:t>x</m:t>
+                              </m:r>
+                            </m:e>
+                            <m:sub>
+                              <m:r>
+                                <a:rPr lang="en-CA" i="0">
+                                  <a:latin typeface="Cambria Math" panose="02040503050406030204" pitchFamily="18" charset="0"/>
+                                  <a:ea typeface="Cambria Math" panose="02040503050406030204" pitchFamily="18" charset="0"/>
+                                </a:rPr>
+                                <m:t>0</m:t>
+                              </m:r>
+                            </m:sub>
+                            <m:sup>
+                              <m:r>
+                                <a:rPr lang="en-CA" i="0">
+                                  <a:latin typeface="Cambria Math" panose="02040503050406030204" pitchFamily="18" charset="0"/>
+                                  <a:ea typeface="Cambria Math" panose="02040503050406030204" pitchFamily="18" charset="0"/>
+                                </a:rPr>
+                                <m:t>(</m:t>
+                              </m:r>
+                              <m:r>
+                                <a:rPr lang="en-CA" b="0" i="0" smtClean="0">
+                                  <a:latin typeface="Cambria Math" panose="02040503050406030204" pitchFamily="18" charset="0"/>
+                                  <a:ea typeface="Cambria Math" panose="02040503050406030204" pitchFamily="18" charset="0"/>
+                                </a:rPr>
+                                <m:t>2</m:t>
+                              </m:r>
+                              <m:r>
+                                <a:rPr lang="en-CA" i="0">
+                                  <a:latin typeface="Cambria Math" panose="02040503050406030204" pitchFamily="18" charset="0"/>
+                                  <a:ea typeface="Cambria Math" panose="02040503050406030204" pitchFamily="18" charset="0"/>
+                                </a:rPr>
+                                <m:t>)</m:t>
+                              </m:r>
+                            </m:sup>
+                          </m:sSubSup>
+                        </m:e>
+                        <m:e>
+                          <m:sSubSup>
+                            <m:sSubSupPr>
+                              <m:ctrlPr>
+                                <a:rPr lang="en-CA">
+                                  <a:latin typeface="Cambria Math" panose="02040503050406030204" pitchFamily="18" charset="0"/>
+                                  <a:ea typeface="Cambria Math" panose="02040503050406030204" pitchFamily="18" charset="0"/>
+                                </a:rPr>
+                              </m:ctrlPr>
+                            </m:sSubSupPr>
+                            <m:e>
+                              <m:r>
+                                <m:rPr>
+                                  <m:sty m:val="p"/>
+                                </m:rPr>
+                                <a:rPr lang="en-CA" i="0">
+                                  <a:latin typeface="Cambria Math" panose="02040503050406030204" pitchFamily="18" charset="0"/>
+                                  <a:ea typeface="Cambria Math" panose="02040503050406030204" pitchFamily="18" charset="0"/>
+                                </a:rPr>
+                                <m:t>x</m:t>
+                              </m:r>
+                            </m:e>
+                            <m:sub>
+                              <m:r>
+                                <a:rPr lang="en-CA" b="0" i="0" smtClean="0">
+                                  <a:latin typeface="Cambria Math" panose="02040503050406030204" pitchFamily="18" charset="0"/>
+                                  <a:ea typeface="Cambria Math" panose="02040503050406030204" pitchFamily="18" charset="0"/>
+                                </a:rPr>
+                                <m:t>1</m:t>
+                              </m:r>
+                            </m:sub>
+                            <m:sup>
+                              <m:r>
+                                <a:rPr lang="en-CA" i="0">
+                                  <a:latin typeface="Cambria Math" panose="02040503050406030204" pitchFamily="18" charset="0"/>
+                                  <a:ea typeface="Cambria Math" panose="02040503050406030204" pitchFamily="18" charset="0"/>
+                                </a:rPr>
+                                <m:t>(</m:t>
+                              </m:r>
+                              <m:r>
+                                <a:rPr lang="en-CA" b="0" i="0" smtClean="0">
+                                  <a:latin typeface="Cambria Math" panose="02040503050406030204" pitchFamily="18" charset="0"/>
+                                  <a:ea typeface="Cambria Math" panose="02040503050406030204" pitchFamily="18" charset="0"/>
+                                </a:rPr>
+                                <m:t>2</m:t>
+                              </m:r>
+                              <m:r>
+                                <a:rPr lang="en-CA" i="0">
+                                  <a:latin typeface="Cambria Math" panose="02040503050406030204" pitchFamily="18" charset="0"/>
+                                  <a:ea typeface="Cambria Math" panose="02040503050406030204" pitchFamily="18" charset="0"/>
+                                </a:rPr>
+                                <m:t>)</m:t>
+                              </m:r>
+                            </m:sup>
+                          </m:sSubSup>
+                        </m:e>
+                        <m:e>
+                          <m:sSubSup>
+                            <m:sSubSupPr>
+                              <m:ctrlPr>
+                                <a:rPr lang="en-CA">
+                                  <a:latin typeface="Cambria Math" panose="02040503050406030204" pitchFamily="18" charset="0"/>
+                                  <a:ea typeface="Cambria Math" panose="02040503050406030204" pitchFamily="18" charset="0"/>
+                                </a:rPr>
+                              </m:ctrlPr>
+                            </m:sSubSupPr>
+                            <m:e>
+                              <m:r>
+                                <m:rPr>
+                                  <m:sty m:val="p"/>
+                                </m:rPr>
+                                <a:rPr lang="en-CA" i="0">
+                                  <a:latin typeface="Cambria Math" panose="02040503050406030204" pitchFamily="18" charset="0"/>
+                                  <a:ea typeface="Cambria Math" panose="02040503050406030204" pitchFamily="18" charset="0"/>
+                                </a:rPr>
+                                <m:t>x</m:t>
+                              </m:r>
+                            </m:e>
+                            <m:sub>
+                              <m:r>
+                                <a:rPr lang="en-CA" b="0" i="0" smtClean="0">
+                                  <a:latin typeface="Cambria Math" panose="02040503050406030204" pitchFamily="18" charset="0"/>
+                                  <a:ea typeface="Cambria Math" panose="02040503050406030204" pitchFamily="18" charset="0"/>
+                                </a:rPr>
+                                <m:t>2</m:t>
+                              </m:r>
+                            </m:sub>
+                            <m:sup>
+                              <m:r>
+                                <a:rPr lang="en-CA" i="0">
+                                  <a:latin typeface="Cambria Math" panose="02040503050406030204" pitchFamily="18" charset="0"/>
+                                  <a:ea typeface="Cambria Math" panose="02040503050406030204" pitchFamily="18" charset="0"/>
+                                </a:rPr>
+                                <m:t>(</m:t>
+                              </m:r>
+                              <m:r>
+                                <a:rPr lang="en-CA" b="0" i="0" smtClean="0">
+                                  <a:latin typeface="Cambria Math" panose="02040503050406030204" pitchFamily="18" charset="0"/>
+                                  <a:ea typeface="Cambria Math" panose="02040503050406030204" pitchFamily="18" charset="0"/>
+                                </a:rPr>
+                                <m:t>2</m:t>
+                              </m:r>
+                              <m:r>
+                                <a:rPr lang="en-CA" i="0">
+                                  <a:latin typeface="Cambria Math" panose="02040503050406030204" pitchFamily="18" charset="0"/>
+                                  <a:ea typeface="Cambria Math" panose="02040503050406030204" pitchFamily="18" charset="0"/>
+                                </a:rPr>
+                                <m:t>)</m:t>
+                              </m:r>
+                            </m:sup>
+                          </m:sSubSup>
+                        </m:e>
+                      </m:mr>
+                      <m:mr>
+                        <m:e>
+                          <m:sSubSup>
+                            <m:sSubSupPr>
+                              <m:ctrlPr>
+                                <a:rPr lang="en-CA">
+                                  <a:latin typeface="Cambria Math" panose="02040503050406030204" pitchFamily="18" charset="0"/>
+                                  <a:ea typeface="Cambria Math" panose="02040503050406030204" pitchFamily="18" charset="0"/>
+                                </a:rPr>
+                              </m:ctrlPr>
+                            </m:sSubSupPr>
+                            <m:e>
+                              <m:r>
+                                <m:rPr>
+                                  <m:sty m:val="p"/>
+                                </m:rPr>
+                                <a:rPr lang="en-CA" i="0">
+                                  <a:latin typeface="Cambria Math" panose="02040503050406030204" pitchFamily="18" charset="0"/>
+                                  <a:ea typeface="Cambria Math" panose="02040503050406030204" pitchFamily="18" charset="0"/>
+                                </a:rPr>
+                                <m:t>x</m:t>
+                              </m:r>
+                            </m:e>
+                            <m:sub>
+                              <m:r>
+                                <a:rPr lang="en-CA" b="0" i="0" smtClean="0">
+                                  <a:latin typeface="Cambria Math" panose="02040503050406030204" pitchFamily="18" charset="0"/>
+                                  <a:ea typeface="Cambria Math" panose="02040503050406030204" pitchFamily="18" charset="0"/>
+                                </a:rPr>
+                                <m:t>0</m:t>
+                              </m:r>
+                            </m:sub>
+                            <m:sup>
+                              <m:r>
+                                <a:rPr lang="en-CA" i="0">
+                                  <a:latin typeface="Cambria Math" panose="02040503050406030204" pitchFamily="18" charset="0"/>
+                                  <a:ea typeface="Cambria Math" panose="02040503050406030204" pitchFamily="18" charset="0"/>
+                                </a:rPr>
+                                <m:t>(</m:t>
+                              </m:r>
+                              <m:r>
+                                <a:rPr lang="en-CA" b="0" i="0" smtClean="0">
+                                  <a:latin typeface="Cambria Math" panose="02040503050406030204" pitchFamily="18" charset="0"/>
+                                  <a:ea typeface="Cambria Math" panose="02040503050406030204" pitchFamily="18" charset="0"/>
+                                </a:rPr>
+                                <m:t>3</m:t>
+                              </m:r>
+                              <m:r>
+                                <a:rPr lang="en-CA" i="0">
+                                  <a:latin typeface="Cambria Math" panose="02040503050406030204" pitchFamily="18" charset="0"/>
+                                  <a:ea typeface="Cambria Math" panose="02040503050406030204" pitchFamily="18" charset="0"/>
+                                </a:rPr>
+                                <m:t>)</m:t>
+                              </m:r>
+                            </m:sup>
+                          </m:sSubSup>
+                        </m:e>
+                        <m:e>
+                          <m:sSubSup>
+                            <m:sSubSupPr>
+                              <m:ctrlPr>
+                                <a:rPr lang="en-CA">
+                                  <a:latin typeface="Cambria Math" panose="02040503050406030204" pitchFamily="18" charset="0"/>
+                                  <a:ea typeface="Cambria Math" panose="02040503050406030204" pitchFamily="18" charset="0"/>
+                                </a:rPr>
+                              </m:ctrlPr>
+                            </m:sSubSupPr>
+                            <m:e>
+                              <m:r>
+                                <m:rPr>
+                                  <m:sty m:val="p"/>
+                                </m:rPr>
+                                <a:rPr lang="en-CA" i="0">
+                                  <a:latin typeface="Cambria Math" panose="02040503050406030204" pitchFamily="18" charset="0"/>
+                                  <a:ea typeface="Cambria Math" panose="02040503050406030204" pitchFamily="18" charset="0"/>
+                                </a:rPr>
+                                <m:t>x</m:t>
+                              </m:r>
+                            </m:e>
+                            <m:sub>
+                              <m:r>
+                                <a:rPr lang="en-CA" b="0" i="0" smtClean="0">
+                                  <a:latin typeface="Cambria Math" panose="02040503050406030204" pitchFamily="18" charset="0"/>
+                                  <a:ea typeface="Cambria Math" panose="02040503050406030204" pitchFamily="18" charset="0"/>
+                                </a:rPr>
+                                <m:t>1</m:t>
+                              </m:r>
+                            </m:sub>
+                            <m:sup>
+                              <m:r>
+                                <a:rPr lang="en-CA" i="0">
+                                  <a:latin typeface="Cambria Math" panose="02040503050406030204" pitchFamily="18" charset="0"/>
+                                  <a:ea typeface="Cambria Math" panose="02040503050406030204" pitchFamily="18" charset="0"/>
+                                </a:rPr>
+                                <m:t>(</m:t>
+                              </m:r>
+                              <m:r>
+                                <a:rPr lang="en-CA" b="0" i="0" smtClean="0">
+                                  <a:latin typeface="Cambria Math" panose="02040503050406030204" pitchFamily="18" charset="0"/>
+                                  <a:ea typeface="Cambria Math" panose="02040503050406030204" pitchFamily="18" charset="0"/>
+                                </a:rPr>
+                                <m:t>3</m:t>
+                              </m:r>
+                              <m:r>
+                                <a:rPr lang="en-CA" i="0">
+                                  <a:latin typeface="Cambria Math" panose="02040503050406030204" pitchFamily="18" charset="0"/>
+                                  <a:ea typeface="Cambria Math" panose="02040503050406030204" pitchFamily="18" charset="0"/>
+                                </a:rPr>
+                                <m:t>)</m:t>
+                              </m:r>
+                            </m:sup>
+                          </m:sSubSup>
+                        </m:e>
+                        <m:e>
+                          <m:sSubSup>
+                            <m:sSubSupPr>
+                              <m:ctrlPr>
+                                <a:rPr lang="en-CA">
+                                  <a:latin typeface="Cambria Math" panose="02040503050406030204" pitchFamily="18" charset="0"/>
+                                  <a:ea typeface="Cambria Math" panose="02040503050406030204" pitchFamily="18" charset="0"/>
+                                </a:rPr>
+                              </m:ctrlPr>
+                            </m:sSubSupPr>
+                            <m:e>
+                              <m:r>
+                                <m:rPr>
+                                  <m:sty m:val="p"/>
+                                </m:rPr>
+                                <a:rPr lang="en-CA" i="0">
+                                  <a:latin typeface="Cambria Math" panose="02040503050406030204" pitchFamily="18" charset="0"/>
+                                  <a:ea typeface="Cambria Math" panose="02040503050406030204" pitchFamily="18" charset="0"/>
+                                </a:rPr>
+                                <m:t>x</m:t>
+                              </m:r>
+                            </m:e>
+                            <m:sub>
+                              <m:r>
+                                <a:rPr lang="en-CA" b="0" i="0" smtClean="0">
+                                  <a:latin typeface="Cambria Math" panose="02040503050406030204" pitchFamily="18" charset="0"/>
+                                  <a:ea typeface="Cambria Math" panose="02040503050406030204" pitchFamily="18" charset="0"/>
+                                </a:rPr>
+                                <m:t>2</m:t>
+                              </m:r>
+                            </m:sub>
+                            <m:sup>
+                              <m:r>
+                                <a:rPr lang="en-CA" i="0">
+                                  <a:latin typeface="Cambria Math" panose="02040503050406030204" pitchFamily="18" charset="0"/>
+                                  <a:ea typeface="Cambria Math" panose="02040503050406030204" pitchFamily="18" charset="0"/>
+                                </a:rPr>
+                                <m:t>(</m:t>
+                              </m:r>
+                              <m:r>
+                                <a:rPr lang="en-CA" b="0" i="0" smtClean="0">
+                                  <a:latin typeface="Cambria Math" panose="02040503050406030204" pitchFamily="18" charset="0"/>
+                                  <a:ea typeface="Cambria Math" panose="02040503050406030204" pitchFamily="18" charset="0"/>
+                                </a:rPr>
+                                <m:t>3</m:t>
+                              </m:r>
+                              <m:r>
+                                <a:rPr lang="en-CA" i="0">
+                                  <a:latin typeface="Cambria Math" panose="02040503050406030204" pitchFamily="18" charset="0"/>
+                                  <a:ea typeface="Cambria Math" panose="02040503050406030204" pitchFamily="18" charset="0"/>
+                                </a:rPr>
+                                <m:t>)</m:t>
+                              </m:r>
+                            </m:sup>
+                          </m:sSubSup>
+                        </m:e>
+                      </m:mr>
+                    </m:m>
+                  </m:oMath>
+                </a14:m>
+                <a:r>
+                  <a:rPr lang="en-CA" dirty="0" smtClean="0">
+                    <a:latin typeface="Cambria Math" panose="02040503050406030204" pitchFamily="18" charset="0"/>
+                    <a:ea typeface="Cambria Math" panose="02040503050406030204" pitchFamily="18" charset="0"/>
+                  </a:rPr>
+                  <a:t>]</a:t>
+                </a:r>
+                <a:endParaRPr lang="en-CA" dirty="0" smtClean="0">
+                  <a:latin typeface="Cambria Math" panose="02040503050406030204" pitchFamily="18" charset="0"/>
+                  <a:ea typeface="Cambria Math" panose="02040503050406030204" pitchFamily="18" charset="0"/>
+                </a:endParaRPr>
+              </a:p>
+              <a:p>
+                <a:r>
+                  <a:rPr lang="en-CA" dirty="0" smtClean="0"/>
+                  <a:t>Let </a:t>
+                </a:r>
+                <a:r>
+                  <a:rPr lang="en-CA" dirty="0" smtClean="0">
+                    <a:latin typeface="Cambria Math" panose="02040503050406030204" pitchFamily="18" charset="0"/>
+                    <a:ea typeface="Cambria Math" panose="02040503050406030204" pitchFamily="18" charset="0"/>
+                  </a:rPr>
+                  <a:t>Y</a:t>
+                </a:r>
+                <a:r>
+                  <a:rPr lang="en-CA" dirty="0" smtClean="0"/>
+                  <a:t> be our set of </a:t>
+                </a:r>
+                <a:r>
+                  <a:rPr lang="en-CA" dirty="0" smtClean="0"/>
+                  <a:t>outcomes, </a:t>
+                </a:r>
+                <a14:m>
+                  <m:oMath xmlns:m="http://schemas.openxmlformats.org/officeDocument/2006/math">
+                    <m:r>
+                      <a:rPr lang="en-CA" i="1">
+                        <a:latin typeface="Cambria Math" panose="02040503050406030204" pitchFamily="18" charset="0"/>
+                      </a:rPr>
+                      <m:t>𝑌</m:t>
+                    </m:r>
+                    <m:r>
+                      <a:rPr lang="en-CA" i="1">
+                        <a:latin typeface="Cambria Math" panose="02040503050406030204" pitchFamily="18" charset="0"/>
+                      </a:rPr>
+                      <m:t>=[</m:t>
+                    </m:r>
+                    <m:sSup>
+                      <m:sSupPr>
+                        <m:ctrlPr>
+                          <a:rPr lang="en-CA" i="1">
+                            <a:latin typeface="Cambria Math" panose="02040503050406030204" pitchFamily="18" charset="0"/>
+                          </a:rPr>
+                        </m:ctrlPr>
+                      </m:sSupPr>
+                      <m:e>
+                        <m:r>
+                          <a:rPr lang="en-CA" i="1">
+                            <a:latin typeface="Cambria Math" panose="02040503050406030204" pitchFamily="18" charset="0"/>
+                          </a:rPr>
+                          <m:t>𝑦</m:t>
+                        </m:r>
+                      </m:e>
+                      <m:sup>
+                        <m:r>
+                          <a:rPr lang="en-CA" i="1">
+                            <a:latin typeface="Cambria Math" panose="02040503050406030204" pitchFamily="18" charset="0"/>
+                          </a:rPr>
+                          <m:t>(1)</m:t>
+                        </m:r>
+                      </m:sup>
+                    </m:sSup>
+                    <m:sSup>
+                      <m:sSupPr>
+                        <m:ctrlPr>
+                          <a:rPr lang="en-CA" i="1">
+                            <a:latin typeface="Cambria Math" panose="02040503050406030204" pitchFamily="18" charset="0"/>
+                          </a:rPr>
+                        </m:ctrlPr>
+                      </m:sSupPr>
+                      <m:e>
+                        <m:r>
+                          <a:rPr lang="en-CA" i="1">
+                            <a:latin typeface="Cambria Math" panose="02040503050406030204" pitchFamily="18" charset="0"/>
+                          </a:rPr>
+                          <m:t>,</m:t>
+                        </m:r>
+                        <m:r>
+                          <a:rPr lang="en-CA" i="1">
+                            <a:latin typeface="Cambria Math" panose="02040503050406030204" pitchFamily="18" charset="0"/>
+                          </a:rPr>
+                          <m:t>𝑦</m:t>
+                        </m:r>
+                      </m:e>
+                      <m:sup>
+                        <m:r>
+                          <a:rPr lang="en-CA" i="1">
+                            <a:latin typeface="Cambria Math" panose="02040503050406030204" pitchFamily="18" charset="0"/>
+                          </a:rPr>
+                          <m:t>(</m:t>
+                        </m:r>
+                        <m:r>
+                          <a:rPr lang="en-CA" i="1">
+                            <a:latin typeface="Cambria Math" panose="02040503050406030204" pitchFamily="18" charset="0"/>
+                          </a:rPr>
+                          <m:t>2</m:t>
+                        </m:r>
+                        <m:r>
+                          <a:rPr lang="en-CA" i="1">
+                            <a:latin typeface="Cambria Math" panose="02040503050406030204" pitchFamily="18" charset="0"/>
+                          </a:rPr>
+                          <m:t>)</m:t>
+                        </m:r>
+                      </m:sup>
+                    </m:sSup>
+                    <m:sSup>
+                      <m:sSupPr>
+                        <m:ctrlPr>
+                          <a:rPr lang="en-CA" i="1">
+                            <a:latin typeface="Cambria Math" panose="02040503050406030204" pitchFamily="18" charset="0"/>
+                          </a:rPr>
+                        </m:ctrlPr>
+                      </m:sSupPr>
+                      <m:e>
+                        <m:r>
+                          <a:rPr lang="en-CA" i="1">
+                            <a:latin typeface="Cambria Math" panose="02040503050406030204" pitchFamily="18" charset="0"/>
+                          </a:rPr>
+                          <m:t>,</m:t>
+                        </m:r>
+                        <m:r>
+                          <a:rPr lang="en-CA" i="1">
+                            <a:latin typeface="Cambria Math" panose="02040503050406030204" pitchFamily="18" charset="0"/>
+                          </a:rPr>
+                          <m:t>𝑦</m:t>
+                        </m:r>
+                      </m:e>
+                      <m:sup>
+                        <m:r>
+                          <a:rPr lang="en-CA" i="1">
+                            <a:latin typeface="Cambria Math" panose="02040503050406030204" pitchFamily="18" charset="0"/>
+                          </a:rPr>
+                          <m:t>(</m:t>
+                        </m:r>
+                        <m:r>
+                          <a:rPr lang="en-CA" i="1">
+                            <a:latin typeface="Cambria Math" panose="02040503050406030204" pitchFamily="18" charset="0"/>
+                          </a:rPr>
+                          <m:t>3</m:t>
+                        </m:r>
+                        <m:r>
+                          <a:rPr lang="en-CA" i="1">
+                            <a:latin typeface="Cambria Math" panose="02040503050406030204" pitchFamily="18" charset="0"/>
+                          </a:rPr>
+                          <m:t>)</m:t>
+                        </m:r>
+                      </m:sup>
+                    </m:sSup>
+                    <m:r>
+                      <a:rPr lang="en-CA" i="1">
+                        <a:latin typeface="Cambria Math" panose="02040503050406030204" pitchFamily="18" charset="0"/>
+                      </a:rPr>
+                      <m:t>]</m:t>
+                    </m:r>
+                  </m:oMath>
+                </a14:m>
+                <a:endParaRPr lang="en-CA" dirty="0" smtClean="0"/>
+              </a:p>
+              <a:p>
+                <a:r>
+                  <a:rPr lang="en-CA" dirty="0" smtClean="0"/>
+                  <a:t>We </a:t>
+                </a:r>
+                <a:r>
+                  <a:rPr lang="en-CA" dirty="0" smtClean="0"/>
+                  <a:t>want to find </a:t>
+                </a:r>
+                <a:r>
+                  <a:rPr lang="en-CA" dirty="0" smtClean="0">
+                    <a:latin typeface="Cambria Math" panose="02040503050406030204" pitchFamily="18" charset="0"/>
+                    <a:ea typeface="Cambria Math" panose="02040503050406030204" pitchFamily="18" charset="0"/>
+                  </a:rPr>
+                  <a:t>W = [</a:t>
+                </a:r>
+                <a:r>
+                  <a:rPr lang="en-CA" dirty="0" smtClean="0">
+                    <a:latin typeface="Cambria Math" panose="02040503050406030204" pitchFamily="18" charset="0"/>
+                    <a:ea typeface="Cambria Math" panose="02040503050406030204" pitchFamily="18" charset="0"/>
+                  </a:rPr>
+                  <a:t>w</a:t>
+                </a:r>
+                <a:r>
+                  <a:rPr lang="en-CA" baseline="-25000" dirty="0" smtClean="0">
+                    <a:latin typeface="Cambria Math" panose="02040503050406030204" pitchFamily="18" charset="0"/>
+                    <a:ea typeface="Cambria Math" panose="02040503050406030204" pitchFamily="18" charset="0"/>
+                  </a:rPr>
+                  <a:t>0</a:t>
+                </a:r>
+                <a:r>
+                  <a:rPr lang="en-CA" dirty="0" smtClean="0">
+                    <a:latin typeface="Cambria Math" panose="02040503050406030204" pitchFamily="18" charset="0"/>
+                    <a:ea typeface="Cambria Math" panose="02040503050406030204" pitchFamily="18" charset="0"/>
+                  </a:rPr>
+                  <a:t>,w</a:t>
+                </a:r>
+                <a:r>
+                  <a:rPr lang="en-CA" baseline="-25000" dirty="0" smtClean="0">
+                    <a:latin typeface="Cambria Math" panose="02040503050406030204" pitchFamily="18" charset="0"/>
+                    <a:ea typeface="Cambria Math" panose="02040503050406030204" pitchFamily="18" charset="0"/>
+                  </a:rPr>
+                  <a:t>1</a:t>
+                </a:r>
+                <a:r>
+                  <a:rPr lang="en-CA" dirty="0" smtClean="0">
+                    <a:latin typeface="Cambria Math" panose="02040503050406030204" pitchFamily="18" charset="0"/>
+                    <a:ea typeface="Cambria Math" panose="02040503050406030204" pitchFamily="18" charset="0"/>
+                  </a:rPr>
+                  <a:t>,w</a:t>
+                </a:r>
+                <a:r>
+                  <a:rPr lang="en-CA" baseline="-25000" dirty="0" smtClean="0">
+                    <a:latin typeface="Cambria Math" panose="02040503050406030204" pitchFamily="18" charset="0"/>
+                    <a:ea typeface="Cambria Math" panose="02040503050406030204" pitchFamily="18" charset="0"/>
+                  </a:rPr>
+                  <a:t>3</a:t>
+                </a:r>
+                <a:r>
+                  <a:rPr lang="en-CA" dirty="0" smtClean="0">
+                    <a:latin typeface="Cambria Math" panose="02040503050406030204" pitchFamily="18" charset="0"/>
+                    <a:ea typeface="Cambria Math" panose="02040503050406030204" pitchFamily="18" charset="0"/>
+                  </a:rPr>
+                  <a:t>] </a:t>
+                </a:r>
+                <a:r>
+                  <a:rPr lang="en-CA" dirty="0" smtClean="0"/>
+                  <a:t>such that :</a:t>
+                </a:r>
+                <a:br>
+                  <a:rPr lang="en-CA" dirty="0" smtClean="0"/>
+                </a:br>
+                <a:r>
+                  <a:rPr lang="en-CA" dirty="0" smtClean="0"/>
+                  <a:t>		</a:t>
+                </a:r>
+                <a14:m>
+                  <m:oMath xmlns:m="http://schemas.openxmlformats.org/officeDocument/2006/math">
+                    <m:nary>
+                      <m:naryPr>
+                        <m:chr m:val="∑"/>
+                        <m:ctrlPr>
+                          <a:rPr lang="en-CA" i="1">
+                            <a:latin typeface="Cambria Math" panose="02040503050406030204" pitchFamily="18" charset="0"/>
+                          </a:rPr>
+                        </m:ctrlPr>
+                      </m:naryPr>
+                      <m:sub>
+                        <m:r>
+                          <m:rPr>
+                            <m:brk m:alnAt="23"/>
+                          </m:rPr>
+                          <a:rPr lang="en-CA" i="1">
+                            <a:latin typeface="Cambria Math" panose="02040503050406030204" pitchFamily="18" charset="0"/>
+                          </a:rPr>
+                          <m:t>𝑖</m:t>
+                        </m:r>
+                        <m:r>
+                          <a:rPr lang="en-CA" i="1">
+                            <a:latin typeface="Cambria Math" panose="02040503050406030204" pitchFamily="18" charset="0"/>
+                          </a:rPr>
+                          <m:t>=1</m:t>
+                        </m:r>
+                      </m:sub>
+                      <m:sup>
+                        <m:r>
+                          <a:rPr lang="en-CA" i="1">
+                            <a:latin typeface="Cambria Math" panose="02040503050406030204" pitchFamily="18" charset="0"/>
+                          </a:rPr>
+                          <m:t>𝑛</m:t>
+                        </m:r>
+                      </m:sup>
+                      <m:e>
+                        <m:r>
+                          <a:rPr lang="en-CA" i="1">
+                            <a:latin typeface="Cambria Math" panose="02040503050406030204" pitchFamily="18" charset="0"/>
+                          </a:rPr>
+                          <m:t>(</m:t>
+                        </m:r>
+                        <m:sSup>
+                          <m:sSupPr>
+                            <m:ctrlPr>
+                              <a:rPr lang="en-CA" i="1">
+                                <a:latin typeface="Cambria Math" panose="02040503050406030204" pitchFamily="18" charset="0"/>
+                              </a:rPr>
+                            </m:ctrlPr>
+                          </m:sSupPr>
+                          <m:e>
+                            <m:r>
+                              <a:rPr lang="en-CA" i="1">
+                                <a:latin typeface="Cambria Math" panose="02040503050406030204" pitchFamily="18" charset="0"/>
+                              </a:rPr>
+                              <m:t>𝑥</m:t>
+                            </m:r>
+                          </m:e>
+                          <m:sup>
+                            <m:r>
+                              <a:rPr lang="en-CA" i="1">
+                                <a:latin typeface="Cambria Math" panose="02040503050406030204" pitchFamily="18" charset="0"/>
+                              </a:rPr>
+                              <m:t>(</m:t>
+                            </m:r>
+                            <m:r>
+                              <a:rPr lang="en-CA" i="1">
+                                <a:latin typeface="Cambria Math" panose="02040503050406030204" pitchFamily="18" charset="0"/>
+                              </a:rPr>
+                              <m:t>𝑖</m:t>
+                            </m:r>
+                            <m:r>
+                              <a:rPr lang="en-CA" i="1">
+                                <a:latin typeface="Cambria Math" panose="02040503050406030204" pitchFamily="18" charset="0"/>
+                              </a:rPr>
+                              <m:t>)</m:t>
+                            </m:r>
+                          </m:sup>
+                        </m:sSup>
+                        <m:r>
+                          <a:rPr lang="en-CA" i="1">
+                            <a:latin typeface="Cambria Math" panose="02040503050406030204" pitchFamily="18" charset="0"/>
+                          </a:rPr>
+                          <m:t>− </m:t>
+                        </m:r>
+                        <m:nary>
+                          <m:naryPr>
+                            <m:chr m:val="∑"/>
+                            <m:ctrlPr>
+                              <a:rPr lang="en-CA" i="1">
+                                <a:latin typeface="Cambria Math" panose="02040503050406030204" pitchFamily="18" charset="0"/>
+                              </a:rPr>
+                            </m:ctrlPr>
+                          </m:naryPr>
+                          <m:sub>
+                            <m:r>
+                              <m:rPr>
+                                <m:brk m:alnAt="23"/>
+                              </m:rPr>
+                              <a:rPr lang="en-CA" i="1">
+                                <a:latin typeface="Cambria Math" panose="02040503050406030204" pitchFamily="18" charset="0"/>
+                              </a:rPr>
+                              <m:t>𝑗</m:t>
+                            </m:r>
+                            <m:r>
+                              <a:rPr lang="en-CA" i="1">
+                                <a:latin typeface="Cambria Math" panose="02040503050406030204" pitchFamily="18" charset="0"/>
+                              </a:rPr>
+                              <m:t>=0</m:t>
+                            </m:r>
+                          </m:sub>
+                          <m:sup>
+                            <m:r>
+                              <a:rPr lang="en-CA" i="1">
+                                <a:latin typeface="Cambria Math" panose="02040503050406030204" pitchFamily="18" charset="0"/>
+                              </a:rPr>
+                              <m:t>𝑘</m:t>
+                            </m:r>
+                          </m:sup>
+                          <m:e>
+                            <m:r>
+                              <a:rPr lang="en-CA" i="1">
+                                <a:latin typeface="Cambria Math" panose="02040503050406030204" pitchFamily="18" charset="0"/>
+                              </a:rPr>
+                              <m:t>𝑤</m:t>
+                            </m:r>
+                            <m:r>
+                              <a:rPr lang="en-CA" i="1" baseline="-25000">
+                                <a:latin typeface="Cambria Math" panose="02040503050406030204" pitchFamily="18" charset="0"/>
+                              </a:rPr>
+                              <m:t>𝑗</m:t>
+                            </m:r>
+                            <m:sSubSup>
+                              <m:sSubSupPr>
+                                <m:ctrlPr>
+                                  <a:rPr lang="en-CA" i="1">
+                                    <a:latin typeface="Cambria Math" panose="02040503050406030204" pitchFamily="18" charset="0"/>
+                                  </a:rPr>
+                                </m:ctrlPr>
+                              </m:sSubSupPr>
+                              <m:e>
+                                <m:r>
+                                  <a:rPr lang="en-CA" i="1">
+                                    <a:latin typeface="Cambria Math" panose="02040503050406030204" pitchFamily="18" charset="0"/>
+                                  </a:rPr>
+                                  <m:t>𝑎</m:t>
+                                </m:r>
+                              </m:e>
+                              <m:sub>
+                                <m:r>
+                                  <a:rPr lang="en-CA" i="1">
+                                    <a:latin typeface="Cambria Math" panose="02040503050406030204" pitchFamily="18" charset="0"/>
+                                  </a:rPr>
+                                  <m:t>𝑗</m:t>
+                                </m:r>
+                              </m:sub>
+                              <m:sup>
+                                <m:r>
+                                  <a:rPr lang="en-CA" i="1">
+                                    <a:latin typeface="Cambria Math" panose="02040503050406030204" pitchFamily="18" charset="0"/>
+                                  </a:rPr>
+                                  <m:t>(</m:t>
+                                </m:r>
+                                <m:r>
+                                  <a:rPr lang="en-CA" i="1">
+                                    <a:latin typeface="Cambria Math" panose="02040503050406030204" pitchFamily="18" charset="0"/>
+                                  </a:rPr>
+                                  <m:t>𝑖</m:t>
+                                </m:r>
+                                <m:r>
+                                  <a:rPr lang="en-CA" i="1">
+                                    <a:latin typeface="Cambria Math" panose="02040503050406030204" pitchFamily="18" charset="0"/>
+                                  </a:rPr>
+                                  <m:t>)</m:t>
+                                </m:r>
+                              </m:sup>
+                            </m:sSubSup>
+                            <m:r>
+                              <a:rPr lang="en-CA" i="1">
+                                <a:latin typeface="Cambria Math" panose="02040503050406030204" pitchFamily="18" charset="0"/>
+                              </a:rPr>
+                              <m:t>)</m:t>
+                            </m:r>
+                            <m:r>
+                              <a:rPr lang="en-CA" i="1" baseline="30000">
+                                <a:latin typeface="Cambria Math" panose="02040503050406030204" pitchFamily="18" charset="0"/>
+                              </a:rPr>
+                              <m:t>2</m:t>
+                            </m:r>
+                          </m:e>
+                        </m:nary>
+                      </m:e>
+                    </m:nary>
+                  </m:oMath>
+                </a14:m>
+                <a:r>
+                  <a:rPr lang="en-CA" dirty="0" smtClean="0"/>
+                  <a:t>    is minimized</a:t>
+                </a:r>
+                <a:endParaRPr lang="en-CA" dirty="0"/>
+              </a:p>
+              <a:p>
+                <a:endParaRPr lang="en-CA" dirty="0" smtClean="0"/>
+              </a:p>
+              <a:p>
+                <a:r>
+                  <a:rPr lang="en-CA" sz="5000" b="0" dirty="0" smtClean="0"/>
+                  <a:t>Solution: </a:t>
+                </a:r>
+                <a14:m>
+                  <m:oMath xmlns:m="http://schemas.openxmlformats.org/officeDocument/2006/math">
+                    <m:r>
+                      <m:rPr>
+                        <m:sty m:val="p"/>
+                      </m:rPr>
+                      <a:rPr lang="en-CA" sz="5000" b="0" i="0" smtClean="0">
+                        <a:latin typeface="Cambria Math" panose="02040503050406030204" pitchFamily="18" charset="0"/>
+                      </a:rPr>
+                      <m:t>W</m:t>
+                    </m:r>
+                    <m:r>
+                      <a:rPr lang="en-CA" sz="5000" b="0" i="0" smtClean="0">
+                        <a:latin typeface="Cambria Math" panose="02040503050406030204" pitchFamily="18" charset="0"/>
+                      </a:rPr>
+                      <m:t>= </m:t>
+                    </m:r>
+                    <m:sSup>
+                      <m:sSupPr>
+                        <m:ctrlPr>
+                          <a:rPr lang="en-CA" sz="5000" b="0" smtClean="0">
+                            <a:latin typeface="Cambria Math" panose="02040503050406030204" pitchFamily="18" charset="0"/>
+                          </a:rPr>
+                        </m:ctrlPr>
+                      </m:sSupPr>
+                      <m:e>
+                        <m:r>
+                          <a:rPr lang="en-CA" sz="5000" b="0" i="0" smtClean="0">
+                            <a:latin typeface="Cambria Math" panose="02040503050406030204" pitchFamily="18" charset="0"/>
+                          </a:rPr>
+                          <m:t>(</m:t>
+                        </m:r>
+                        <m:sSup>
+                          <m:sSupPr>
+                            <m:ctrlPr>
+                              <a:rPr lang="en-CA" sz="5000" b="0" smtClean="0">
+                                <a:latin typeface="Cambria Math" panose="02040503050406030204" pitchFamily="18" charset="0"/>
+                              </a:rPr>
+                            </m:ctrlPr>
+                          </m:sSupPr>
+                          <m:e>
+                            <m:r>
+                              <m:rPr>
+                                <m:sty m:val="p"/>
+                              </m:rPr>
+                              <a:rPr lang="en-CA" sz="5000" b="0" i="0" smtClean="0">
+                                <a:latin typeface="Cambria Math" panose="02040503050406030204" pitchFamily="18" charset="0"/>
+                              </a:rPr>
+                              <m:t>X</m:t>
+                            </m:r>
+                          </m:e>
+                          <m:sup>
+                            <m:r>
+                              <m:rPr>
+                                <m:sty m:val="p"/>
+                              </m:rPr>
+                              <a:rPr lang="en-CA" sz="5000" b="0" i="0" smtClean="0">
+                                <a:latin typeface="Cambria Math" panose="02040503050406030204" pitchFamily="18" charset="0"/>
+                              </a:rPr>
+                              <m:t>T</m:t>
+                            </m:r>
+                          </m:sup>
+                        </m:sSup>
+                        <m:r>
+                          <m:rPr>
+                            <m:sty m:val="p"/>
+                          </m:rPr>
+                          <a:rPr lang="en-CA" sz="5000" b="0" i="0" smtClean="0">
+                            <a:latin typeface="Cambria Math" panose="02040503050406030204" pitchFamily="18" charset="0"/>
+                          </a:rPr>
+                          <m:t>X</m:t>
+                        </m:r>
+                        <m:r>
+                          <a:rPr lang="en-CA" sz="5000" b="0" i="0" smtClean="0">
+                            <a:latin typeface="Cambria Math" panose="02040503050406030204" pitchFamily="18" charset="0"/>
+                          </a:rPr>
+                          <m:t>)</m:t>
+                        </m:r>
+                      </m:e>
+                      <m:sup>
+                        <m:r>
+                          <a:rPr lang="en-CA" sz="5000" b="0" i="0" smtClean="0">
+                            <a:latin typeface="Cambria Math" panose="02040503050406030204" pitchFamily="18" charset="0"/>
+                          </a:rPr>
+                          <m:t>−1</m:t>
+                        </m:r>
+                      </m:sup>
+                    </m:sSup>
+                    <m:sSup>
+                      <m:sSupPr>
+                        <m:ctrlPr>
+                          <a:rPr lang="en-CA" sz="5000" b="0" smtClean="0">
+                            <a:latin typeface="Cambria Math" panose="02040503050406030204" pitchFamily="18" charset="0"/>
+                          </a:rPr>
+                        </m:ctrlPr>
+                      </m:sSupPr>
+                      <m:e>
+                        <m:r>
+                          <m:rPr>
+                            <m:sty m:val="p"/>
+                          </m:rPr>
+                          <a:rPr lang="en-CA" sz="5000" b="0" i="0" smtClean="0">
+                            <a:latin typeface="Cambria Math" panose="02040503050406030204" pitchFamily="18" charset="0"/>
+                          </a:rPr>
+                          <m:t>X</m:t>
+                        </m:r>
+                      </m:e>
+                      <m:sup>
+                        <m:r>
+                          <m:rPr>
+                            <m:sty m:val="p"/>
+                          </m:rPr>
+                          <a:rPr lang="en-CA" sz="5000" b="0" i="0" smtClean="0">
+                            <a:latin typeface="Cambria Math" panose="02040503050406030204" pitchFamily="18" charset="0"/>
+                          </a:rPr>
+                          <m:t>T</m:t>
+                        </m:r>
+                      </m:sup>
+                    </m:sSup>
+                    <m:r>
+                      <m:rPr>
+                        <m:sty m:val="p"/>
+                      </m:rPr>
+                      <a:rPr lang="en-CA" sz="5000" b="0" i="0" smtClean="0">
+                        <a:latin typeface="Cambria Math" panose="02040503050406030204" pitchFamily="18" charset="0"/>
+                      </a:rPr>
+                      <m:t>Y</m:t>
+                    </m:r>
+                  </m:oMath>
+                </a14:m>
+                <a:r>
+                  <a:rPr lang="en-CA" sz="5000" baseline="30000" dirty="0" smtClean="0"/>
+                  <a:t>  </a:t>
+                </a:r>
+                <a:endParaRPr lang="en-CA" sz="5000" baseline="30000" dirty="0"/>
+              </a:p>
+            </p:txBody>
+          </p:sp>
+        </mc:Choice>
+        <mc:Fallback>
+          <p:sp>
+            <p:nvSpPr>
+              <p:cNvPr id="3" name="Content Placeholder 2"/>
+              <p:cNvSpPr>
+                <a:spLocks noGrp="1" noRot="1" noChangeAspect="1" noMove="1" noResize="1" noEditPoints="1" noAdjustHandles="1" noChangeArrowheads="1" noChangeShapeType="1" noTextEdit="1"/>
+              </p:cNvSpPr>
+              <p:nvPr>
+                <p:ph idx="1"/>
+              </p:nvPr>
+            </p:nvSpPr>
+            <p:spPr>
+              <a:xfrm>
+                <a:off x="249383" y="1510145"/>
+                <a:ext cx="11804072" cy="4666818"/>
+              </a:xfrm>
+              <a:blipFill>
+                <a:blip r:embed="rId2"/>
+                <a:stretch>
+                  <a:fillRect l="-2273" t="-654" b="-5098"/>
+                </a:stretch>
+              </a:blipFill>
+            </p:spPr>
+            <p:txBody>
+              <a:bodyPr/>
+              <a:lstStyle/>
+              <a:p>
+                <a:r>
+                  <a:rPr lang="en-CA">
+                    <a:noFill/>
+                  </a:rPr>
+                  <a:t> </a:t>
+                </a:r>
+              </a:p>
+            </p:txBody>
+          </p:sp>
+        </mc:Fallback>
+      </mc:AlternateContent>
+      <p:sp>
+        <p:nvSpPr>
+          <p:cNvPr id="7" name="TextBox 6"/>
+          <p:cNvSpPr txBox="1"/>
+          <p:nvPr/>
+        </p:nvSpPr>
+        <p:spPr>
+          <a:xfrm>
+            <a:off x="8811491" y="484909"/>
+            <a:ext cx="2216727" cy="415636"/>
+          </a:xfrm>
+          <a:prstGeom prst="rect">
+            <a:avLst/>
+          </a:prstGeom>
+          <a:noFill/>
+        </p:spPr>
+        <p:txBody>
+          <a:bodyPr wrap="square" rtlCol="0">
+            <a:spAutoFit/>
+          </a:bodyPr>
+          <a:lstStyle/>
+          <a:p>
+            <a:endParaRPr lang="en-CA" dirty="0"/>
+          </a:p>
+        </p:txBody>
+      </p:sp>
+      <p:sp>
+        <p:nvSpPr>
+          <p:cNvPr id="8" name="TextBox 7"/>
+          <p:cNvSpPr txBox="1"/>
+          <p:nvPr/>
+        </p:nvSpPr>
+        <p:spPr>
+          <a:xfrm>
+            <a:off x="6179127" y="6386945"/>
+            <a:ext cx="4308764" cy="369332"/>
+          </a:xfrm>
+          <a:prstGeom prst="rect">
+            <a:avLst/>
+          </a:prstGeom>
+          <a:noFill/>
+        </p:spPr>
+        <p:txBody>
+          <a:bodyPr wrap="square" rtlCol="0">
+            <a:spAutoFit/>
+          </a:bodyPr>
+          <a:lstStyle/>
+          <a:p>
+            <a:r>
+              <a:rPr lang="en-CA" dirty="0" smtClean="0"/>
+              <a:t>linear_regression.py</a:t>
+            </a:r>
+            <a:endParaRPr lang="en-CA" dirty="0"/>
+          </a:p>
+        </p:txBody>
+      </p:sp>
+    </p:spTree>
+    <p:extLst>
+      <p:ext uri="{BB962C8B-B14F-4D97-AF65-F5344CB8AC3E}">
+        <p14:creationId xmlns:p14="http://schemas.microsoft.com/office/powerpoint/2010/main" val="597262054"/>
+      </p:ext>
+    </p:extLst>
+  </p:cSld>
+  <p:clrMapOvr>
+    <a:masterClrMapping/>
+  </p:clrMapOvr>
+  <p:timing>
+    <p:tnLst>
+      <p:par>
+        <p:cTn id="1" dur="indefinite" restart="never" nodeType="tmRoot"/>
+      </p:par>
+    </p:tnLst>
+  </p:timing>
+</p:sld>
+</file>
+
+<file path=ppt/slides/slide7.xml><?xml version="1.0" encoding="utf-8"?>
+<p:sld xmlns:a="http://schemas.openxmlformats.org/drawingml/2006/main" xmlns:r="http://schemas.openxmlformats.org/officeDocument/2006/relationships" xmlns:p="http://schemas.openxmlformats.org/presentationml/2006/main">
+  <p:cSld>
+    <p:spTree>
+      <p:nvGrpSpPr>
+        <p:cNvPr id="1" name=""/>
+        <p:cNvGrpSpPr/>
+        <p:nvPr/>
+      </p:nvGrpSpPr>
+      <p:grpSpPr>
+        <a:xfrm>
+          <a:off x="0" y="0"/>
+          <a:ext cx="0" cy="0"/>
+          <a:chOff x="0" y="0"/>
+          <a:chExt cx="0" cy="0"/>
+        </a:xfrm>
+      </p:grpSpPr>
+      <p:sp>
+        <p:nvSpPr>
+          <p:cNvPr id="2" name="Title 1"/>
+          <p:cNvSpPr>
+            <a:spLocks noGrp="1"/>
+          </p:cNvSpPr>
+          <p:nvPr>
+            <p:ph type="title"/>
+          </p:nvPr>
+        </p:nvSpPr>
+        <p:spPr/>
+        <p:txBody>
+          <a:bodyPr/>
+          <a:lstStyle/>
+          <a:p>
+            <a:r>
+              <a:rPr lang="en-CA" dirty="0" smtClean="0"/>
+              <a:t>Linear Regression for best fit line</a:t>
+            </a:r>
+            <a:endParaRPr lang="en-CA" dirty="0"/>
+          </a:p>
+        </p:txBody>
+      </p:sp>
+      <p:sp>
+        <p:nvSpPr>
+          <p:cNvPr id="3" name="Content Placeholder 2"/>
+          <p:cNvSpPr>
+            <a:spLocks noGrp="1"/>
+          </p:cNvSpPr>
+          <p:nvPr>
+            <p:ph idx="1"/>
+          </p:nvPr>
+        </p:nvSpPr>
+        <p:spPr>
+          <a:xfrm>
+            <a:off x="838200" y="1546969"/>
+            <a:ext cx="10515600" cy="1708850"/>
+          </a:xfrm>
+        </p:spPr>
+        <p:txBody>
+          <a:bodyPr>
+            <a:normAutofit fontScale="92500" lnSpcReduction="10000"/>
+          </a:bodyPr>
+          <a:lstStyle/>
+          <a:p>
+            <a:r>
+              <a:rPr lang="en-CA" dirty="0" smtClean="0"/>
+              <a:t>This is the special case where we have instances with only one feature</a:t>
+            </a:r>
+          </a:p>
+          <a:p>
+            <a:pPr lvl="1"/>
+            <a:r>
+              <a:rPr lang="en-CA" dirty="0" err="1" smtClean="0"/>
+              <a:t>ie</a:t>
+            </a:r>
+            <a:r>
+              <a:rPr lang="en-CA" dirty="0" smtClean="0"/>
+              <a:t>, the numbers on the x-axis </a:t>
+            </a:r>
+          </a:p>
+          <a:p>
+            <a:r>
+              <a:rPr lang="en-CA" dirty="0" smtClean="0"/>
+              <a:t>How can we quantify the “goodness of fit”? </a:t>
+            </a:r>
+          </a:p>
+          <a:p>
+            <a:r>
+              <a:rPr lang="en-CA" dirty="0" smtClean="0"/>
+              <a:t>Pearson correlation coefficient</a:t>
+            </a:r>
+            <a:endParaRPr lang="en-CA" dirty="0"/>
+          </a:p>
+        </p:txBody>
+      </p:sp>
+      <p:pic>
+        <p:nvPicPr>
+          <p:cNvPr id="4" name="Picture 3"/>
+          <p:cNvPicPr>
+            <a:picLocks noChangeAspect="1"/>
+          </p:cNvPicPr>
+          <p:nvPr/>
+        </p:nvPicPr>
+        <p:blipFill>
+          <a:blip r:embed="rId2"/>
+          <a:stretch>
+            <a:fillRect/>
+          </a:stretch>
+        </p:blipFill>
+        <p:spPr>
+          <a:xfrm>
+            <a:off x="386943" y="3138488"/>
+            <a:ext cx="5337031" cy="3620024"/>
+          </a:xfrm>
+          <a:prstGeom prst="rect">
+            <a:avLst/>
+          </a:prstGeom>
+        </p:spPr>
+      </p:pic>
+      <p:pic>
+        <p:nvPicPr>
+          <p:cNvPr id="5" name="Picture 4"/>
+          <p:cNvPicPr>
+            <a:picLocks noChangeAspect="1"/>
+          </p:cNvPicPr>
+          <p:nvPr/>
+        </p:nvPicPr>
+        <p:blipFill>
+          <a:blip r:embed="rId3"/>
+          <a:stretch>
+            <a:fillRect/>
+          </a:stretch>
+        </p:blipFill>
+        <p:spPr>
+          <a:xfrm>
+            <a:off x="6096000" y="3138488"/>
+            <a:ext cx="5395361" cy="3620024"/>
+          </a:xfrm>
+          <a:prstGeom prst="rect">
+            <a:avLst/>
+          </a:prstGeom>
+        </p:spPr>
+      </p:pic>
+    </p:spTree>
+    <p:extLst>
+      <p:ext uri="{BB962C8B-B14F-4D97-AF65-F5344CB8AC3E}">
+        <p14:creationId xmlns:p14="http://schemas.microsoft.com/office/powerpoint/2010/main" val="2278496069"/>
+      </p:ext>
+    </p:extLst>
+  </p:cSld>
+  <p:clrMapOvr>
+    <a:masterClrMapping/>
+  </p:clrMapOvr>
+  <p:timing>
+    <p:tnLst>
+      <p:par>
+        <p:cTn id="1" dur="indefinite" restart="never" nodeType="tmRoot"/>
+      </p:par>
+    </p:tnLst>
+  </p:timing>
+</p:sld>
+</file>
+
+<file path=ppt/slides/slide8.xml><?xml version="1.0" encoding="utf-8"?>
+<p:sld xmlns:a="http://schemas.openxmlformats.org/drawingml/2006/main" xmlns:r="http://schemas.openxmlformats.org/officeDocument/2006/relationships" xmlns:p="http://schemas.openxmlformats.org/presentationml/2006/main">
+  <p:cSld>
+    <p:spTree>
+      <p:nvGrpSpPr>
+        <p:cNvPr id="1" name=""/>
+        <p:cNvGrpSpPr/>
+        <p:nvPr/>
+      </p:nvGrpSpPr>
+      <p:grpSpPr>
+        <a:xfrm>
+          <a:off x="0" y="0"/>
+          <a:ext cx="0" cy="0"/>
+          <a:chOff x="0" y="0"/>
+          <a:chExt cx="0" cy="0"/>
+        </a:xfrm>
+      </p:grpSpPr>
+      <p:sp>
+        <p:nvSpPr>
+          <p:cNvPr id="2" name="Title 1"/>
+          <p:cNvSpPr>
+            <a:spLocks noGrp="1"/>
+          </p:cNvSpPr>
+          <p:nvPr>
+            <p:ph type="title"/>
+          </p:nvPr>
+        </p:nvSpPr>
+        <p:spPr/>
+        <p:txBody>
+          <a:bodyPr/>
+          <a:lstStyle/>
+          <a:p>
+            <a:r>
+              <a:rPr lang="en-CA" dirty="0" smtClean="0"/>
+              <a:t>Pearson correlation coefficient (r)</a:t>
+            </a:r>
+            <a:endParaRPr lang="en-CA" dirty="0"/>
+          </a:p>
+        </p:txBody>
+      </p:sp>
+      <p:pic>
+        <p:nvPicPr>
+          <p:cNvPr id="5" name="Picture 4"/>
+          <p:cNvPicPr>
+            <a:picLocks noChangeAspect="1"/>
+          </p:cNvPicPr>
+          <p:nvPr/>
+        </p:nvPicPr>
+        <p:blipFill>
+          <a:blip r:embed="rId2"/>
+          <a:stretch>
+            <a:fillRect/>
+          </a:stretch>
+        </p:blipFill>
+        <p:spPr>
+          <a:xfrm>
+            <a:off x="320992" y="2336655"/>
+            <a:ext cx="11032808" cy="2623273"/>
+          </a:xfrm>
+          <a:prstGeom prst="rect">
+            <a:avLst/>
+          </a:prstGeom>
+        </p:spPr>
+      </p:pic>
+    </p:spTree>
+    <p:extLst>
+      <p:ext uri="{BB962C8B-B14F-4D97-AF65-F5344CB8AC3E}">
+        <p14:creationId xmlns:p14="http://schemas.microsoft.com/office/powerpoint/2010/main" val="755870617"/>
+      </p:ext>
+    </p:extLst>
+  </p:cSld>
+  <p:clrMapOvr>
+    <a:masterClrMapping/>
+  </p:clrMapOvr>
+  <p:timing>
+    <p:tnLst>
+      <p:par>
+        <p:cTn id="1" dur="indefinite" restart="never" nodeType="tmRoot"/>
+      </p:par>
+    </p:tnLst>
+  </p:timing>
+</p:sld>
+</file>
+
+<file path=ppt/slides/slide9.xml><?xml version="1.0" encoding="utf-8"?>
+<p:sld xmlns:a="http://schemas.openxmlformats.org/drawingml/2006/main" xmlns:r="http://schemas.openxmlformats.org/officeDocument/2006/relationships" xmlns:p="http://schemas.openxmlformats.org/presentationml/2006/main">
+  <p:cSld>
+    <p:spTree>
+      <p:nvGrpSpPr>
+        <p:cNvPr id="1" name=""/>
+        <p:cNvGrpSpPr/>
+        <p:nvPr/>
+      </p:nvGrpSpPr>
+      <p:grpSpPr>
+        <a:xfrm>
+          <a:off x="0" y="0"/>
+          <a:ext cx="0" cy="0"/>
+          <a:chOff x="0" y="0"/>
+          <a:chExt cx="0" cy="0"/>
+        </a:xfrm>
+      </p:grpSpPr>
+      <p:sp>
+        <p:nvSpPr>
+          <p:cNvPr id="2" name="Title 1"/>
+          <p:cNvSpPr>
+            <a:spLocks noGrp="1"/>
+          </p:cNvSpPr>
+          <p:nvPr>
+            <p:ph type="title"/>
+          </p:nvPr>
+        </p:nvSpPr>
+        <p:spPr/>
+        <p:txBody>
+          <a:bodyPr/>
+          <a:lstStyle/>
+          <a:p>
+            <a:r>
+              <a:rPr lang="en-CA" dirty="0" smtClean="0"/>
+              <a:t>Neuroimaging example in python</a:t>
+            </a:r>
+            <a:endParaRPr lang="en-CA" dirty="0"/>
+          </a:p>
+        </p:txBody>
+      </p:sp>
+      <p:sp>
+        <p:nvSpPr>
+          <p:cNvPr id="3" name="Content Placeholder 2"/>
+          <p:cNvSpPr>
+            <a:spLocks noGrp="1"/>
+          </p:cNvSpPr>
+          <p:nvPr>
+            <p:ph idx="1"/>
+          </p:nvPr>
+        </p:nvSpPr>
+        <p:spPr/>
+        <p:txBody>
+          <a:bodyPr/>
+          <a:lstStyle/>
+          <a:p>
+            <a:r>
+              <a:rPr lang="en-CA" dirty="0" smtClean="0"/>
+              <a:t>Numpy to calculate </a:t>
+            </a:r>
+            <a:r>
+              <a:rPr lang="en-CA" dirty="0" smtClean="0">
+                <a:latin typeface="Cambria Math" panose="02040503050406030204" pitchFamily="18" charset="0"/>
+                <a:ea typeface="Cambria Math" panose="02040503050406030204" pitchFamily="18" charset="0"/>
+              </a:rPr>
+              <a:t>W</a:t>
+            </a:r>
+            <a:r>
+              <a:rPr lang="en-CA" dirty="0" smtClean="0"/>
+              <a:t> and </a:t>
+            </a:r>
+            <a:r>
+              <a:rPr lang="en-CA" dirty="0"/>
+              <a:t>P</a:t>
+            </a:r>
+            <a:r>
+              <a:rPr lang="en-CA" dirty="0" smtClean="0"/>
+              <a:t>earson’s correlation in one line of code</a:t>
+            </a:r>
+          </a:p>
+          <a:p>
+            <a:r>
+              <a:rPr lang="en-CA" dirty="0" smtClean="0"/>
+              <a:t>Susceptibility of </a:t>
+            </a:r>
+            <a:r>
+              <a:rPr lang="en-CA" dirty="0"/>
+              <a:t>P</a:t>
+            </a:r>
+            <a:r>
+              <a:rPr lang="en-CA" dirty="0" smtClean="0"/>
+              <a:t>earson’s correlation to noise and outliers</a:t>
+            </a:r>
+          </a:p>
+          <a:p>
+            <a:r>
+              <a:rPr lang="en-CA" dirty="0" smtClean="0"/>
+              <a:t>Real world example from my Ph.D. works</a:t>
+            </a:r>
+          </a:p>
+          <a:p>
+            <a:endParaRPr lang="en-CA" dirty="0"/>
+          </a:p>
+        </p:txBody>
+      </p:sp>
+    </p:spTree>
+    <p:extLst>
+      <p:ext uri="{BB962C8B-B14F-4D97-AF65-F5344CB8AC3E}">
+        <p14:creationId xmlns:p14="http://schemas.microsoft.com/office/powerpoint/2010/main" val="1401575206"/>
       </p:ext>
     </p:extLst>
   </p:cSld>

--- a/Lecture_07.pptx
+++ b/Lecture_07.pptx
@@ -251,7 +251,7 @@
           <a:p>
             <a:fld id="{6EA0DF42-C853-42CE-81E0-CEE8956A2E22}" type="datetimeFigureOut">
               <a:rPr lang="en-CA" smtClean="0"/>
-              <a:t>2019-09-17</a:t>
+              <a:t>2019-09-18</a:t>
             </a:fld>
             <a:endParaRPr lang="en-CA"/>
           </a:p>
@@ -421,7 +421,7 @@
           <a:p>
             <a:fld id="{6EA0DF42-C853-42CE-81E0-CEE8956A2E22}" type="datetimeFigureOut">
               <a:rPr lang="en-CA" smtClean="0"/>
-              <a:t>2019-09-17</a:t>
+              <a:t>2019-09-18</a:t>
             </a:fld>
             <a:endParaRPr lang="en-CA"/>
           </a:p>
@@ -601,7 +601,7 @@
           <a:p>
             <a:fld id="{6EA0DF42-C853-42CE-81E0-CEE8956A2E22}" type="datetimeFigureOut">
               <a:rPr lang="en-CA" smtClean="0"/>
-              <a:t>2019-09-17</a:t>
+              <a:t>2019-09-18</a:t>
             </a:fld>
             <a:endParaRPr lang="en-CA"/>
           </a:p>
@@ -771,7 +771,7 @@
           <a:p>
             <a:fld id="{6EA0DF42-C853-42CE-81E0-CEE8956A2E22}" type="datetimeFigureOut">
               <a:rPr lang="en-CA" smtClean="0"/>
-              <a:t>2019-09-17</a:t>
+              <a:t>2019-09-18</a:t>
             </a:fld>
             <a:endParaRPr lang="en-CA"/>
           </a:p>
@@ -1017,7 +1017,7 @@
           <a:p>
             <a:fld id="{6EA0DF42-C853-42CE-81E0-CEE8956A2E22}" type="datetimeFigureOut">
               <a:rPr lang="en-CA" smtClean="0"/>
-              <a:t>2019-09-17</a:t>
+              <a:t>2019-09-18</a:t>
             </a:fld>
             <a:endParaRPr lang="en-CA"/>
           </a:p>
@@ -1249,7 +1249,7 @@
           <a:p>
             <a:fld id="{6EA0DF42-C853-42CE-81E0-CEE8956A2E22}" type="datetimeFigureOut">
               <a:rPr lang="en-CA" smtClean="0"/>
-              <a:t>2019-09-17</a:t>
+              <a:t>2019-09-18</a:t>
             </a:fld>
             <a:endParaRPr lang="en-CA"/>
           </a:p>
@@ -1616,7 +1616,7 @@
           <a:p>
             <a:fld id="{6EA0DF42-C853-42CE-81E0-CEE8956A2E22}" type="datetimeFigureOut">
               <a:rPr lang="en-CA" smtClean="0"/>
-              <a:t>2019-09-17</a:t>
+              <a:t>2019-09-18</a:t>
             </a:fld>
             <a:endParaRPr lang="en-CA"/>
           </a:p>
@@ -1734,7 +1734,7 @@
           <a:p>
             <a:fld id="{6EA0DF42-C853-42CE-81E0-CEE8956A2E22}" type="datetimeFigureOut">
               <a:rPr lang="en-CA" smtClean="0"/>
-              <a:t>2019-09-17</a:t>
+              <a:t>2019-09-18</a:t>
             </a:fld>
             <a:endParaRPr lang="en-CA"/>
           </a:p>
@@ -1829,7 +1829,7 @@
           <a:p>
             <a:fld id="{6EA0DF42-C853-42CE-81E0-CEE8956A2E22}" type="datetimeFigureOut">
               <a:rPr lang="en-CA" smtClean="0"/>
-              <a:t>2019-09-17</a:t>
+              <a:t>2019-09-18</a:t>
             </a:fld>
             <a:endParaRPr lang="en-CA"/>
           </a:p>
@@ -2106,7 +2106,7 @@
           <a:p>
             <a:fld id="{6EA0DF42-C853-42CE-81E0-CEE8956A2E22}" type="datetimeFigureOut">
               <a:rPr lang="en-CA" smtClean="0"/>
-              <a:t>2019-09-17</a:t>
+              <a:t>2019-09-18</a:t>
             </a:fld>
             <a:endParaRPr lang="en-CA"/>
           </a:p>
@@ -2359,7 +2359,7 @@
           <a:p>
             <a:fld id="{6EA0DF42-C853-42CE-81E0-CEE8956A2E22}" type="datetimeFigureOut">
               <a:rPr lang="en-CA" smtClean="0"/>
-              <a:t>2019-09-17</a:t>
+              <a:t>2019-09-18</a:t>
             </a:fld>
             <a:endParaRPr lang="en-CA"/>
           </a:p>
@@ -2572,7 +2572,7 @@
           <a:p>
             <a:fld id="{6EA0DF42-C853-42CE-81E0-CEE8956A2E22}" type="datetimeFigureOut">
               <a:rPr lang="en-CA" smtClean="0"/>
-              <a:t>2019-09-17</a:t>
+              <a:t>2019-09-18</a:t>
             </a:fld>
             <a:endParaRPr lang="en-CA"/>
           </a:p>
@@ -3112,11 +3112,7 @@
           <a:p>
             <a:r>
               <a:rPr lang="en-CA" dirty="0" smtClean="0"/>
-              <a:t>Assignment submission </a:t>
-            </a:r>
-            <a:r>
-              <a:rPr lang="en-CA" dirty="0" smtClean="0"/>
-              <a:t>format</a:t>
+              <a:t>Assignment submission format</a:t>
             </a:r>
           </a:p>
           <a:p>
@@ -3125,16 +3121,11 @@
               <a:rPr lang="en-CA" dirty="0" smtClean="0"/>
               <a:t>On paper, build table for 1R/Naïve Bayes, show full decision tree + calculations</a:t>
             </a:r>
-            <a:endParaRPr lang="en-CA" dirty="0" smtClean="0"/>
           </a:p>
           <a:p>
             <a:r>
               <a:rPr lang="en-CA" dirty="0" smtClean="0"/>
-              <a:t>Question </a:t>
-            </a:r>
-            <a:r>
-              <a:rPr lang="en-CA" dirty="0" smtClean="0"/>
-              <a:t>3</a:t>
+              <a:t>Question 3</a:t>
             </a:r>
           </a:p>
           <a:p>
@@ -3143,16 +3134,11 @@
               <a:rPr lang="en-CA" dirty="0" smtClean="0"/>
               <a:t>Decision tree will not always yield pure nodes</a:t>
             </a:r>
-            <a:endParaRPr lang="en-CA" dirty="0" smtClean="0"/>
           </a:p>
           <a:p>
             <a:r>
               <a:rPr lang="en-CA" dirty="0" smtClean="0"/>
-              <a:t>Midterm open book</a:t>
-            </a:r>
-            <a:r>
-              <a:rPr lang="en-CA" dirty="0" smtClean="0"/>
-              <a:t>?</a:t>
+              <a:t>Midterm open book?</a:t>
             </a:r>
           </a:p>
           <a:p>
@@ -3297,6 +3283,73 @@
           </a:prstGeom>
         </p:spPr>
       </p:pic>
+      <p:cxnSp>
+        <p:nvCxnSpPr>
+          <p:cNvPr id="6" name="Straight Arrow Connector 5"/>
+          <p:cNvCxnSpPr/>
+          <p:nvPr/>
+        </p:nvCxnSpPr>
+        <p:spPr>
+          <a:xfrm flipH="1">
+            <a:off x="7846002" y="4876800"/>
+            <a:ext cx="1478107" cy="193964"/>
+          </a:xfrm>
+          <a:prstGeom prst="straightConnector1">
+            <a:avLst/>
+          </a:prstGeom>
+          <a:ln>
+            <a:tailEnd type="triangle"/>
+          </a:ln>
+        </p:spPr>
+        <p:style>
+          <a:lnRef idx="1">
+            <a:schemeClr val="accent1"/>
+          </a:lnRef>
+          <a:fillRef idx="0">
+            <a:schemeClr val="accent1"/>
+          </a:fillRef>
+          <a:effectRef idx="0">
+            <a:schemeClr val="accent1"/>
+          </a:effectRef>
+          <a:fontRef idx="minor">
+            <a:schemeClr val="tx1"/>
+          </a:fontRef>
+        </p:style>
+      </p:cxnSp>
+      <p:sp>
+        <p:nvSpPr>
+          <p:cNvPr id="7" name="TextBox 6"/>
+          <p:cNvSpPr txBox="1"/>
+          <p:nvPr/>
+        </p:nvSpPr>
+        <p:spPr>
+          <a:xfrm>
+            <a:off x="9324109" y="4624666"/>
+            <a:ext cx="2272146" cy="369332"/>
+          </a:xfrm>
+          <a:prstGeom prst="rect">
+            <a:avLst/>
+          </a:prstGeom>
+          <a:noFill/>
+        </p:spPr>
+        <p:txBody>
+          <a:bodyPr wrap="square" rtlCol="0">
+            <a:spAutoFit/>
+          </a:bodyPr>
+          <a:lstStyle/>
+          <a:p>
+            <a:r>
+              <a:rPr lang="en-CA" dirty="0" smtClean="0"/>
+              <a:t>Not a linear model</a:t>
+            </a:r>
+            <a:r>
+              <a:rPr lang="en-CA" dirty="0"/>
+              <a:t>!</a:t>
+            </a:r>
+            <a:endParaRPr lang="en-CA" dirty="0" smtClean="0"/>
+          </a:p>
+        </p:txBody>
+      </p:sp>
     </p:spTree>
     <p:extLst>
       <p:ext uri="{BB962C8B-B14F-4D97-AF65-F5344CB8AC3E}">
@@ -3371,19 +3424,25 @@
             </p:nvSpPr>
             <p:spPr>
               <a:xfrm>
-                <a:off x="235527" y="1825625"/>
-                <a:ext cx="11499273" cy="4351338"/>
+                <a:off x="235527" y="1427018"/>
+                <a:ext cx="11831782" cy="5264727"/>
               </a:xfrm>
             </p:spPr>
             <p:txBody>
               <a:bodyPr>
-                <a:normAutofit lnSpcReduction="10000"/>
+                <a:normAutofit/>
               </a:bodyPr>
               <a:lstStyle/>
               <a:p>
                 <a:r>
                   <a:rPr lang="en-CA" dirty="0" smtClean="0"/>
                   <a:t>When the outcome or class is numeric and all the attributes are numeric, Linear Regression is a natural technique to consider</a:t>
+                </a:r>
+              </a:p>
+              <a:p>
+                <a:r>
+                  <a:rPr lang="en-CA" dirty="0" smtClean="0"/>
+                  <a:t>Instead of a decision tree or rules, Linear Regression produces a structural description in the form set of weights:</a:t>
                 </a:r>
                 <a:endParaRPr lang="en-CA" dirty="0"/>
               </a:p>
@@ -3394,10 +3453,19 @@
                       <m:rPr>
                         <m:sty m:val="p"/>
                       </m:rPr>
+                      <a:rPr lang="en-CA">
+                        <a:latin typeface="Cambria Math" panose="02040503050406030204" pitchFamily="18" charset="0"/>
+                      </a:rPr>
+                      <m:t>p</m:t>
+                    </m:r>
+                    <m:r>
+                      <m:rPr>
+                        <m:sty m:val="p"/>
+                      </m:rPr>
                       <a:rPr lang="en-CA" b="0" i="0" smtClean="0">
                         <a:latin typeface="Cambria Math" panose="02040503050406030204" pitchFamily="18" charset="0"/>
                       </a:rPr>
-                      <m:t>x</m:t>
+                      <m:t>rediction</m:t>
                     </m:r>
                     <m:r>
                       <a:rPr lang="en-CA" b="0" i="0" smtClean="0">
@@ -3593,21 +3661,6 @@
                     <a:latin typeface="Cambria Math" panose="02040503050406030204" pitchFamily="18" charset="0"/>
                     <a:ea typeface="Cambria Math" panose="02040503050406030204" pitchFamily="18" charset="0"/>
                   </a:rPr>
-                  <a:t>x</a:t>
-                </a:r>
-                <a:r>
-                  <a:rPr lang="en-CA" dirty="0" smtClean="0"/>
-                  <a:t> is the </a:t>
-                </a:r>
-                <a:r>
-                  <a:rPr lang="en-CA" dirty="0" smtClean="0"/>
-                  <a:t>prediction, </a:t>
-                </a:r>
-                <a:r>
-                  <a:rPr lang="en-CA" dirty="0" smtClean="0">
-                    <a:latin typeface="Cambria Math" panose="02040503050406030204" pitchFamily="18" charset="0"/>
-                    <a:ea typeface="Cambria Math" panose="02040503050406030204" pitchFamily="18" charset="0"/>
-                  </a:rPr>
                   <a:t>a</a:t>
                 </a:r>
                 <a:r>
@@ -3755,7 +3808,11 @@
                 </a:r>
                 <a:r>
                   <a:rPr lang="en-CA" dirty="0" smtClean="0"/>
-                  <a:t>an instance </a:t>
+                  <a:t>the first </a:t>
+                </a:r>
+                <a:r>
+                  <a:rPr lang="en-CA" dirty="0" smtClean="0"/>
+                  <a:t>instance </a:t>
                 </a:r>
                 <a:r>
                   <a:rPr lang="en-CA" dirty="0"/>
@@ -3973,15 +4030,7 @@
               <a:p>
                 <a:r>
                   <a:rPr lang="en-CA" dirty="0" smtClean="0"/>
-                  <a:t>The predicted value for the first </a:t>
-                </a:r>
-                <a:r>
-                  <a:rPr lang="en-CA" dirty="0" smtClean="0"/>
-                  <a:t>instance can </a:t>
-                </a:r>
-                <a:r>
-                  <a:rPr lang="en-CA" dirty="0" smtClean="0"/>
-                  <a:t>be written:</a:t>
+                  <a:t>The predicted value for the first instance can be written:</a:t>
                 </a:r>
               </a:p>
               <a:p>
@@ -4356,13 +4405,13 @@
             </p:nvSpPr>
             <p:spPr>
               <a:xfrm>
-                <a:off x="235527" y="1825625"/>
-                <a:ext cx="11499273" cy="4351338"/>
+                <a:off x="235527" y="1427018"/>
+                <a:ext cx="11831782" cy="5264727"/>
               </a:xfrm>
               <a:blipFill>
                 <a:blip r:embed="rId2"/>
                 <a:stretch>
-                  <a:fillRect l="-954" t="-3081"/>
+                  <a:fillRect l="-927" t="-1852"/>
                 </a:stretch>
               </a:blipFill>
             </p:spPr>
@@ -4394,9 +4443,427 @@
   <p:timing>
     <p:tnLst>
       <p:par>
-        <p:cTn id="1" dur="indefinite" restart="never" nodeType="tmRoot"/>
+        <p:cTn id="1" dur="indefinite" restart="never" nodeType="tmRoot">
+          <p:childTnLst>
+            <p:seq concurrent="1" nextAc="seek">
+              <p:cTn id="2" dur="indefinite" nodeType="mainSeq">
+                <p:childTnLst>
+                  <p:par>
+                    <p:cTn id="3" fill="hold">
+                      <p:stCondLst>
+                        <p:cond delay="indefinite"/>
+                      </p:stCondLst>
+                      <p:childTnLst>
+                        <p:par>
+                          <p:cTn id="4" fill="hold">
+                            <p:stCondLst>
+                              <p:cond delay="0"/>
+                            </p:stCondLst>
+                            <p:childTnLst>
+                              <p:par>
+                                <p:cTn id="5" presetID="1" presetClass="entr" presetSubtype="0" fill="hold" grpId="0" nodeType="clickEffect">
+                                  <p:stCondLst>
+                                    <p:cond delay="0"/>
+                                  </p:stCondLst>
+                                  <p:childTnLst>
+                                    <p:set>
+                                      <p:cBhvr>
+                                        <p:cTn id="6" dur="1" fill="hold">
+                                          <p:stCondLst>
+                                            <p:cond delay="0"/>
+                                          </p:stCondLst>
+                                        </p:cTn>
+                                        <p:tgtEl>
+                                          <p:spTgt spid="3">
+                                            <p:txEl>
+                                              <p:pRg st="0" end="0"/>
+                                            </p:txEl>
+                                          </p:spTgt>
+                                        </p:tgtEl>
+                                        <p:attrNameLst>
+                                          <p:attrName>style.visibility</p:attrName>
+                                        </p:attrNameLst>
+                                      </p:cBhvr>
+                                      <p:to>
+                                        <p:strVal val="visible"/>
+                                      </p:to>
+                                    </p:set>
+                                  </p:childTnLst>
+                                </p:cTn>
+                              </p:par>
+                            </p:childTnLst>
+                          </p:cTn>
+                        </p:par>
+                      </p:childTnLst>
+                    </p:cTn>
+                  </p:par>
+                  <p:par>
+                    <p:cTn id="7" fill="hold">
+                      <p:stCondLst>
+                        <p:cond delay="indefinite"/>
+                      </p:stCondLst>
+                      <p:childTnLst>
+                        <p:par>
+                          <p:cTn id="8" fill="hold">
+                            <p:stCondLst>
+                              <p:cond delay="0"/>
+                            </p:stCondLst>
+                            <p:childTnLst>
+                              <p:par>
+                                <p:cTn id="9" presetID="1" presetClass="entr" presetSubtype="0" fill="hold" grpId="0" nodeType="clickEffect">
+                                  <p:stCondLst>
+                                    <p:cond delay="0"/>
+                                  </p:stCondLst>
+                                  <p:childTnLst>
+                                    <p:set>
+                                      <p:cBhvr>
+                                        <p:cTn id="10" dur="1" fill="hold">
+                                          <p:stCondLst>
+                                            <p:cond delay="0"/>
+                                          </p:stCondLst>
+                                        </p:cTn>
+                                        <p:tgtEl>
+                                          <p:spTgt spid="3">
+                                            <p:txEl>
+                                              <p:pRg st="1" end="1"/>
+                                            </p:txEl>
+                                          </p:spTgt>
+                                        </p:tgtEl>
+                                        <p:attrNameLst>
+                                          <p:attrName>style.visibility</p:attrName>
+                                        </p:attrNameLst>
+                                      </p:cBhvr>
+                                      <p:to>
+                                        <p:strVal val="visible"/>
+                                      </p:to>
+                                    </p:set>
+                                  </p:childTnLst>
+                                </p:cTn>
+                              </p:par>
+                            </p:childTnLst>
+                          </p:cTn>
+                        </p:par>
+                      </p:childTnLst>
+                    </p:cTn>
+                  </p:par>
+                  <p:par>
+                    <p:cTn id="11" fill="hold">
+                      <p:stCondLst>
+                        <p:cond delay="indefinite"/>
+                      </p:stCondLst>
+                      <p:childTnLst>
+                        <p:par>
+                          <p:cTn id="12" fill="hold">
+                            <p:stCondLst>
+                              <p:cond delay="0"/>
+                            </p:stCondLst>
+                            <p:childTnLst>
+                              <p:par>
+                                <p:cTn id="13" presetID="1" presetClass="entr" presetSubtype="0" fill="hold" grpId="0" nodeType="clickEffect">
+                                  <p:stCondLst>
+                                    <p:cond delay="0"/>
+                                  </p:stCondLst>
+                                  <p:childTnLst>
+                                    <p:set>
+                                      <p:cBhvr>
+                                        <p:cTn id="14" dur="1" fill="hold">
+                                          <p:stCondLst>
+                                            <p:cond delay="0"/>
+                                          </p:stCondLst>
+                                        </p:cTn>
+                                        <p:tgtEl>
+                                          <p:spTgt spid="3">
+                                            <p:txEl>
+                                              <p:pRg st="2" end="2"/>
+                                            </p:txEl>
+                                          </p:spTgt>
+                                        </p:tgtEl>
+                                        <p:attrNameLst>
+                                          <p:attrName>style.visibility</p:attrName>
+                                        </p:attrNameLst>
+                                      </p:cBhvr>
+                                      <p:to>
+                                        <p:strVal val="visible"/>
+                                      </p:to>
+                                    </p:set>
+                                  </p:childTnLst>
+                                </p:cTn>
+                              </p:par>
+                            </p:childTnLst>
+                          </p:cTn>
+                        </p:par>
+                      </p:childTnLst>
+                    </p:cTn>
+                  </p:par>
+                  <p:par>
+                    <p:cTn id="15" fill="hold">
+                      <p:stCondLst>
+                        <p:cond delay="indefinite"/>
+                      </p:stCondLst>
+                      <p:childTnLst>
+                        <p:par>
+                          <p:cTn id="16" fill="hold">
+                            <p:stCondLst>
+                              <p:cond delay="0"/>
+                            </p:stCondLst>
+                            <p:childTnLst>
+                              <p:par>
+                                <p:cTn id="17" presetID="1" presetClass="entr" presetSubtype="0" fill="hold" grpId="0" nodeType="clickEffect">
+                                  <p:stCondLst>
+                                    <p:cond delay="0"/>
+                                  </p:stCondLst>
+                                  <p:childTnLst>
+                                    <p:set>
+                                      <p:cBhvr>
+                                        <p:cTn id="18" dur="1" fill="hold">
+                                          <p:stCondLst>
+                                            <p:cond delay="0"/>
+                                          </p:stCondLst>
+                                        </p:cTn>
+                                        <p:tgtEl>
+                                          <p:spTgt spid="3">
+                                            <p:txEl>
+                                              <p:pRg st="3" end="3"/>
+                                            </p:txEl>
+                                          </p:spTgt>
+                                        </p:tgtEl>
+                                        <p:attrNameLst>
+                                          <p:attrName>style.visibility</p:attrName>
+                                        </p:attrNameLst>
+                                      </p:cBhvr>
+                                      <p:to>
+                                        <p:strVal val="visible"/>
+                                      </p:to>
+                                    </p:set>
+                                  </p:childTnLst>
+                                </p:cTn>
+                              </p:par>
+                            </p:childTnLst>
+                          </p:cTn>
+                        </p:par>
+                      </p:childTnLst>
+                    </p:cTn>
+                  </p:par>
+                  <p:par>
+                    <p:cTn id="19" fill="hold">
+                      <p:stCondLst>
+                        <p:cond delay="indefinite"/>
+                      </p:stCondLst>
+                      <p:childTnLst>
+                        <p:par>
+                          <p:cTn id="20" fill="hold">
+                            <p:stCondLst>
+                              <p:cond delay="0"/>
+                            </p:stCondLst>
+                            <p:childTnLst>
+                              <p:par>
+                                <p:cTn id="21" presetID="1" presetClass="entr" presetSubtype="0" fill="hold" grpId="0" nodeType="clickEffect">
+                                  <p:stCondLst>
+                                    <p:cond delay="0"/>
+                                  </p:stCondLst>
+                                  <p:childTnLst>
+                                    <p:set>
+                                      <p:cBhvr>
+                                        <p:cTn id="22" dur="1" fill="hold">
+                                          <p:stCondLst>
+                                            <p:cond delay="0"/>
+                                          </p:stCondLst>
+                                        </p:cTn>
+                                        <p:tgtEl>
+                                          <p:spTgt spid="3">
+                                            <p:txEl>
+                                              <p:pRg st="4" end="4"/>
+                                            </p:txEl>
+                                          </p:spTgt>
+                                        </p:tgtEl>
+                                        <p:attrNameLst>
+                                          <p:attrName>style.visibility</p:attrName>
+                                        </p:attrNameLst>
+                                      </p:cBhvr>
+                                      <p:to>
+                                        <p:strVal val="visible"/>
+                                      </p:to>
+                                    </p:set>
+                                  </p:childTnLst>
+                                </p:cTn>
+                              </p:par>
+                            </p:childTnLst>
+                          </p:cTn>
+                        </p:par>
+                      </p:childTnLst>
+                    </p:cTn>
+                  </p:par>
+                  <p:par>
+                    <p:cTn id="23" fill="hold">
+                      <p:stCondLst>
+                        <p:cond delay="indefinite"/>
+                      </p:stCondLst>
+                      <p:childTnLst>
+                        <p:par>
+                          <p:cTn id="24" fill="hold">
+                            <p:stCondLst>
+                              <p:cond delay="0"/>
+                            </p:stCondLst>
+                            <p:childTnLst>
+                              <p:par>
+                                <p:cTn id="25" presetID="1" presetClass="entr" presetSubtype="0" fill="hold" grpId="0" nodeType="clickEffect">
+                                  <p:stCondLst>
+                                    <p:cond delay="0"/>
+                                  </p:stCondLst>
+                                  <p:childTnLst>
+                                    <p:set>
+                                      <p:cBhvr>
+                                        <p:cTn id="26" dur="1" fill="hold">
+                                          <p:stCondLst>
+                                            <p:cond delay="0"/>
+                                          </p:stCondLst>
+                                        </p:cTn>
+                                        <p:tgtEl>
+                                          <p:spTgt spid="3">
+                                            <p:txEl>
+                                              <p:pRg st="5" end="5"/>
+                                            </p:txEl>
+                                          </p:spTgt>
+                                        </p:tgtEl>
+                                        <p:attrNameLst>
+                                          <p:attrName>style.visibility</p:attrName>
+                                        </p:attrNameLst>
+                                      </p:cBhvr>
+                                      <p:to>
+                                        <p:strVal val="visible"/>
+                                      </p:to>
+                                    </p:set>
+                                  </p:childTnLst>
+                                </p:cTn>
+                              </p:par>
+                            </p:childTnLst>
+                          </p:cTn>
+                        </p:par>
+                      </p:childTnLst>
+                    </p:cTn>
+                  </p:par>
+                  <p:par>
+                    <p:cTn id="27" fill="hold">
+                      <p:stCondLst>
+                        <p:cond delay="indefinite"/>
+                      </p:stCondLst>
+                      <p:childTnLst>
+                        <p:par>
+                          <p:cTn id="28" fill="hold">
+                            <p:stCondLst>
+                              <p:cond delay="0"/>
+                            </p:stCondLst>
+                            <p:childTnLst>
+                              <p:par>
+                                <p:cTn id="29" presetID="1" presetClass="entr" presetSubtype="0" fill="hold" grpId="0" nodeType="clickEffect">
+                                  <p:stCondLst>
+                                    <p:cond delay="0"/>
+                                  </p:stCondLst>
+                                  <p:childTnLst>
+                                    <p:set>
+                                      <p:cBhvr>
+                                        <p:cTn id="30" dur="1" fill="hold">
+                                          <p:stCondLst>
+                                            <p:cond delay="0"/>
+                                          </p:stCondLst>
+                                        </p:cTn>
+                                        <p:tgtEl>
+                                          <p:spTgt spid="3">
+                                            <p:txEl>
+                                              <p:pRg st="6" end="6"/>
+                                            </p:txEl>
+                                          </p:spTgt>
+                                        </p:tgtEl>
+                                        <p:attrNameLst>
+                                          <p:attrName>style.visibility</p:attrName>
+                                        </p:attrNameLst>
+                                      </p:cBhvr>
+                                      <p:to>
+                                        <p:strVal val="visible"/>
+                                      </p:to>
+                                    </p:set>
+                                  </p:childTnLst>
+                                </p:cTn>
+                              </p:par>
+                            </p:childTnLst>
+                          </p:cTn>
+                        </p:par>
+                      </p:childTnLst>
+                    </p:cTn>
+                  </p:par>
+                  <p:par>
+                    <p:cTn id="31" fill="hold">
+                      <p:stCondLst>
+                        <p:cond delay="indefinite"/>
+                      </p:stCondLst>
+                      <p:childTnLst>
+                        <p:par>
+                          <p:cTn id="32" fill="hold">
+                            <p:stCondLst>
+                              <p:cond delay="0"/>
+                            </p:stCondLst>
+                            <p:childTnLst>
+                              <p:par>
+                                <p:cTn id="33" presetID="1" presetClass="entr" presetSubtype="0" fill="hold" grpId="0" nodeType="clickEffect">
+                                  <p:stCondLst>
+                                    <p:cond delay="0"/>
+                                  </p:stCondLst>
+                                  <p:childTnLst>
+                                    <p:set>
+                                      <p:cBhvr>
+                                        <p:cTn id="34" dur="1" fill="hold">
+                                          <p:stCondLst>
+                                            <p:cond delay="0"/>
+                                          </p:stCondLst>
+                                        </p:cTn>
+                                        <p:tgtEl>
+                                          <p:spTgt spid="3">
+                                            <p:txEl>
+                                              <p:pRg st="7" end="7"/>
+                                            </p:txEl>
+                                          </p:spTgt>
+                                        </p:tgtEl>
+                                        <p:attrNameLst>
+                                          <p:attrName>style.visibility</p:attrName>
+                                        </p:attrNameLst>
+                                      </p:cBhvr>
+                                      <p:to>
+                                        <p:strVal val="visible"/>
+                                      </p:to>
+                                    </p:set>
+                                  </p:childTnLst>
+                                </p:cTn>
+                              </p:par>
+                            </p:childTnLst>
+                          </p:cTn>
+                        </p:par>
+                      </p:childTnLst>
+                    </p:cTn>
+                  </p:par>
+                </p:childTnLst>
+              </p:cTn>
+              <p:prevCondLst>
+                <p:cond evt="onPrev" delay="0">
+                  <p:tgtEl>
+                    <p:sldTgt/>
+                  </p:tgtEl>
+                </p:cond>
+              </p:prevCondLst>
+              <p:nextCondLst>
+                <p:cond evt="onNext" delay="0">
+                  <p:tgtEl>
+                    <p:sldTgt/>
+                  </p:tgtEl>
+                </p:cond>
+              </p:nextCondLst>
+            </p:seq>
+          </p:childTnLst>
+        </p:cTn>
       </p:par>
     </p:tnLst>
+    <p:bldLst>
+      <p:bldP spid="3" grpId="0" build="p"/>
+    </p:bldLst>
   </p:timing>
 </p:sld>
 </file>
@@ -4453,22 +4920,19 @@
                 <p:ph idx="1"/>
               </p:nvPr>
             </p:nvSpPr>
-            <p:spPr/>
+            <p:spPr>
+              <a:xfrm>
+                <a:off x="838200" y="1825625"/>
+                <a:ext cx="10841182" cy="4351338"/>
+              </a:xfrm>
+            </p:spPr>
             <p:txBody>
               <a:bodyPr/>
               <a:lstStyle/>
               <a:p>
                 <a:r>
                   <a:rPr lang="en-CA" dirty="0" smtClean="0"/>
-                  <a:t>We use the difference between the predicted and actual </a:t>
-                </a:r>
-                <a:r>
-                  <a:rPr lang="en-CA" dirty="0" smtClean="0"/>
-                  <a:t>value </a:t>
-                </a:r>
-                <a:r>
-                  <a:rPr lang="en-CA" dirty="0" smtClean="0"/>
-                  <a:t>to arrive at optimal values for the weights</a:t>
+                  <a:t>We use the difference between the predicted and actual value to arrive at optimal values for the weights</a:t>
                 </a:r>
               </a:p>
               <a:p>
@@ -4499,24 +4963,19 @@
                 </a:r>
                 <a:r>
                   <a:rPr lang="en-CA" dirty="0" smtClean="0"/>
-                  <a:t>such that we minimize the sum of squares of </a:t>
+                  <a:t>such that we minimize the sum of squares of differences between predicted and actual value across all training instances </a:t>
                 </a:r>
                 <a:r>
-                  <a:rPr lang="en-CA" dirty="0" smtClean="0"/>
-                  <a:t>differences </a:t>
+                  <a:rPr lang="en-CA" dirty="0" err="1" smtClean="0">
+                    <a:latin typeface="Cambria Math" panose="02040503050406030204" pitchFamily="18" charset="0"/>
+                    <a:ea typeface="Cambria Math" panose="02040503050406030204" pitchFamily="18" charset="0"/>
+                  </a:rPr>
+                  <a:t>i</a:t>
                 </a:r>
-                <a:r>
-                  <a:rPr lang="en-CA" dirty="0" smtClean="0"/>
-                  <a:t>between predicted and actual </a:t>
-                </a:r>
-                <a:r>
-                  <a:rPr lang="en-CA" dirty="0" smtClean="0"/>
-                  <a:t>value </a:t>
-                </a:r>
-                <a:r>
-                  <a:rPr lang="en-CA" dirty="0" smtClean="0"/>
-                  <a:t>across all training instances</a:t>
-                </a:r>
+                <a:endParaRPr lang="en-CA" dirty="0" smtClean="0">
+                  <a:latin typeface="Cambria Math" panose="02040503050406030204" pitchFamily="18" charset="0"/>
+                  <a:ea typeface="Cambria Math" panose="02040503050406030204" pitchFamily="18" charset="0"/>
+                </a:endParaRPr>
               </a:p>
               <a:p>
                 <a14:m>
@@ -4533,15 +4992,16 @@
                       <m:sub>
                         <m:r>
                           <m:rPr>
+                            <m:sty m:val="p"/>
                             <m:brk m:alnAt="23"/>
                           </m:rPr>
-                          <a:rPr lang="en-CA" b="0" i="1" smtClean="0">
+                          <a:rPr lang="en-CA" b="0" i="0" smtClean="0">
                             <a:latin typeface="Cambria Math" panose="02040503050406030204" pitchFamily="18" charset="0"/>
                           </a:rPr>
-                          <m:t>𝑖</m:t>
+                          <m:t>i</m:t>
                         </m:r>
                         <m:r>
-                          <a:rPr lang="en-CA" b="0" i="1" smtClean="0">
+                          <a:rPr lang="en-CA" b="0" i="0" smtClean="0">
                             <a:latin typeface="Cambria Math" panose="02040503050406030204" pitchFamily="18" charset="0"/>
                           </a:rPr>
                           <m:t>=1</m:t>
@@ -4549,15 +5009,18 @@
                       </m:sub>
                       <m:sup>
                         <m:r>
-                          <a:rPr lang="en-CA" b="0" i="1" smtClean="0">
+                          <m:rPr>
+                            <m:sty m:val="p"/>
+                          </m:rPr>
+                          <a:rPr lang="en-CA" b="0" i="0" smtClean="0">
                             <a:latin typeface="Cambria Math" panose="02040503050406030204" pitchFamily="18" charset="0"/>
                           </a:rPr>
-                          <m:t>𝑛</m:t>
+                          <m:t>n</m:t>
                         </m:r>
                       </m:sup>
                       <m:e>
                         <m:r>
-                          <a:rPr lang="en-CA" b="0" i="1" smtClean="0">
+                          <a:rPr lang="en-CA" b="0" i="0" smtClean="0">
                             <a:latin typeface="Cambria Math" panose="02040503050406030204" pitchFamily="18" charset="0"/>
                           </a:rPr>
                           <m:t>(</m:t>
@@ -4572,27 +5035,33 @@
                           </m:sSupPr>
                           <m:e>
                             <m:r>
-                              <a:rPr lang="en-CA" b="0" i="1" smtClean="0">
+                              <m:rPr>
+                                <m:sty m:val="p"/>
+                              </m:rPr>
+                              <a:rPr lang="en-CA" b="0" i="0" smtClean="0">
                                 <a:latin typeface="Cambria Math" panose="02040503050406030204" pitchFamily="18" charset="0"/>
                               </a:rPr>
-                              <m:t>𝑥</m:t>
+                              <m:t>y</m:t>
                             </m:r>
                           </m:e>
                           <m:sup>
                             <m:r>
-                              <a:rPr lang="en-CA" b="0" i="1" smtClean="0">
+                              <a:rPr lang="en-CA" b="0" i="0" smtClean="0">
                                 <a:latin typeface="Cambria Math" panose="02040503050406030204" pitchFamily="18" charset="0"/>
                               </a:rPr>
                               <m:t>(</m:t>
                             </m:r>
                             <m:r>
-                              <a:rPr lang="en-CA" b="0" i="1" smtClean="0">
+                              <m:rPr>
+                                <m:sty m:val="p"/>
+                              </m:rPr>
+                              <a:rPr lang="en-CA" b="0" i="0" smtClean="0">
                                 <a:latin typeface="Cambria Math" panose="02040503050406030204" pitchFamily="18" charset="0"/>
                               </a:rPr>
-                              <m:t>𝑖</m:t>
+                              <m:t>i</m:t>
                             </m:r>
                             <m:r>
-                              <a:rPr lang="en-CA" b="0" i="1" smtClean="0">
+                              <a:rPr lang="en-CA" b="0" i="0" smtClean="0">
                                 <a:latin typeface="Cambria Math" panose="02040503050406030204" pitchFamily="18" charset="0"/>
                               </a:rPr>
                               <m:t>)</m:t>
@@ -4600,7 +5069,7 @@
                           </m:sup>
                         </m:sSup>
                         <m:r>
-                          <a:rPr lang="en-CA" b="0" i="1" smtClean="0">
+                          <a:rPr lang="en-CA" b="0" i="0" smtClean="0">
                             <a:latin typeface="Cambria Math" panose="02040503050406030204" pitchFamily="18" charset="0"/>
                           </a:rPr>
                           <m:t>− </m:t>
@@ -4617,15 +5086,16 @@
                           <m:sub>
                             <m:r>
                               <m:rPr>
+                                <m:sty m:val="p"/>
                                 <m:brk m:alnAt="23"/>
                               </m:rPr>
-                              <a:rPr lang="en-CA" b="0" i="1" smtClean="0">
+                              <a:rPr lang="en-CA" b="0" i="0" smtClean="0">
                                 <a:latin typeface="Cambria Math" panose="02040503050406030204" pitchFamily="18" charset="0"/>
                               </a:rPr>
-                              <m:t>𝑗</m:t>
+                              <m:t>j</m:t>
                             </m:r>
                             <m:r>
-                              <a:rPr lang="en-CA" b="0" i="1" smtClean="0">
+                              <a:rPr lang="en-CA" b="0" i="0" smtClean="0">
                                 <a:latin typeface="Cambria Math" panose="02040503050406030204" pitchFamily="18" charset="0"/>
                               </a:rPr>
                               <m:t>=0</m:t>
@@ -4633,24 +5103,33 @@
                           </m:sub>
                           <m:sup>
                             <m:r>
-                              <a:rPr lang="en-CA" b="0" i="1" smtClean="0">
+                              <m:rPr>
+                                <m:sty m:val="p"/>
+                              </m:rPr>
+                              <a:rPr lang="en-CA" b="0" i="0" smtClean="0">
                                 <a:latin typeface="Cambria Math" panose="02040503050406030204" pitchFamily="18" charset="0"/>
                               </a:rPr>
-                              <m:t>𝑘</m:t>
+                              <m:t>k</m:t>
                             </m:r>
                           </m:sup>
                           <m:e>
                             <m:r>
-                              <a:rPr lang="en-CA" b="0" i="1" smtClean="0">
+                              <m:rPr>
+                                <m:sty m:val="p"/>
+                              </m:rPr>
+                              <a:rPr lang="en-CA" b="0" i="0" smtClean="0">
                                 <a:latin typeface="Cambria Math" panose="02040503050406030204" pitchFamily="18" charset="0"/>
                               </a:rPr>
-                              <m:t>𝑤</m:t>
+                              <m:t>w</m:t>
                             </m:r>
                             <m:r>
-                              <a:rPr lang="en-CA" b="0" i="1" baseline="-25000" smtClean="0">
+                              <m:rPr>
+                                <m:sty m:val="p"/>
+                              </m:rPr>
+                              <a:rPr lang="en-CA" b="0" i="0" baseline="-25000" smtClean="0">
                                 <a:latin typeface="Cambria Math" panose="02040503050406030204" pitchFamily="18" charset="0"/>
                               </a:rPr>
-                              <m:t>𝑗</m:t>
+                              <m:t>j</m:t>
                             </m:r>
                             <m:sSubSup>
                               <m:sSubSupPr>
@@ -4662,35 +5141,44 @@
                               </m:sSubSupPr>
                               <m:e>
                                 <m:r>
-                                  <a:rPr lang="en-CA" b="0" i="1" smtClean="0">
+                                  <m:rPr>
+                                    <m:sty m:val="p"/>
+                                  </m:rPr>
+                                  <a:rPr lang="en-CA" b="0" i="0" smtClean="0">
                                     <a:latin typeface="Cambria Math" panose="02040503050406030204" pitchFamily="18" charset="0"/>
                                   </a:rPr>
-                                  <m:t>𝑎</m:t>
+                                  <m:t>a</m:t>
                                 </m:r>
                               </m:e>
                               <m:sub>
                                 <m:r>
-                                  <a:rPr lang="en-CA" b="0" i="1" smtClean="0">
+                                  <m:rPr>
+                                    <m:sty m:val="p"/>
+                                  </m:rPr>
+                                  <a:rPr lang="en-CA" b="0" i="0" smtClean="0">
                                     <a:latin typeface="Cambria Math" panose="02040503050406030204" pitchFamily="18" charset="0"/>
                                   </a:rPr>
-                                  <m:t>𝑗</m:t>
+                                  <m:t>j</m:t>
                                 </m:r>
                               </m:sub>
                               <m:sup>
                                 <m:r>
-                                  <a:rPr lang="en-CA" b="0" i="1" smtClean="0">
+                                  <a:rPr lang="en-CA" b="0" i="0" smtClean="0">
                                     <a:latin typeface="Cambria Math" panose="02040503050406030204" pitchFamily="18" charset="0"/>
                                   </a:rPr>
                                   <m:t>(</m:t>
                                 </m:r>
                                 <m:r>
-                                  <a:rPr lang="en-CA" b="0" i="1" smtClean="0">
+                                  <m:rPr>
+                                    <m:sty m:val="p"/>
+                                  </m:rPr>
+                                  <a:rPr lang="en-CA" b="0" i="0" smtClean="0">
                                     <a:latin typeface="Cambria Math" panose="02040503050406030204" pitchFamily="18" charset="0"/>
                                   </a:rPr>
-                                  <m:t>𝑖</m:t>
+                                  <m:t>i</m:t>
                                 </m:r>
                                 <m:r>
-                                  <a:rPr lang="en-CA" b="0" i="1" smtClean="0">
+                                  <a:rPr lang="en-CA" b="0" i="0" smtClean="0">
                                     <a:latin typeface="Cambria Math" panose="02040503050406030204" pitchFamily="18" charset="0"/>
                                   </a:rPr>
                                   <m:t>)</m:t>
@@ -4698,13 +5186,13 @@
                               </m:sup>
                             </m:sSubSup>
                             <m:r>
-                              <a:rPr lang="en-CA" b="0" i="1" smtClean="0">
+                              <a:rPr lang="en-CA" b="0" i="0" smtClean="0">
                                 <a:latin typeface="Cambria Math" panose="02040503050406030204" pitchFamily="18" charset="0"/>
                               </a:rPr>
                               <m:t>)</m:t>
                             </m:r>
                             <m:r>
-                              <a:rPr lang="en-CA" b="0" i="1" baseline="30000" smtClean="0">
+                              <a:rPr lang="en-CA" b="0" i="0" baseline="30000" smtClean="0">
                                 <a:latin typeface="Cambria Math" panose="02040503050406030204" pitchFamily="18" charset="0"/>
                               </a:rPr>
                               <m:t>2</m:t>
@@ -4715,14 +5203,80 @@
                     </m:nary>
                   </m:oMath>
                 </a14:m>
-                <a:endParaRPr lang="en-CA" dirty="0"/>
+                <a:r>
+                  <a:rPr lang="en-CA" dirty="0" smtClean="0"/>
+                  <a:t> , </a:t>
+                </a:r>
+                <a:r>
+                  <a:rPr lang="en-CA" sz="2200" dirty="0" smtClean="0"/>
+                  <a:t>where </a:t>
+                </a:r>
+                <a14:m>
+                  <m:oMath xmlns:m="http://schemas.openxmlformats.org/officeDocument/2006/math">
+                    <m:sSup>
+                      <m:sSupPr>
+                        <m:ctrlPr>
+                          <a:rPr lang="en-CA" sz="2200" i="1">
+                            <a:latin typeface="Cambria Math" panose="02040503050406030204" pitchFamily="18" charset="0"/>
+                          </a:rPr>
+                        </m:ctrlPr>
+                      </m:sSupPr>
+                      <m:e>
+                        <m:r>
+                          <m:rPr>
+                            <m:sty m:val="p"/>
+                          </m:rPr>
+                          <a:rPr lang="en-CA" sz="2200">
+                            <a:latin typeface="Cambria Math" panose="02040503050406030204" pitchFamily="18" charset="0"/>
+                          </a:rPr>
+                          <m:t>y</m:t>
+                        </m:r>
+                      </m:e>
+                      <m:sup>
+                        <m:r>
+                          <a:rPr lang="en-CA" sz="2200">
+                            <a:latin typeface="Cambria Math" panose="02040503050406030204" pitchFamily="18" charset="0"/>
+                          </a:rPr>
+                          <m:t>(</m:t>
+                        </m:r>
+                        <m:r>
+                          <m:rPr>
+                            <m:sty m:val="p"/>
+                          </m:rPr>
+                          <a:rPr lang="en-CA" sz="2200">
+                            <a:latin typeface="Cambria Math" panose="02040503050406030204" pitchFamily="18" charset="0"/>
+                          </a:rPr>
+                          <m:t>i</m:t>
+                        </m:r>
+                        <m:r>
+                          <a:rPr lang="en-CA" sz="2200">
+                            <a:latin typeface="Cambria Math" panose="02040503050406030204" pitchFamily="18" charset="0"/>
+                          </a:rPr>
+                          <m:t>)</m:t>
+                        </m:r>
+                      </m:sup>
+                    </m:sSup>
+                  </m:oMath>
+                </a14:m>
+                <a:r>
+                  <a:rPr lang="en-CA" sz="2200" dirty="0" smtClean="0"/>
+                  <a:t> is the </a:t>
+                </a:r>
+                <a:r>
+                  <a:rPr lang="en-CA" sz="2200" dirty="0" smtClean="0"/>
+                  <a:t>known outcome </a:t>
+                </a:r>
+                <a:r>
+                  <a:rPr lang="en-CA" sz="2200" dirty="0" smtClean="0"/>
+                  <a:t>of a training instance </a:t>
+                </a:r>
+                <a:endParaRPr lang="en-CA" dirty="0" smtClean="0"/>
               </a:p>
               <a:p>
                 <a:r>
                   <a:rPr lang="en-CA" dirty="0" smtClean="0"/>
                   <a:t>We want to minimize this sum. How? </a:t>
                 </a:r>
-                <a:endParaRPr lang="en-CA" dirty="0" smtClean="0"/>
               </a:p>
               <a:p>
                 <a:endParaRPr lang="en-CA" dirty="0"/>
@@ -4742,10 +5296,14 @@
               </p:nvPr>
             </p:nvSpPr>
             <p:spPr>
+              <a:xfrm>
+                <a:off x="838200" y="1825625"/>
+                <a:ext cx="10841182" cy="4351338"/>
+              </a:xfrm>
               <a:blipFill>
                 <a:blip r:embed="rId2"/>
                 <a:stretch>
-                  <a:fillRect l="-1043" t="-2241"/>
+                  <a:fillRect l="-1012" t="-2241" r="-506"/>
                 </a:stretch>
               </a:blipFill>
             </p:spPr>
@@ -4777,9 +5335,231 @@
   <p:timing>
     <p:tnLst>
       <p:par>
-        <p:cTn id="1" dur="indefinite" restart="never" nodeType="tmRoot"/>
+        <p:cTn id="1" dur="indefinite" restart="never" nodeType="tmRoot">
+          <p:childTnLst>
+            <p:seq concurrent="1" nextAc="seek">
+              <p:cTn id="2" dur="indefinite" nodeType="mainSeq">
+                <p:childTnLst>
+                  <p:par>
+                    <p:cTn id="3" fill="hold">
+                      <p:stCondLst>
+                        <p:cond delay="indefinite"/>
+                      </p:stCondLst>
+                      <p:childTnLst>
+                        <p:par>
+                          <p:cTn id="4" fill="hold">
+                            <p:stCondLst>
+                              <p:cond delay="0"/>
+                            </p:stCondLst>
+                            <p:childTnLst>
+                              <p:par>
+                                <p:cTn id="5" presetID="1" presetClass="entr" presetSubtype="0" fill="hold" grpId="0" nodeType="clickEffect">
+                                  <p:stCondLst>
+                                    <p:cond delay="0"/>
+                                  </p:stCondLst>
+                                  <p:childTnLst>
+                                    <p:set>
+                                      <p:cBhvr>
+                                        <p:cTn id="6" dur="1" fill="hold">
+                                          <p:stCondLst>
+                                            <p:cond delay="0"/>
+                                          </p:stCondLst>
+                                        </p:cTn>
+                                        <p:tgtEl>
+                                          <p:spTgt spid="3">
+                                            <p:txEl>
+                                              <p:pRg st="0" end="0"/>
+                                            </p:txEl>
+                                          </p:spTgt>
+                                        </p:tgtEl>
+                                        <p:attrNameLst>
+                                          <p:attrName>style.visibility</p:attrName>
+                                        </p:attrNameLst>
+                                      </p:cBhvr>
+                                      <p:to>
+                                        <p:strVal val="visible"/>
+                                      </p:to>
+                                    </p:set>
+                                  </p:childTnLst>
+                                </p:cTn>
+                              </p:par>
+                            </p:childTnLst>
+                          </p:cTn>
+                        </p:par>
+                      </p:childTnLst>
+                    </p:cTn>
+                  </p:par>
+                  <p:par>
+                    <p:cTn id="7" fill="hold">
+                      <p:stCondLst>
+                        <p:cond delay="indefinite"/>
+                      </p:stCondLst>
+                      <p:childTnLst>
+                        <p:par>
+                          <p:cTn id="8" fill="hold">
+                            <p:stCondLst>
+                              <p:cond delay="0"/>
+                            </p:stCondLst>
+                            <p:childTnLst>
+                              <p:par>
+                                <p:cTn id="9" presetID="1" presetClass="entr" presetSubtype="0" fill="hold" grpId="0" nodeType="clickEffect">
+                                  <p:stCondLst>
+                                    <p:cond delay="0"/>
+                                  </p:stCondLst>
+                                  <p:childTnLst>
+                                    <p:set>
+                                      <p:cBhvr>
+                                        <p:cTn id="10" dur="1" fill="hold">
+                                          <p:stCondLst>
+                                            <p:cond delay="0"/>
+                                          </p:stCondLst>
+                                        </p:cTn>
+                                        <p:tgtEl>
+                                          <p:spTgt spid="3">
+                                            <p:txEl>
+                                              <p:pRg st="1" end="1"/>
+                                            </p:txEl>
+                                          </p:spTgt>
+                                        </p:tgtEl>
+                                        <p:attrNameLst>
+                                          <p:attrName>style.visibility</p:attrName>
+                                        </p:attrNameLst>
+                                      </p:cBhvr>
+                                      <p:to>
+                                        <p:strVal val="visible"/>
+                                      </p:to>
+                                    </p:set>
+                                  </p:childTnLst>
+                                </p:cTn>
+                              </p:par>
+                            </p:childTnLst>
+                          </p:cTn>
+                        </p:par>
+                      </p:childTnLst>
+                    </p:cTn>
+                  </p:par>
+                  <p:par>
+                    <p:cTn id="11" fill="hold">
+                      <p:stCondLst>
+                        <p:cond delay="indefinite"/>
+                      </p:stCondLst>
+                      <p:childTnLst>
+                        <p:par>
+                          <p:cTn id="12" fill="hold">
+                            <p:stCondLst>
+                              <p:cond delay="0"/>
+                            </p:stCondLst>
+                            <p:childTnLst>
+                              <p:par>
+                                <p:cTn id="13" presetID="1" presetClass="entr" presetSubtype="0" fill="hold" grpId="0" nodeType="clickEffect">
+                                  <p:stCondLst>
+                                    <p:cond delay="0"/>
+                                  </p:stCondLst>
+                                  <p:childTnLst>
+                                    <p:set>
+                                      <p:cBhvr>
+                                        <p:cTn id="14" dur="1" fill="hold">
+                                          <p:stCondLst>
+                                            <p:cond delay="0"/>
+                                          </p:stCondLst>
+                                        </p:cTn>
+                                        <p:tgtEl>
+                                          <p:spTgt spid="3">
+                                            <p:txEl>
+                                              <p:pRg st="2" end="2"/>
+                                            </p:txEl>
+                                          </p:spTgt>
+                                        </p:tgtEl>
+                                        <p:attrNameLst>
+                                          <p:attrName>style.visibility</p:attrName>
+                                        </p:attrNameLst>
+                                      </p:cBhvr>
+                                      <p:to>
+                                        <p:strVal val="visible"/>
+                                      </p:to>
+                                    </p:set>
+                                  </p:childTnLst>
+                                </p:cTn>
+                              </p:par>
+                            </p:childTnLst>
+                          </p:cTn>
+                        </p:par>
+                      </p:childTnLst>
+                    </p:cTn>
+                  </p:par>
+                  <p:par>
+                    <p:cTn id="15" fill="hold">
+                      <p:stCondLst>
+                        <p:cond delay="indefinite"/>
+                      </p:stCondLst>
+                      <p:childTnLst>
+                        <p:par>
+                          <p:cTn id="16" fill="hold">
+                            <p:stCondLst>
+                              <p:cond delay="0"/>
+                            </p:stCondLst>
+                            <p:childTnLst>
+                              <p:par>
+                                <p:cTn id="17" presetID="1" presetClass="entr" presetSubtype="0" fill="hold" grpId="0" nodeType="clickEffect">
+                                  <p:stCondLst>
+                                    <p:cond delay="0"/>
+                                  </p:stCondLst>
+                                  <p:childTnLst>
+                                    <p:set>
+                                      <p:cBhvr>
+                                        <p:cTn id="18" dur="1" fill="hold">
+                                          <p:stCondLst>
+                                            <p:cond delay="0"/>
+                                          </p:stCondLst>
+                                        </p:cTn>
+                                        <p:tgtEl>
+                                          <p:spTgt spid="3">
+                                            <p:txEl>
+                                              <p:pRg st="3" end="3"/>
+                                            </p:txEl>
+                                          </p:spTgt>
+                                        </p:tgtEl>
+                                        <p:attrNameLst>
+                                          <p:attrName>style.visibility</p:attrName>
+                                        </p:attrNameLst>
+                                      </p:cBhvr>
+                                      <p:to>
+                                        <p:strVal val="visible"/>
+                                      </p:to>
+                                    </p:set>
+                                  </p:childTnLst>
+                                </p:cTn>
+                              </p:par>
+                            </p:childTnLst>
+                          </p:cTn>
+                        </p:par>
+                      </p:childTnLst>
+                    </p:cTn>
+                  </p:par>
+                </p:childTnLst>
+              </p:cTn>
+              <p:prevCondLst>
+                <p:cond evt="onPrev" delay="0">
+                  <p:tgtEl>
+                    <p:sldTgt/>
+                  </p:tgtEl>
+                </p:cond>
+              </p:prevCondLst>
+              <p:nextCondLst>
+                <p:cond evt="onNext" delay="0">
+                  <p:tgtEl>
+                    <p:sldTgt/>
+                  </p:tgtEl>
+                </p:cond>
+              </p:nextCondLst>
+            </p:seq>
+          </p:childTnLst>
+        </p:cTn>
       </p:par>
     </p:tnLst>
+    <p:bldLst>
+      <p:bldP spid="3" grpId="0" build="p"/>
+    </p:bldLst>
   </p:timing>
 </p:sld>
 </file>
@@ -4818,26 +5598,14 @@
           <a:p>
             <a:r>
               <a:rPr lang="en-CA" dirty="0" smtClean="0"/>
-              <a:t>Finding the </a:t>
-            </a:r>
-            <a:r>
-              <a:rPr lang="en-CA" dirty="0" smtClean="0"/>
-              <a:t>weights (matrix </a:t>
-            </a:r>
-            <a:r>
-              <a:rPr lang="en-CA" dirty="0" smtClean="0"/>
-              <a:t>form)</a:t>
-            </a:r>
-            <a:r>
-              <a:rPr lang="en-CA" dirty="0" smtClean="0"/>
-              <a:t> </a:t>
+              <a:t>Finding the weights (matrix form) </a:t>
             </a:r>
             <a:endParaRPr lang="en-CA" dirty="0"/>
           </a:p>
         </p:txBody>
       </p:sp>
-      <mc:AlternateContent xmlns:mc="http://schemas.openxmlformats.org/markup-compatibility/2006">
-        <mc:Choice xmlns:a14="http://schemas.microsoft.com/office/drawing/2010/main" Requires="a14">
+      <mc:AlternateContent xmlns:mc="http://schemas.openxmlformats.org/markup-compatibility/2006" xmlns:a14="http://schemas.microsoft.com/office/drawing/2010/main">
+        <mc:Choice Requires="a14">
           <p:sp>
             <p:nvSpPr>
               <p:cNvPr id="3" name="Content Placeholder 2"/>
@@ -4851,11 +5619,13 @@
             <p:spPr>
               <a:xfrm>
                 <a:off x="249383" y="1510145"/>
-                <a:ext cx="11804072" cy="4666818"/>
+                <a:ext cx="11804072" cy="4876800"/>
               </a:xfrm>
             </p:spPr>
             <p:txBody>
-              <a:bodyPr/>
+              <a:bodyPr>
+                <a:normAutofit/>
+              </a:bodyPr>
               <a:lstStyle/>
               <a:p>
                 <a:r>
@@ -4871,29 +5641,14 @@
                 </a:r>
                 <a:r>
                   <a:rPr lang="en-CA" dirty="0" smtClean="0"/>
-                  <a:t> be </a:t>
-                </a:r>
-                <a:r>
-                  <a:rPr lang="en-CA" dirty="0" smtClean="0"/>
-                  <a:t>a dataset of 3 </a:t>
-                </a:r>
-                <a:r>
-                  <a:rPr lang="en-CA" dirty="0" smtClean="0"/>
-                  <a:t>instances with</a:t>
+                  <a:t> be a dataset of 3 instances with</a:t>
                 </a:r>
                 <a:r>
                   <a:rPr lang="en-CA" dirty="0" smtClean="0">
                     <a:latin typeface="Cambria Math" panose="02040503050406030204" pitchFamily="18" charset="0"/>
                     <a:ea typeface="Cambria Math" panose="02040503050406030204" pitchFamily="18" charset="0"/>
                   </a:rPr>
-                  <a:t> </a:t>
-                </a:r>
-                <a:r>
-                  <a:rPr lang="en-CA" dirty="0" smtClean="0">
-                    <a:latin typeface="Cambria Math" panose="02040503050406030204" pitchFamily="18" charset="0"/>
-                    <a:ea typeface="Cambria Math" panose="02040503050406030204" pitchFamily="18" charset="0"/>
-                  </a:rPr>
-                  <a:t>3 </a:t>
+                  <a:t> 3 </a:t>
                 </a:r>
                 <a:r>
                   <a:rPr lang="en-CA" dirty="0" smtClean="0"/>
@@ -4919,7 +5674,7 @@
                           </m:mc>
                         </m:mcs>
                         <m:ctrlPr>
-                          <a:rPr lang="en-CA" smtClean="0">
+                          <a:rPr lang="en-CA" i="1" smtClean="0">
                             <a:latin typeface="Cambria Math" panose="02040503050406030204" pitchFamily="18" charset="0"/>
                             <a:ea typeface="Cambria Math" panose="02040503050406030204" pitchFamily="18" charset="0"/>
                           </a:rPr>
@@ -4930,7 +5685,7 @@
                           <m:sSubSup>
                             <m:sSubSupPr>
                               <m:ctrlPr>
-                                <a:rPr lang="en-CA" smtClean="0">
+                                <a:rPr lang="en-CA" i="1" smtClean="0">
                                   <a:latin typeface="Cambria Math" panose="02040503050406030204" pitchFamily="18" charset="0"/>
                                   <a:ea typeface="Cambria Math" panose="02040503050406030204" pitchFamily="18" charset="0"/>
                                 </a:rPr>
@@ -4945,7 +5700,7 @@
                                   <a:latin typeface="Cambria Math" panose="02040503050406030204" pitchFamily="18" charset="0"/>
                                   <a:ea typeface="Cambria Math" panose="02040503050406030204" pitchFamily="18" charset="0"/>
                                 </a:rPr>
-                                <m:t>x</m:t>
+                                <m:t>a</m:t>
                               </m:r>
                             </m:e>
                             <m:sub>
@@ -4972,7 +5727,7 @@
                           <m:sSubSup>
                             <m:sSubSupPr>
                               <m:ctrlPr>
-                                <a:rPr lang="en-CA">
+                                <a:rPr lang="en-CA" i="1">
                                   <a:latin typeface="Cambria Math" panose="02040503050406030204" pitchFamily="18" charset="0"/>
                                   <a:ea typeface="Cambria Math" panose="02040503050406030204" pitchFamily="18" charset="0"/>
                                 </a:rPr>
@@ -4983,11 +5738,11 @@
                                 <m:rPr>
                                   <m:sty m:val="p"/>
                                 </m:rPr>
-                                <a:rPr lang="en-CA" i="0">
+                                <a:rPr lang="en-CA" b="0" i="0" smtClean="0">
                                   <a:latin typeface="Cambria Math" panose="02040503050406030204" pitchFamily="18" charset="0"/>
                                   <a:ea typeface="Cambria Math" panose="02040503050406030204" pitchFamily="18" charset="0"/>
                                 </a:rPr>
-                                <m:t>x</m:t>
+                                <m:t>a</m:t>
                               </m:r>
                             </m:e>
                             <m:sub>
@@ -5014,7 +5769,7 @@
                           <m:sSubSup>
                             <m:sSubSupPr>
                               <m:ctrlPr>
-                                <a:rPr lang="en-CA">
+                                <a:rPr lang="en-CA" i="1">
                                   <a:latin typeface="Cambria Math" panose="02040503050406030204" pitchFamily="18" charset="0"/>
                                   <a:ea typeface="Cambria Math" panose="02040503050406030204" pitchFamily="18" charset="0"/>
                                 </a:rPr>
@@ -5025,11 +5780,11 @@
                                 <m:rPr>
                                   <m:sty m:val="p"/>
                                 </m:rPr>
-                                <a:rPr lang="en-CA" i="0">
+                                <a:rPr lang="en-CA" b="0" i="0" smtClean="0">
                                   <a:latin typeface="Cambria Math" panose="02040503050406030204" pitchFamily="18" charset="0"/>
                                   <a:ea typeface="Cambria Math" panose="02040503050406030204" pitchFamily="18" charset="0"/>
                                 </a:rPr>
-                                <m:t>x</m:t>
+                                <m:t>a</m:t>
                               </m:r>
                             </m:e>
                             <m:sub>
@@ -5058,7 +5813,7 @@
                           <m:sSubSup>
                             <m:sSubSupPr>
                               <m:ctrlPr>
-                                <a:rPr lang="en-CA">
+                                <a:rPr lang="en-CA" i="1">
                                   <a:latin typeface="Cambria Math" panose="02040503050406030204" pitchFamily="18" charset="0"/>
                                   <a:ea typeface="Cambria Math" panose="02040503050406030204" pitchFamily="18" charset="0"/>
                                 </a:rPr>
@@ -5069,11 +5824,11 @@
                                 <m:rPr>
                                   <m:sty m:val="p"/>
                                 </m:rPr>
-                                <a:rPr lang="en-CA" i="0">
+                                <a:rPr lang="en-CA" b="0" i="0" smtClean="0">
                                   <a:latin typeface="Cambria Math" panose="02040503050406030204" pitchFamily="18" charset="0"/>
                                   <a:ea typeface="Cambria Math" panose="02040503050406030204" pitchFamily="18" charset="0"/>
                                 </a:rPr>
-                                <m:t>x</m:t>
+                                <m:t>a</m:t>
                               </m:r>
                             </m:e>
                             <m:sub>
@@ -5114,7 +5869,7 @@
                           <m:sSubSup>
                             <m:sSubSupPr>
                               <m:ctrlPr>
-                                <a:rPr lang="en-CA">
+                                <a:rPr lang="en-CA" i="1">
                                   <a:latin typeface="Cambria Math" panose="02040503050406030204" pitchFamily="18" charset="0"/>
                                   <a:ea typeface="Cambria Math" panose="02040503050406030204" pitchFamily="18" charset="0"/>
                                 </a:rPr>
@@ -5125,11 +5880,11 @@
                                 <m:rPr>
                                   <m:sty m:val="p"/>
                                 </m:rPr>
-                                <a:rPr lang="en-CA" i="0">
+                                <a:rPr lang="en-CA" b="0" i="0" smtClean="0">
                                   <a:latin typeface="Cambria Math" panose="02040503050406030204" pitchFamily="18" charset="0"/>
                                   <a:ea typeface="Cambria Math" panose="02040503050406030204" pitchFamily="18" charset="0"/>
                                 </a:rPr>
-                                <m:t>x</m:t>
+                                <m:t>a</m:t>
                               </m:r>
                             </m:e>
                             <m:sub>
@@ -5170,7 +5925,7 @@
                           <m:sSubSup>
                             <m:sSubSupPr>
                               <m:ctrlPr>
-                                <a:rPr lang="en-CA">
+                                <a:rPr lang="en-CA" i="1">
                                   <a:latin typeface="Cambria Math" panose="02040503050406030204" pitchFamily="18" charset="0"/>
                                   <a:ea typeface="Cambria Math" panose="02040503050406030204" pitchFamily="18" charset="0"/>
                                 </a:rPr>
@@ -5181,11 +5936,11 @@
                                 <m:rPr>
                                   <m:sty m:val="p"/>
                                 </m:rPr>
-                                <a:rPr lang="en-CA" i="0">
+                                <a:rPr lang="en-CA" b="0" i="0" smtClean="0">
                                   <a:latin typeface="Cambria Math" panose="02040503050406030204" pitchFamily="18" charset="0"/>
                                   <a:ea typeface="Cambria Math" panose="02040503050406030204" pitchFamily="18" charset="0"/>
                                 </a:rPr>
-                                <m:t>x</m:t>
+                                <m:t>a</m:t>
                               </m:r>
                             </m:e>
                             <m:sub>
@@ -5228,7 +5983,7 @@
                           <m:sSubSup>
                             <m:sSubSupPr>
                               <m:ctrlPr>
-                                <a:rPr lang="en-CA">
+                                <a:rPr lang="en-CA" i="1">
                                   <a:latin typeface="Cambria Math" panose="02040503050406030204" pitchFamily="18" charset="0"/>
                                   <a:ea typeface="Cambria Math" panose="02040503050406030204" pitchFamily="18" charset="0"/>
                                 </a:rPr>
@@ -5239,11 +5994,11 @@
                                 <m:rPr>
                                   <m:sty m:val="p"/>
                                 </m:rPr>
-                                <a:rPr lang="en-CA" i="0">
+                                <a:rPr lang="en-CA" b="0" i="0" smtClean="0">
                                   <a:latin typeface="Cambria Math" panose="02040503050406030204" pitchFamily="18" charset="0"/>
                                   <a:ea typeface="Cambria Math" panose="02040503050406030204" pitchFamily="18" charset="0"/>
                                 </a:rPr>
-                                <m:t>x</m:t>
+                                <m:t>a</m:t>
                               </m:r>
                             </m:e>
                             <m:sub>
@@ -5284,7 +6039,7 @@
                           <m:sSubSup>
                             <m:sSubSupPr>
                               <m:ctrlPr>
-                                <a:rPr lang="en-CA">
+                                <a:rPr lang="en-CA" i="1">
                                   <a:latin typeface="Cambria Math" panose="02040503050406030204" pitchFamily="18" charset="0"/>
                                   <a:ea typeface="Cambria Math" panose="02040503050406030204" pitchFamily="18" charset="0"/>
                                 </a:rPr>
@@ -5295,11 +6050,11 @@
                                 <m:rPr>
                                   <m:sty m:val="p"/>
                                 </m:rPr>
-                                <a:rPr lang="en-CA" i="0">
+                                <a:rPr lang="en-CA" b="0" i="0" smtClean="0">
                                   <a:latin typeface="Cambria Math" panose="02040503050406030204" pitchFamily="18" charset="0"/>
                                   <a:ea typeface="Cambria Math" panose="02040503050406030204" pitchFamily="18" charset="0"/>
                                 </a:rPr>
-                                <m:t>x</m:t>
+                                <m:t>a</m:t>
                               </m:r>
                             </m:e>
                             <m:sub>
@@ -5340,7 +6095,7 @@
                           <m:sSubSup>
                             <m:sSubSupPr>
                               <m:ctrlPr>
-                                <a:rPr lang="en-CA">
+                                <a:rPr lang="en-CA" i="1">
                                   <a:latin typeface="Cambria Math" panose="02040503050406030204" pitchFamily="18" charset="0"/>
                                   <a:ea typeface="Cambria Math" panose="02040503050406030204" pitchFamily="18" charset="0"/>
                                 </a:rPr>
@@ -5351,11 +6106,11 @@
                                 <m:rPr>
                                   <m:sty m:val="p"/>
                                 </m:rPr>
-                                <a:rPr lang="en-CA" i="0">
+                                <a:rPr lang="en-CA" b="0" i="0" smtClean="0">
                                   <a:latin typeface="Cambria Math" panose="02040503050406030204" pitchFamily="18" charset="0"/>
                                   <a:ea typeface="Cambria Math" panose="02040503050406030204" pitchFamily="18" charset="0"/>
                                 </a:rPr>
-                                <m:t>x</m:t>
+                                <m:t>a</m:t>
                               </m:r>
                             </m:e>
                             <m:sub>
@@ -5403,10 +6158,6 @@
                   </a:rPr>
                   <a:t>]</a:t>
                 </a:r>
-                <a:endParaRPr lang="en-CA" dirty="0" smtClean="0">
-                  <a:latin typeface="Cambria Math" panose="02040503050406030204" pitchFamily="18" charset="0"/>
-                  <a:ea typeface="Cambria Math" panose="02040503050406030204" pitchFamily="18" charset="0"/>
-                </a:endParaRPr>
               </a:p>
               <a:p>
                 <a:r>
@@ -5422,22 +6173,21 @@
                 </a:r>
                 <a:r>
                   <a:rPr lang="en-CA" dirty="0" smtClean="0"/>
-                  <a:t> be our set of </a:t>
-                </a:r>
-                <a:r>
-                  <a:rPr lang="en-CA" dirty="0" smtClean="0"/>
-                  <a:t>outcomes, </a:t>
+                  <a:t> be the set of outcomes, </a:t>
                 </a:r>
                 <a14:m>
                   <m:oMath xmlns:m="http://schemas.openxmlformats.org/officeDocument/2006/math">
                     <m:r>
-                      <a:rPr lang="en-CA" i="1">
+                      <m:rPr>
+                        <m:sty m:val="p"/>
+                      </m:rPr>
+                      <a:rPr lang="en-CA" i="0">
                         <a:latin typeface="Cambria Math" panose="02040503050406030204" pitchFamily="18" charset="0"/>
                       </a:rPr>
-                      <m:t>𝑌</m:t>
+                      <m:t>Y</m:t>
                     </m:r>
                     <m:r>
-                      <a:rPr lang="en-CA" i="1">
+                      <a:rPr lang="en-CA" i="0">
                         <a:latin typeface="Cambria Math" panose="02040503050406030204" pitchFamily="18" charset="0"/>
                       </a:rPr>
                       <m:t>=[</m:t>
@@ -5452,15 +6202,18 @@
                       </m:sSupPr>
                       <m:e>
                         <m:r>
-                          <a:rPr lang="en-CA" i="1">
+                          <m:rPr>
+                            <m:sty m:val="p"/>
+                          </m:rPr>
+                          <a:rPr lang="en-CA" i="0">
                             <a:latin typeface="Cambria Math" panose="02040503050406030204" pitchFamily="18" charset="0"/>
                           </a:rPr>
-                          <m:t>𝑦</m:t>
+                          <m:t>y</m:t>
                         </m:r>
                       </m:e>
                       <m:sup>
                         <m:r>
-                          <a:rPr lang="en-CA" i="1">
+                          <a:rPr lang="en-CA" i="0">
                             <a:latin typeface="Cambria Math" panose="02040503050406030204" pitchFamily="18" charset="0"/>
                           </a:rPr>
                           <m:t>(1)</m:t>
@@ -5477,36 +6230,27 @@
                       </m:sSupPr>
                       <m:e>
                         <m:r>
-                          <a:rPr lang="en-CA" i="1">
+                          <a:rPr lang="en-CA" i="0">
                             <a:latin typeface="Cambria Math" panose="02040503050406030204" pitchFamily="18" charset="0"/>
                           </a:rPr>
                           <m:t>,</m:t>
                         </m:r>
                         <m:r>
-                          <a:rPr lang="en-CA" i="1">
+                          <m:rPr>
+                            <m:sty m:val="p"/>
+                          </m:rPr>
+                          <a:rPr lang="en-CA" i="0">
                             <a:latin typeface="Cambria Math" panose="02040503050406030204" pitchFamily="18" charset="0"/>
                           </a:rPr>
-                          <m:t>𝑦</m:t>
+                          <m:t>y</m:t>
                         </m:r>
                       </m:e>
                       <m:sup>
                         <m:r>
-                          <a:rPr lang="en-CA" i="1">
+                          <a:rPr lang="en-CA" i="0">
                             <a:latin typeface="Cambria Math" panose="02040503050406030204" pitchFamily="18" charset="0"/>
                           </a:rPr>
-                          <m:t>(</m:t>
-                        </m:r>
-                        <m:r>
-                          <a:rPr lang="en-CA" i="1">
-                            <a:latin typeface="Cambria Math" panose="02040503050406030204" pitchFamily="18" charset="0"/>
-                          </a:rPr>
-                          <m:t>2</m:t>
-                        </m:r>
-                        <m:r>
-                          <a:rPr lang="en-CA" i="1">
-                            <a:latin typeface="Cambria Math" panose="02040503050406030204" pitchFamily="18" charset="0"/>
-                          </a:rPr>
-                          <m:t>)</m:t>
+                          <m:t>(2)</m:t>
                         </m:r>
                       </m:sup>
                     </m:sSup>
@@ -5520,41 +6264,32 @@
                       </m:sSupPr>
                       <m:e>
                         <m:r>
-                          <a:rPr lang="en-CA" i="1">
+                          <a:rPr lang="en-CA" i="0">
                             <a:latin typeface="Cambria Math" panose="02040503050406030204" pitchFamily="18" charset="0"/>
                           </a:rPr>
                           <m:t>,</m:t>
                         </m:r>
                         <m:r>
-                          <a:rPr lang="en-CA" i="1">
+                          <m:rPr>
+                            <m:sty m:val="p"/>
+                          </m:rPr>
+                          <a:rPr lang="en-CA" i="0">
                             <a:latin typeface="Cambria Math" panose="02040503050406030204" pitchFamily="18" charset="0"/>
                           </a:rPr>
-                          <m:t>𝑦</m:t>
+                          <m:t>y</m:t>
                         </m:r>
                       </m:e>
                       <m:sup>
                         <m:r>
-                          <a:rPr lang="en-CA" i="1">
+                          <a:rPr lang="en-CA" i="0">
                             <a:latin typeface="Cambria Math" panose="02040503050406030204" pitchFamily="18" charset="0"/>
                           </a:rPr>
-                          <m:t>(</m:t>
-                        </m:r>
-                        <m:r>
-                          <a:rPr lang="en-CA" i="1">
-                            <a:latin typeface="Cambria Math" panose="02040503050406030204" pitchFamily="18" charset="0"/>
-                          </a:rPr>
-                          <m:t>3</m:t>
-                        </m:r>
-                        <m:r>
-                          <a:rPr lang="en-CA" i="1">
-                            <a:latin typeface="Cambria Math" panose="02040503050406030204" pitchFamily="18" charset="0"/>
-                          </a:rPr>
-                          <m:t>)</m:t>
+                          <m:t>(3)</m:t>
                         </m:r>
                       </m:sup>
                     </m:sSup>
                     <m:r>
-                      <a:rPr lang="en-CA" i="1">
+                      <a:rPr lang="en-CA" i="0">
                         <a:latin typeface="Cambria Math" panose="02040503050406030204" pitchFamily="18" charset="0"/>
                       </a:rPr>
                       <m:t>]</m:t>
@@ -5566,25 +6301,14 @@
               <a:p>
                 <a:r>
                   <a:rPr lang="en-CA" dirty="0" smtClean="0"/>
-                  <a:t>We </a:t>
-                </a:r>
-                <a:r>
-                  <a:rPr lang="en-CA" dirty="0" smtClean="0"/>
-                  <a:t>want to find </a:t>
+                  <a:t>We want to find </a:t>
                 </a:r>
                 <a:r>
                   <a:rPr lang="en-CA" dirty="0" smtClean="0">
                     <a:latin typeface="Cambria Math" panose="02040503050406030204" pitchFamily="18" charset="0"/>
                     <a:ea typeface="Cambria Math" panose="02040503050406030204" pitchFamily="18" charset="0"/>
                   </a:rPr>
-                  <a:t>W = [</a:t>
-                </a:r>
-                <a:r>
-                  <a:rPr lang="en-CA" dirty="0" smtClean="0">
-                    <a:latin typeface="Cambria Math" panose="02040503050406030204" pitchFamily="18" charset="0"/>
-                    <a:ea typeface="Cambria Math" panose="02040503050406030204" pitchFamily="18" charset="0"/>
-                  </a:rPr>
-                  <a:t>w</a:t>
+                  <a:t>W = [w</a:t>
                 </a:r>
                 <a:r>
                   <a:rPr lang="en-CA" baseline="-25000" dirty="0" smtClean="0">
@@ -5615,11 +6339,11 @@
                   <a:t>,w</a:t>
                 </a:r>
                 <a:r>
-                  <a:rPr lang="en-CA" baseline="-25000" dirty="0" smtClean="0">
+                  <a:rPr lang="en-CA" baseline="-25000" dirty="0">
                     <a:latin typeface="Cambria Math" panose="02040503050406030204" pitchFamily="18" charset="0"/>
                     <a:ea typeface="Cambria Math" panose="02040503050406030204" pitchFamily="18" charset="0"/>
                   </a:rPr>
-                  <a:t>3</a:t>
+                  <a:t>2</a:t>
                 </a:r>
                 <a:r>
                   <a:rPr lang="en-CA" dirty="0" smtClean="0">
@@ -5653,15 +6377,16 @@
                       <m:sub>
                         <m:r>
                           <m:rPr>
+                            <m:sty m:val="p"/>
                             <m:brk m:alnAt="23"/>
                           </m:rPr>
-                          <a:rPr lang="en-CA" i="1">
+                          <a:rPr lang="en-CA" i="0">
                             <a:latin typeface="Cambria Math" panose="02040503050406030204" pitchFamily="18" charset="0"/>
                           </a:rPr>
-                          <m:t>𝑖</m:t>
+                          <m:t>i</m:t>
                         </m:r>
                         <m:r>
-                          <a:rPr lang="en-CA" i="1">
+                          <a:rPr lang="en-CA" i="0">
                             <a:latin typeface="Cambria Math" panose="02040503050406030204" pitchFamily="18" charset="0"/>
                           </a:rPr>
                           <m:t>=1</m:t>
@@ -5669,15 +6394,18 @@
                       </m:sub>
                       <m:sup>
                         <m:r>
-                          <a:rPr lang="en-CA" i="1">
+                          <m:rPr>
+                            <m:sty m:val="p"/>
+                          </m:rPr>
+                          <a:rPr lang="en-CA" i="0">
                             <a:latin typeface="Cambria Math" panose="02040503050406030204" pitchFamily="18" charset="0"/>
                           </a:rPr>
-                          <m:t>𝑛</m:t>
+                          <m:t>n</m:t>
                         </m:r>
                       </m:sup>
                       <m:e>
                         <m:r>
-                          <a:rPr lang="en-CA" i="1">
+                          <a:rPr lang="en-CA" i="0">
                             <a:latin typeface="Cambria Math" panose="02040503050406030204" pitchFamily="18" charset="0"/>
                           </a:rPr>
                           <m:t>(</m:t>
@@ -5692,27 +6420,33 @@
                           </m:sSupPr>
                           <m:e>
                             <m:r>
-                              <a:rPr lang="en-CA" i="1">
+                              <m:rPr>
+                                <m:sty m:val="p"/>
+                              </m:rPr>
+                              <a:rPr lang="en-CA" b="0" i="0" smtClean="0">
                                 <a:latin typeface="Cambria Math" panose="02040503050406030204" pitchFamily="18" charset="0"/>
                               </a:rPr>
-                              <m:t>𝑥</m:t>
+                              <m:t>y</m:t>
                             </m:r>
                           </m:e>
                           <m:sup>
                             <m:r>
-                              <a:rPr lang="en-CA" i="1">
+                              <a:rPr lang="en-CA" i="0">
                                 <a:latin typeface="Cambria Math" panose="02040503050406030204" pitchFamily="18" charset="0"/>
                               </a:rPr>
                               <m:t>(</m:t>
                             </m:r>
                             <m:r>
-                              <a:rPr lang="en-CA" i="1">
+                              <m:rPr>
+                                <m:sty m:val="p"/>
+                              </m:rPr>
+                              <a:rPr lang="en-CA" i="0">
                                 <a:latin typeface="Cambria Math" panose="02040503050406030204" pitchFamily="18" charset="0"/>
                               </a:rPr>
-                              <m:t>𝑖</m:t>
+                              <m:t>i</m:t>
                             </m:r>
                             <m:r>
-                              <a:rPr lang="en-CA" i="1">
+                              <a:rPr lang="en-CA" i="0">
                                 <a:latin typeface="Cambria Math" panose="02040503050406030204" pitchFamily="18" charset="0"/>
                               </a:rPr>
                               <m:t>)</m:t>
@@ -5720,7 +6454,7 @@
                           </m:sup>
                         </m:sSup>
                         <m:r>
-                          <a:rPr lang="en-CA" i="1">
+                          <a:rPr lang="en-CA" i="0">
                             <a:latin typeface="Cambria Math" panose="02040503050406030204" pitchFamily="18" charset="0"/>
                           </a:rPr>
                           <m:t>− </m:t>
@@ -5737,15 +6471,16 @@
                           <m:sub>
                             <m:r>
                               <m:rPr>
+                                <m:sty m:val="p"/>
                                 <m:brk m:alnAt="23"/>
                               </m:rPr>
-                              <a:rPr lang="en-CA" i="1">
+                              <a:rPr lang="en-CA" i="0">
                                 <a:latin typeface="Cambria Math" panose="02040503050406030204" pitchFamily="18" charset="0"/>
                               </a:rPr>
-                              <m:t>𝑗</m:t>
+                              <m:t>j</m:t>
                             </m:r>
                             <m:r>
-                              <a:rPr lang="en-CA" i="1">
+                              <a:rPr lang="en-CA" i="0">
                                 <a:latin typeface="Cambria Math" panose="02040503050406030204" pitchFamily="18" charset="0"/>
                               </a:rPr>
                               <m:t>=0</m:t>
@@ -5753,24 +6488,33 @@
                           </m:sub>
                           <m:sup>
                             <m:r>
-                              <a:rPr lang="en-CA" i="1">
+                              <m:rPr>
+                                <m:sty m:val="p"/>
+                              </m:rPr>
+                              <a:rPr lang="en-CA" i="0">
                                 <a:latin typeface="Cambria Math" panose="02040503050406030204" pitchFamily="18" charset="0"/>
                               </a:rPr>
-                              <m:t>𝑘</m:t>
+                              <m:t>k</m:t>
                             </m:r>
                           </m:sup>
                           <m:e>
                             <m:r>
-                              <a:rPr lang="en-CA" i="1">
+                              <m:rPr>
+                                <m:sty m:val="p"/>
+                              </m:rPr>
+                              <a:rPr lang="en-CA" i="0">
                                 <a:latin typeface="Cambria Math" panose="02040503050406030204" pitchFamily="18" charset="0"/>
                               </a:rPr>
-                              <m:t>𝑤</m:t>
+                              <m:t>w</m:t>
                             </m:r>
                             <m:r>
-                              <a:rPr lang="en-CA" i="1" baseline="-25000">
+                              <m:rPr>
+                                <m:sty m:val="p"/>
+                              </m:rPr>
+                              <a:rPr lang="en-CA" i="0" baseline="-25000">
                                 <a:latin typeface="Cambria Math" panose="02040503050406030204" pitchFamily="18" charset="0"/>
                               </a:rPr>
-                              <m:t>𝑗</m:t>
+                              <m:t>j</m:t>
                             </m:r>
                             <m:sSubSup>
                               <m:sSubSupPr>
@@ -5782,35 +6526,44 @@
                               </m:sSubSupPr>
                               <m:e>
                                 <m:r>
-                                  <a:rPr lang="en-CA" i="1">
+                                  <m:rPr>
+                                    <m:sty m:val="p"/>
+                                  </m:rPr>
+                                  <a:rPr lang="en-CA" i="0">
                                     <a:latin typeface="Cambria Math" panose="02040503050406030204" pitchFamily="18" charset="0"/>
                                   </a:rPr>
-                                  <m:t>𝑎</m:t>
+                                  <m:t>a</m:t>
                                 </m:r>
                               </m:e>
                               <m:sub>
                                 <m:r>
-                                  <a:rPr lang="en-CA" i="1">
+                                  <m:rPr>
+                                    <m:sty m:val="p"/>
+                                  </m:rPr>
+                                  <a:rPr lang="en-CA" i="0">
                                     <a:latin typeface="Cambria Math" panose="02040503050406030204" pitchFamily="18" charset="0"/>
                                   </a:rPr>
-                                  <m:t>𝑗</m:t>
+                                  <m:t>j</m:t>
                                 </m:r>
                               </m:sub>
                               <m:sup>
                                 <m:r>
-                                  <a:rPr lang="en-CA" i="1">
+                                  <a:rPr lang="en-CA" i="0">
                                     <a:latin typeface="Cambria Math" panose="02040503050406030204" pitchFamily="18" charset="0"/>
                                   </a:rPr>
                                   <m:t>(</m:t>
                                 </m:r>
                                 <m:r>
-                                  <a:rPr lang="en-CA" i="1">
+                                  <m:rPr>
+                                    <m:sty m:val="p"/>
+                                  </m:rPr>
+                                  <a:rPr lang="en-CA" i="0">
                                     <a:latin typeface="Cambria Math" panose="02040503050406030204" pitchFamily="18" charset="0"/>
                                   </a:rPr>
-                                  <m:t>𝑖</m:t>
+                                  <m:t>i</m:t>
                                 </m:r>
                                 <m:r>
-                                  <a:rPr lang="en-CA" i="1">
+                                  <a:rPr lang="en-CA" i="0">
                                     <a:latin typeface="Cambria Math" panose="02040503050406030204" pitchFamily="18" charset="0"/>
                                   </a:rPr>
                                   <m:t>)</m:t>
@@ -5818,13 +6571,13 @@
                               </m:sup>
                             </m:sSubSup>
                             <m:r>
-                              <a:rPr lang="en-CA" i="1">
+                              <a:rPr lang="en-CA" i="0">
                                 <a:latin typeface="Cambria Math" panose="02040503050406030204" pitchFamily="18" charset="0"/>
                               </a:rPr>
                               <m:t>)</m:t>
                             </m:r>
                             <m:r>
-                              <a:rPr lang="en-CA" i="1" baseline="30000">
+                              <a:rPr lang="en-CA" i="0" baseline="30000">
                                 <a:latin typeface="Cambria Math" panose="02040503050406030204" pitchFamily="18" charset="0"/>
                               </a:rPr>
                               <m:t>2</m:t>
@@ -5869,7 +6622,7 @@
                     <m:sSup>
                       <m:sSupPr>
                         <m:ctrlPr>
-                          <a:rPr lang="en-CA" sz="5000" b="0" smtClean="0">
+                          <a:rPr lang="en-CA" sz="5000" b="0" i="1" smtClean="0">
                             <a:latin typeface="Cambria Math" panose="02040503050406030204" pitchFamily="18" charset="0"/>
                           </a:rPr>
                         </m:ctrlPr>
@@ -5884,7 +6637,7 @@
                         <m:sSup>
                           <m:sSupPr>
                             <m:ctrlPr>
-                              <a:rPr lang="en-CA" sz="5000" b="0" smtClean="0">
+                              <a:rPr lang="en-CA" sz="5000" b="0" i="1" smtClean="0">
                                 <a:latin typeface="Cambria Math" panose="02040503050406030204" pitchFamily="18" charset="0"/>
                               </a:rPr>
                             </m:ctrlPr>
@@ -5940,7 +6693,7 @@
                     <m:sSup>
                       <m:sSupPr>
                         <m:ctrlPr>
-                          <a:rPr lang="en-CA" sz="5000" b="0" smtClean="0">
+                          <a:rPr lang="en-CA" sz="5000" b="0" i="1" smtClean="0">
                             <a:latin typeface="Cambria Math" panose="02040503050406030204" pitchFamily="18" charset="0"/>
                           </a:rPr>
                         </m:ctrlPr>
@@ -5988,7 +6741,7 @@
             </p:txBody>
           </p:sp>
         </mc:Choice>
-        <mc:Fallback>
+        <mc:Fallback xmlns="">
           <p:sp>
             <p:nvSpPr>
               <p:cNvPr id="3" name="Content Placeholder 2"/>
@@ -6002,12 +6755,12 @@
             <p:spPr>
               <a:xfrm>
                 <a:off x="249383" y="1510145"/>
-                <a:ext cx="11804072" cy="4666818"/>
+                <a:ext cx="11804072" cy="4876800"/>
               </a:xfrm>
               <a:blipFill>
                 <a:blip r:embed="rId2"/>
                 <a:stretch>
-                  <a:fillRect l="-2273" t="-654" b="-5098"/>
+                  <a:fillRect l="-2273" t="-625" b="-625"/>
                 </a:stretch>
               </a:blipFill>
             </p:spPr>
@@ -6095,9 +6848,277 @@
   <p:timing>
     <p:tnLst>
       <p:par>
-        <p:cTn id="1" dur="indefinite" restart="never" nodeType="tmRoot"/>
+        <p:cTn id="1" dur="indefinite" restart="never" nodeType="tmRoot">
+          <p:childTnLst>
+            <p:seq concurrent="1" nextAc="seek">
+              <p:cTn id="2" dur="indefinite" nodeType="mainSeq">
+                <p:childTnLst>
+                  <p:par>
+                    <p:cTn id="3" fill="hold">
+                      <p:stCondLst>
+                        <p:cond delay="indefinite"/>
+                      </p:stCondLst>
+                      <p:childTnLst>
+                        <p:par>
+                          <p:cTn id="4" fill="hold">
+                            <p:stCondLst>
+                              <p:cond delay="0"/>
+                            </p:stCondLst>
+                            <p:childTnLst>
+                              <p:par>
+                                <p:cTn id="5" presetID="1" presetClass="entr" presetSubtype="0" fill="hold" grpId="0" nodeType="clickEffect">
+                                  <p:stCondLst>
+                                    <p:cond delay="0"/>
+                                  </p:stCondLst>
+                                  <p:childTnLst>
+                                    <p:set>
+                                      <p:cBhvr>
+                                        <p:cTn id="6" dur="1" fill="hold">
+                                          <p:stCondLst>
+                                            <p:cond delay="0"/>
+                                          </p:stCondLst>
+                                        </p:cTn>
+                                        <p:tgtEl>
+                                          <p:spTgt spid="3">
+                                            <p:txEl>
+                                              <p:pRg st="0" end="0"/>
+                                            </p:txEl>
+                                          </p:spTgt>
+                                        </p:tgtEl>
+                                        <p:attrNameLst>
+                                          <p:attrName>style.visibility</p:attrName>
+                                        </p:attrNameLst>
+                                      </p:cBhvr>
+                                      <p:to>
+                                        <p:strVal val="visible"/>
+                                      </p:to>
+                                    </p:set>
+                                  </p:childTnLst>
+                                </p:cTn>
+                              </p:par>
+                            </p:childTnLst>
+                          </p:cTn>
+                        </p:par>
+                      </p:childTnLst>
+                    </p:cTn>
+                  </p:par>
+                  <p:par>
+                    <p:cTn id="7" fill="hold">
+                      <p:stCondLst>
+                        <p:cond delay="indefinite"/>
+                      </p:stCondLst>
+                      <p:childTnLst>
+                        <p:par>
+                          <p:cTn id="8" fill="hold">
+                            <p:stCondLst>
+                              <p:cond delay="0"/>
+                            </p:stCondLst>
+                            <p:childTnLst>
+                              <p:par>
+                                <p:cTn id="9" presetID="1" presetClass="entr" presetSubtype="0" fill="hold" grpId="0" nodeType="clickEffect">
+                                  <p:stCondLst>
+                                    <p:cond delay="0"/>
+                                  </p:stCondLst>
+                                  <p:childTnLst>
+                                    <p:set>
+                                      <p:cBhvr>
+                                        <p:cTn id="10" dur="1" fill="hold">
+                                          <p:stCondLst>
+                                            <p:cond delay="0"/>
+                                          </p:stCondLst>
+                                        </p:cTn>
+                                        <p:tgtEl>
+                                          <p:spTgt spid="3">
+                                            <p:txEl>
+                                              <p:pRg st="1" end="1"/>
+                                            </p:txEl>
+                                          </p:spTgt>
+                                        </p:tgtEl>
+                                        <p:attrNameLst>
+                                          <p:attrName>style.visibility</p:attrName>
+                                        </p:attrNameLst>
+                                      </p:cBhvr>
+                                      <p:to>
+                                        <p:strVal val="visible"/>
+                                      </p:to>
+                                    </p:set>
+                                  </p:childTnLst>
+                                </p:cTn>
+                              </p:par>
+                            </p:childTnLst>
+                          </p:cTn>
+                        </p:par>
+                      </p:childTnLst>
+                    </p:cTn>
+                  </p:par>
+                  <p:par>
+                    <p:cTn id="11" fill="hold">
+                      <p:stCondLst>
+                        <p:cond delay="indefinite"/>
+                      </p:stCondLst>
+                      <p:childTnLst>
+                        <p:par>
+                          <p:cTn id="12" fill="hold">
+                            <p:stCondLst>
+                              <p:cond delay="0"/>
+                            </p:stCondLst>
+                            <p:childTnLst>
+                              <p:par>
+                                <p:cTn id="13" presetID="1" presetClass="entr" presetSubtype="0" fill="hold" grpId="0" nodeType="clickEffect">
+                                  <p:stCondLst>
+                                    <p:cond delay="0"/>
+                                  </p:stCondLst>
+                                  <p:childTnLst>
+                                    <p:set>
+                                      <p:cBhvr>
+                                        <p:cTn id="14" dur="1" fill="hold">
+                                          <p:stCondLst>
+                                            <p:cond delay="0"/>
+                                          </p:stCondLst>
+                                        </p:cTn>
+                                        <p:tgtEl>
+                                          <p:spTgt spid="3">
+                                            <p:txEl>
+                                              <p:pRg st="2" end="2"/>
+                                            </p:txEl>
+                                          </p:spTgt>
+                                        </p:tgtEl>
+                                        <p:attrNameLst>
+                                          <p:attrName>style.visibility</p:attrName>
+                                        </p:attrNameLst>
+                                      </p:cBhvr>
+                                      <p:to>
+                                        <p:strVal val="visible"/>
+                                      </p:to>
+                                    </p:set>
+                                  </p:childTnLst>
+                                </p:cTn>
+                              </p:par>
+                            </p:childTnLst>
+                          </p:cTn>
+                        </p:par>
+                      </p:childTnLst>
+                    </p:cTn>
+                  </p:par>
+                  <p:par>
+                    <p:cTn id="15" fill="hold">
+                      <p:stCondLst>
+                        <p:cond delay="indefinite"/>
+                      </p:stCondLst>
+                      <p:childTnLst>
+                        <p:par>
+                          <p:cTn id="16" fill="hold">
+                            <p:stCondLst>
+                              <p:cond delay="0"/>
+                            </p:stCondLst>
+                            <p:childTnLst>
+                              <p:par>
+                                <p:cTn id="17" presetID="1" presetClass="entr" presetSubtype="0" fill="hold" grpId="0" nodeType="clickEffect">
+                                  <p:stCondLst>
+                                    <p:cond delay="0"/>
+                                  </p:stCondLst>
+                                  <p:childTnLst>
+                                    <p:set>
+                                      <p:cBhvr>
+                                        <p:cTn id="18" dur="1" fill="hold">
+                                          <p:stCondLst>
+                                            <p:cond delay="0"/>
+                                          </p:stCondLst>
+                                        </p:cTn>
+                                        <p:tgtEl>
+                                          <p:spTgt spid="3">
+                                            <p:txEl>
+                                              <p:pRg st="4" end="4"/>
+                                            </p:txEl>
+                                          </p:spTgt>
+                                        </p:tgtEl>
+                                        <p:attrNameLst>
+                                          <p:attrName>style.visibility</p:attrName>
+                                        </p:attrNameLst>
+                                      </p:cBhvr>
+                                      <p:to>
+                                        <p:strVal val="visible"/>
+                                      </p:to>
+                                    </p:set>
+                                  </p:childTnLst>
+                                </p:cTn>
+                              </p:par>
+                            </p:childTnLst>
+                          </p:cTn>
+                        </p:par>
+                      </p:childTnLst>
+                    </p:cTn>
+                  </p:par>
+                  <p:par>
+                    <p:cTn id="19" fill="hold">
+                      <p:stCondLst>
+                        <p:cond delay="indefinite"/>
+                      </p:stCondLst>
+                      <p:childTnLst>
+                        <p:par>
+                          <p:cTn id="20" fill="hold">
+                            <p:stCondLst>
+                              <p:cond delay="0"/>
+                            </p:stCondLst>
+                            <p:childTnLst>
+                              <p:par>
+                                <p:cTn id="21" presetID="1" presetClass="entr" presetSubtype="0" fill="hold" grpId="0" nodeType="clickEffect">
+                                  <p:stCondLst>
+                                    <p:cond delay="0"/>
+                                  </p:stCondLst>
+                                  <p:childTnLst>
+                                    <p:set>
+                                      <p:cBhvr>
+                                        <p:cTn id="22" dur="1" fill="hold">
+                                          <p:stCondLst>
+                                            <p:cond delay="0"/>
+                                          </p:stCondLst>
+                                        </p:cTn>
+                                        <p:tgtEl>
+                                          <p:spTgt spid="8"/>
+                                        </p:tgtEl>
+                                        <p:attrNameLst>
+                                          <p:attrName>style.visibility</p:attrName>
+                                        </p:attrNameLst>
+                                      </p:cBhvr>
+                                      <p:to>
+                                        <p:strVal val="visible"/>
+                                      </p:to>
+                                    </p:set>
+                                  </p:childTnLst>
+                                </p:cTn>
+                              </p:par>
+                            </p:childTnLst>
+                          </p:cTn>
+                        </p:par>
+                      </p:childTnLst>
+                    </p:cTn>
+                  </p:par>
+                </p:childTnLst>
+              </p:cTn>
+              <p:prevCondLst>
+                <p:cond evt="onPrev" delay="0">
+                  <p:tgtEl>
+                    <p:sldTgt/>
+                  </p:tgtEl>
+                </p:cond>
+              </p:prevCondLst>
+              <p:nextCondLst>
+                <p:cond evt="onNext" delay="0">
+                  <p:tgtEl>
+                    <p:sldTgt/>
+                  </p:tgtEl>
+                </p:cond>
+              </p:nextCondLst>
+            </p:seq>
+          </p:childTnLst>
+        </p:cTn>
       </p:par>
     </p:tnLst>
+    <p:bldLst>
+      <p:bldP spid="3" grpId="0" build="p"/>
+      <p:bldP spid="8" grpId="0"/>
+    </p:bldLst>
   </p:timing>
 </p:sld>
 </file>
@@ -6129,7 +7150,12 @@
             <p:ph type="title"/>
           </p:nvPr>
         </p:nvSpPr>
-        <p:spPr/>
+        <p:spPr>
+          <a:xfrm>
+            <a:off x="0" y="0"/>
+            <a:ext cx="10515600" cy="867930"/>
+          </a:xfrm>
+        </p:spPr>
         <p:txBody>
           <a:bodyPr/>
           <a:lstStyle/>
@@ -6154,36 +7180,135 @@
         </p:nvSpPr>
         <p:spPr>
           <a:xfrm>
-            <a:off x="838200" y="1546969"/>
-            <a:ext cx="10515600" cy="1708850"/>
+            <a:off x="386943" y="867930"/>
+            <a:ext cx="11805057" cy="5890582"/>
           </a:xfrm>
         </p:spPr>
         <p:txBody>
           <a:bodyPr>
-            <a:normAutofit fontScale="92500" lnSpcReduction="10000"/>
+            <a:normAutofit/>
           </a:bodyPr>
           <a:lstStyle/>
           <a:p>
             <a:r>
               <a:rPr lang="en-CA" dirty="0" smtClean="0"/>
-              <a:t>This is the special case where we have instances with only one feature</a:t>
-            </a:r>
-          </a:p>
-          <a:p>
-            <a:pPr lvl="1"/>
-            <a:r>
-              <a:rPr lang="en-CA" dirty="0" err="1" smtClean="0"/>
-              <a:t>ie</a:t>
+              <a:t>This is the specific case where we have instances with only one feature</a:t>
+            </a:r>
+          </a:p>
+          <a:p>
+            <a:r>
+              <a:rPr lang="en-CA" dirty="0" smtClean="0">
+                <a:latin typeface="Cambria Math" panose="02040503050406030204" pitchFamily="18" charset="0"/>
+                <a:ea typeface="Cambria Math" panose="02040503050406030204" pitchFamily="18" charset="0"/>
+              </a:rPr>
+              <a:t>X</a:t>
             </a:r>
             <a:r>
               <a:rPr lang="en-CA" dirty="0" smtClean="0"/>
-              <a:t>, the numbers on the x-axis </a:t>
-            </a:r>
-          </a:p>
-          <a:p>
+              <a:t> is a matrix with </a:t>
+            </a:r>
+            <a:r>
+              <a:rPr lang="en-CA" dirty="0" err="1" smtClean="0">
+                <a:latin typeface="Cambria Math" panose="02040503050406030204" pitchFamily="18" charset="0"/>
+                <a:ea typeface="Cambria Math" panose="02040503050406030204" pitchFamily="18" charset="0"/>
+              </a:rPr>
+              <a:t>i</a:t>
+            </a:r>
             <a:r>
               <a:rPr lang="en-CA" dirty="0" smtClean="0"/>
-              <a:t>How can we quantify the “goodness of fit”? </a:t>
+              <a:t> rows, 2 columns</a:t>
+            </a:r>
+            <a:r>
+              <a:rPr lang="en-CA" dirty="0" smtClean="0">
+                <a:latin typeface="Cambria Math" panose="02040503050406030204" pitchFamily="18" charset="0"/>
+                <a:ea typeface="Cambria Math" panose="02040503050406030204" pitchFamily="18" charset="0"/>
+              </a:rPr>
+              <a:t>, Y </a:t>
+            </a:r>
+            <a:r>
+              <a:rPr lang="en-CA" dirty="0" smtClean="0"/>
+              <a:t>has </a:t>
+            </a:r>
+            <a:r>
+              <a:rPr lang="en-CA" dirty="0" err="1" smtClean="0">
+                <a:latin typeface="Cambria Math" panose="02040503050406030204" pitchFamily="18" charset="0"/>
+                <a:ea typeface="Cambria Math" panose="02040503050406030204" pitchFamily="18" charset="0"/>
+              </a:rPr>
+              <a:t>i</a:t>
+            </a:r>
+            <a:r>
+              <a:rPr lang="en-CA" dirty="0" smtClean="0"/>
+              <a:t> rows. Why 2 columns in </a:t>
+            </a:r>
+            <a:r>
+              <a:rPr lang="en-CA" dirty="0" smtClean="0">
+                <a:latin typeface="Cambria Math" panose="02040503050406030204" pitchFamily="18" charset="0"/>
+                <a:ea typeface="Cambria Math" panose="02040503050406030204" pitchFamily="18" charset="0"/>
+              </a:rPr>
+              <a:t>X</a:t>
+            </a:r>
+            <a:r>
+              <a:rPr lang="en-CA" dirty="0" smtClean="0"/>
+              <a:t>?</a:t>
+            </a:r>
+          </a:p>
+          <a:p>
+            <a:endParaRPr lang="en-CA" dirty="0"/>
+          </a:p>
+          <a:p>
+            <a:endParaRPr lang="en-CA" dirty="0" smtClean="0"/>
+          </a:p>
+          <a:p>
+            <a:endParaRPr lang="en-CA" dirty="0"/>
+          </a:p>
+          <a:p>
+            <a:endParaRPr lang="en-CA" dirty="0" smtClean="0"/>
+          </a:p>
+          <a:p>
+            <a:endParaRPr lang="en-CA" dirty="0"/>
+          </a:p>
+          <a:p>
+            <a:endParaRPr lang="en-CA" dirty="0" smtClean="0"/>
+          </a:p>
+          <a:p>
+            <a:endParaRPr lang="en-CA" dirty="0" smtClean="0"/>
+          </a:p>
+          <a:p>
+            <a:r>
+              <a:rPr lang="en-CA" dirty="0" smtClean="0">
+                <a:latin typeface="Cambria Math" panose="02040503050406030204" pitchFamily="18" charset="0"/>
+                <a:ea typeface="Cambria Math" panose="02040503050406030204" pitchFamily="18" charset="0"/>
+              </a:rPr>
+              <a:t>w</a:t>
+            </a:r>
+            <a:r>
+              <a:rPr lang="en-CA" baseline="-25000" dirty="0" smtClean="0">
+                <a:latin typeface="Cambria Math" panose="02040503050406030204" pitchFamily="18" charset="0"/>
+                <a:ea typeface="Cambria Math" panose="02040503050406030204" pitchFamily="18" charset="0"/>
+              </a:rPr>
+              <a:t>0</a:t>
+            </a:r>
+            <a:r>
+              <a:rPr lang="en-CA" dirty="0" smtClean="0"/>
+              <a:t> is the intercept, </a:t>
+            </a:r>
+            <a:r>
+              <a:rPr lang="en-CA" dirty="0" smtClean="0">
+                <a:latin typeface="Cambria Math" panose="02040503050406030204" pitchFamily="18" charset="0"/>
+                <a:ea typeface="Cambria Math" panose="02040503050406030204" pitchFamily="18" charset="0"/>
+              </a:rPr>
+              <a:t>w</a:t>
+            </a:r>
+            <a:r>
+              <a:rPr lang="en-CA" baseline="-25000" dirty="0" smtClean="0">
+                <a:latin typeface="Cambria Math" panose="02040503050406030204" pitchFamily="18" charset="0"/>
+                <a:ea typeface="Cambria Math" panose="02040503050406030204" pitchFamily="18" charset="0"/>
+              </a:rPr>
+              <a:t>1</a:t>
+            </a:r>
+            <a:r>
+              <a:rPr lang="en-CA" dirty="0" smtClean="0"/>
+              <a:t> the slope. How can we quantify the “goodness of fit”? </a:t>
             </a:r>
           </a:p>
           <a:p>
@@ -6211,7 +7336,7 @@
         </p:blipFill>
         <p:spPr>
           <a:xfrm>
-            <a:off x="386943" y="3138488"/>
+            <a:off x="386943" y="1822304"/>
             <a:ext cx="5337031" cy="3620024"/>
           </a:xfrm>
           <a:prstGeom prst="rect">
@@ -6235,7 +7360,7 @@
         </p:blipFill>
         <p:spPr>
           <a:xfrm>
-            <a:off x="6096000" y="3138488"/>
+            <a:off x="6075671" y="1822304"/>
             <a:ext cx="5395361" cy="3620024"/>
           </a:xfrm>
           <a:prstGeom prst="rect">
@@ -6256,9 +7381,303 @@
   <p:timing>
     <p:tnLst>
       <p:par>
-        <p:cTn id="1" dur="indefinite" restart="never" nodeType="tmRoot"/>
+        <p:cTn id="1" dur="indefinite" restart="never" nodeType="tmRoot">
+          <p:childTnLst>
+            <p:seq concurrent="1" nextAc="seek">
+              <p:cTn id="2" dur="indefinite" nodeType="mainSeq">
+                <p:childTnLst>
+                  <p:par>
+                    <p:cTn id="3" fill="hold">
+                      <p:stCondLst>
+                        <p:cond delay="indefinite"/>
+                      </p:stCondLst>
+                      <p:childTnLst>
+                        <p:par>
+                          <p:cTn id="4" fill="hold">
+                            <p:stCondLst>
+                              <p:cond delay="0"/>
+                            </p:stCondLst>
+                            <p:childTnLst>
+                              <p:par>
+                                <p:cTn id="5" presetID="1" presetClass="entr" presetSubtype="0" fill="hold" nodeType="clickEffect">
+                                  <p:stCondLst>
+                                    <p:cond delay="0"/>
+                                  </p:stCondLst>
+                                  <p:childTnLst>
+                                    <p:set>
+                                      <p:cBhvr>
+                                        <p:cTn id="6" dur="1" fill="hold">
+                                          <p:stCondLst>
+                                            <p:cond delay="0"/>
+                                          </p:stCondLst>
+                                        </p:cTn>
+                                        <p:tgtEl>
+                                          <p:spTgt spid="4"/>
+                                        </p:tgtEl>
+                                        <p:attrNameLst>
+                                          <p:attrName>style.visibility</p:attrName>
+                                        </p:attrNameLst>
+                                      </p:cBhvr>
+                                      <p:to>
+                                        <p:strVal val="visible"/>
+                                      </p:to>
+                                    </p:set>
+                                  </p:childTnLst>
+                                </p:cTn>
+                              </p:par>
+                            </p:childTnLst>
+                          </p:cTn>
+                        </p:par>
+                      </p:childTnLst>
+                    </p:cTn>
+                  </p:par>
+                  <p:par>
+                    <p:cTn id="7" fill="hold">
+                      <p:stCondLst>
+                        <p:cond delay="indefinite"/>
+                      </p:stCondLst>
+                      <p:childTnLst>
+                        <p:par>
+                          <p:cTn id="8" fill="hold">
+                            <p:stCondLst>
+                              <p:cond delay="0"/>
+                            </p:stCondLst>
+                            <p:childTnLst>
+                              <p:par>
+                                <p:cTn id="9" presetID="1" presetClass="entr" presetSubtype="0" fill="hold" grpId="0" nodeType="clickEffect">
+                                  <p:stCondLst>
+                                    <p:cond delay="0"/>
+                                  </p:stCondLst>
+                                  <p:childTnLst>
+                                    <p:set>
+                                      <p:cBhvr>
+                                        <p:cTn id="10" dur="1" fill="hold">
+                                          <p:stCondLst>
+                                            <p:cond delay="0"/>
+                                          </p:stCondLst>
+                                        </p:cTn>
+                                        <p:tgtEl>
+                                          <p:spTgt spid="3">
+                                            <p:txEl>
+                                              <p:pRg st="0" end="0"/>
+                                            </p:txEl>
+                                          </p:spTgt>
+                                        </p:tgtEl>
+                                        <p:attrNameLst>
+                                          <p:attrName>style.visibility</p:attrName>
+                                        </p:attrNameLst>
+                                      </p:cBhvr>
+                                      <p:to>
+                                        <p:strVal val="visible"/>
+                                      </p:to>
+                                    </p:set>
+                                  </p:childTnLst>
+                                </p:cTn>
+                              </p:par>
+                            </p:childTnLst>
+                          </p:cTn>
+                        </p:par>
+                      </p:childTnLst>
+                    </p:cTn>
+                  </p:par>
+                  <p:par>
+                    <p:cTn id="11" fill="hold">
+                      <p:stCondLst>
+                        <p:cond delay="indefinite"/>
+                      </p:stCondLst>
+                      <p:childTnLst>
+                        <p:par>
+                          <p:cTn id="12" fill="hold">
+                            <p:stCondLst>
+                              <p:cond delay="0"/>
+                            </p:stCondLst>
+                            <p:childTnLst>
+                              <p:par>
+                                <p:cTn id="13" presetID="1" presetClass="entr" presetSubtype="0" fill="hold" grpId="0" nodeType="clickEffect">
+                                  <p:stCondLst>
+                                    <p:cond delay="0"/>
+                                  </p:stCondLst>
+                                  <p:childTnLst>
+                                    <p:set>
+                                      <p:cBhvr>
+                                        <p:cTn id="14" dur="1" fill="hold">
+                                          <p:stCondLst>
+                                            <p:cond delay="0"/>
+                                          </p:stCondLst>
+                                        </p:cTn>
+                                        <p:tgtEl>
+                                          <p:spTgt spid="3">
+                                            <p:txEl>
+                                              <p:pRg st="1" end="1"/>
+                                            </p:txEl>
+                                          </p:spTgt>
+                                        </p:tgtEl>
+                                        <p:attrNameLst>
+                                          <p:attrName>style.visibility</p:attrName>
+                                        </p:attrNameLst>
+                                      </p:cBhvr>
+                                      <p:to>
+                                        <p:strVal val="visible"/>
+                                      </p:to>
+                                    </p:set>
+                                  </p:childTnLst>
+                                </p:cTn>
+                              </p:par>
+                            </p:childTnLst>
+                          </p:cTn>
+                        </p:par>
+                      </p:childTnLst>
+                    </p:cTn>
+                  </p:par>
+                  <p:par>
+                    <p:cTn id="15" fill="hold">
+                      <p:stCondLst>
+                        <p:cond delay="indefinite"/>
+                      </p:stCondLst>
+                      <p:childTnLst>
+                        <p:par>
+                          <p:cTn id="16" fill="hold">
+                            <p:stCondLst>
+                              <p:cond delay="0"/>
+                            </p:stCondLst>
+                            <p:childTnLst>
+                              <p:par>
+                                <p:cTn id="17" presetID="1" presetClass="entr" presetSubtype="0" fill="hold" grpId="0" nodeType="clickEffect">
+                                  <p:stCondLst>
+                                    <p:cond delay="0"/>
+                                  </p:stCondLst>
+                                  <p:childTnLst>
+                                    <p:set>
+                                      <p:cBhvr>
+                                        <p:cTn id="18" dur="1" fill="hold">
+                                          <p:stCondLst>
+                                            <p:cond delay="0"/>
+                                          </p:stCondLst>
+                                        </p:cTn>
+                                        <p:tgtEl>
+                                          <p:spTgt spid="3">
+                                            <p:txEl>
+                                              <p:pRg st="9" end="9"/>
+                                            </p:txEl>
+                                          </p:spTgt>
+                                        </p:tgtEl>
+                                        <p:attrNameLst>
+                                          <p:attrName>style.visibility</p:attrName>
+                                        </p:attrNameLst>
+                                      </p:cBhvr>
+                                      <p:to>
+                                        <p:strVal val="visible"/>
+                                      </p:to>
+                                    </p:set>
+                                  </p:childTnLst>
+                                </p:cTn>
+                              </p:par>
+                            </p:childTnLst>
+                          </p:cTn>
+                        </p:par>
+                      </p:childTnLst>
+                    </p:cTn>
+                  </p:par>
+                  <p:par>
+                    <p:cTn id="19" fill="hold">
+                      <p:stCondLst>
+                        <p:cond delay="indefinite"/>
+                      </p:stCondLst>
+                      <p:childTnLst>
+                        <p:par>
+                          <p:cTn id="20" fill="hold">
+                            <p:stCondLst>
+                              <p:cond delay="0"/>
+                            </p:stCondLst>
+                            <p:childTnLst>
+                              <p:par>
+                                <p:cTn id="21" presetID="1" presetClass="entr" presetSubtype="0" fill="hold" grpId="0" nodeType="clickEffect">
+                                  <p:stCondLst>
+                                    <p:cond delay="0"/>
+                                  </p:stCondLst>
+                                  <p:childTnLst>
+                                    <p:set>
+                                      <p:cBhvr>
+                                        <p:cTn id="22" dur="1" fill="hold">
+                                          <p:stCondLst>
+                                            <p:cond delay="0"/>
+                                          </p:stCondLst>
+                                        </p:cTn>
+                                        <p:tgtEl>
+                                          <p:spTgt spid="3">
+                                            <p:txEl>
+                                              <p:pRg st="10" end="10"/>
+                                            </p:txEl>
+                                          </p:spTgt>
+                                        </p:tgtEl>
+                                        <p:attrNameLst>
+                                          <p:attrName>style.visibility</p:attrName>
+                                        </p:attrNameLst>
+                                      </p:cBhvr>
+                                      <p:to>
+                                        <p:strVal val="visible"/>
+                                      </p:to>
+                                    </p:set>
+                                  </p:childTnLst>
+                                </p:cTn>
+                              </p:par>
+                              <p:par>
+                                <p:cTn id="23" presetID="1" presetClass="entr" presetSubtype="0" fill="hold" nodeType="withEffect">
+                                  <p:stCondLst>
+                                    <p:cond delay="0"/>
+                                  </p:stCondLst>
+                                  <p:childTnLst>
+                                    <p:set>
+                                      <p:cBhvr>
+                                        <p:cTn id="24" dur="1" fill="hold">
+                                          <p:stCondLst>
+                                            <p:cond delay="0"/>
+                                          </p:stCondLst>
+                                        </p:cTn>
+                                        <p:tgtEl>
+                                          <p:spTgt spid="5"/>
+                                        </p:tgtEl>
+                                        <p:attrNameLst>
+                                          <p:attrName>style.visibility</p:attrName>
+                                        </p:attrNameLst>
+                                      </p:cBhvr>
+                                      <p:to>
+                                        <p:strVal val="visible"/>
+                                      </p:to>
+                                    </p:set>
+                                  </p:childTnLst>
+                                </p:cTn>
+                              </p:par>
+                            </p:childTnLst>
+                          </p:cTn>
+                        </p:par>
+                      </p:childTnLst>
+                    </p:cTn>
+                  </p:par>
+                </p:childTnLst>
+              </p:cTn>
+              <p:prevCondLst>
+                <p:cond evt="onPrev" delay="0">
+                  <p:tgtEl>
+                    <p:sldTgt/>
+                  </p:tgtEl>
+                </p:cond>
+              </p:prevCondLst>
+              <p:nextCondLst>
+                <p:cond evt="onNext" delay="0">
+                  <p:tgtEl>
+                    <p:sldTgt/>
+                  </p:tgtEl>
+                </p:cond>
+              </p:nextCondLst>
+            </p:seq>
+          </p:childTnLst>
+        </p:cTn>
       </p:par>
     </p:tnLst>
+    <p:bldLst>
+      <p:bldP spid="3" grpId="0" uiExpand="1" build="p"/>
+    </p:bldLst>
   </p:timing>
 </p:sld>
 </file>
@@ -6441,16 +7860,34 @@
             </a:r>
           </a:p>
           <a:p>
-            <a:r>
-              <a:rPr lang="en-CA" dirty="0" smtClean="0"/>
-              <a:t>Real world example from my Ph.D. works</a:t>
-            </a:r>
-          </a:p>
-          <a:p>
             <a:endParaRPr lang="en-CA" dirty="0"/>
           </a:p>
         </p:txBody>
       </p:sp>
+      <p:pic>
+        <p:nvPicPr>
+          <p:cNvPr id="4" name="Picture 3"/>
+          <p:cNvPicPr>
+            <a:picLocks noChangeAspect="1"/>
+          </p:cNvPicPr>
+          <p:nvPr/>
+        </p:nvPicPr>
+        <p:blipFill>
+          <a:blip r:embed="rId2"/>
+          <a:stretch>
+            <a:fillRect/>
+          </a:stretch>
+        </p:blipFill>
+        <p:spPr>
+          <a:xfrm>
+            <a:off x="3380942" y="3357563"/>
+            <a:ext cx="4238625" cy="2819400"/>
+          </a:xfrm>
+          <a:prstGeom prst="rect">
+            <a:avLst/>
+          </a:prstGeom>
+        </p:spPr>
+      </p:pic>
     </p:spTree>
     <p:extLst>
       <p:ext uri="{BB962C8B-B14F-4D97-AF65-F5344CB8AC3E}">
